--- a/idash2021.pptx
+++ b/idash2021.pptx
@@ -5,17 +5,18 @@
     <p:sldMasterId id="2147483960" r:id="rId1"/>
   </p:sldMasterIdLst>
   <p:notesMasterIdLst>
-    <p:notesMasterId r:id="rId10"/>
+    <p:notesMasterId r:id="rId11"/>
   </p:notesMasterIdLst>
   <p:sldIdLst>
-    <p:sldId id="326" r:id="rId2"/>
-    <p:sldId id="332" r:id="rId3"/>
-    <p:sldId id="333" r:id="rId4"/>
-    <p:sldId id="334" r:id="rId5"/>
-    <p:sldId id="330" r:id="rId6"/>
-    <p:sldId id="329" r:id="rId7"/>
-    <p:sldId id="331" r:id="rId8"/>
-    <p:sldId id="328" r:id="rId9"/>
+    <p:sldId id="335" r:id="rId2"/>
+    <p:sldId id="326" r:id="rId3"/>
+    <p:sldId id="330" r:id="rId4"/>
+    <p:sldId id="329" r:id="rId5"/>
+    <p:sldId id="331" r:id="rId6"/>
+    <p:sldId id="328" r:id="rId7"/>
+    <p:sldId id="332" r:id="rId8"/>
+    <p:sldId id="333" r:id="rId9"/>
+    <p:sldId id="334" r:id="rId10"/>
   </p:sldIdLst>
   <p:sldSz cx="9144000" cy="5715000" type="screen16x10"/>
   <p:notesSz cx="6858000" cy="9144000"/>
@@ -480,6 +481,90 @@
     </a:lvl9pPr>
   </p:notesStyle>
 </p:notesMaster>
+</file>
+
+<file path=ppt/notesSlides/notesSlide1.xml><?xml version="1.0" encoding="utf-8"?>
+<p:notes xmlns:a="http://schemas.openxmlformats.org/drawingml/2006/main" xmlns:r="http://schemas.openxmlformats.org/officeDocument/2006/relationships" xmlns:p="http://schemas.openxmlformats.org/presentationml/2006/main">
+  <p:cSld>
+    <p:spTree>
+      <p:nvGrpSpPr>
+        <p:cNvPr id="1" name=""/>
+        <p:cNvGrpSpPr/>
+        <p:nvPr/>
+      </p:nvGrpSpPr>
+      <p:grpSpPr>
+        <a:xfrm>
+          <a:off x="0" y="0"/>
+          <a:ext cx="0" cy="0"/>
+          <a:chOff x="0" y="0"/>
+          <a:chExt cx="0" cy="0"/>
+        </a:xfrm>
+      </p:grpSpPr>
+      <p:sp>
+        <p:nvSpPr>
+          <p:cNvPr id="2" name="Slide Image Placeholder 1"/>
+          <p:cNvSpPr>
+            <a:spLocks noGrp="1" noRot="1" noChangeAspect="1"/>
+          </p:cNvSpPr>
+          <p:nvPr>
+            <p:ph type="sldImg"/>
+          </p:nvPr>
+        </p:nvSpPr>
+        <p:spPr/>
+      </p:sp>
+      <p:sp>
+        <p:nvSpPr>
+          <p:cNvPr id="3" name="Notes Placeholder 2"/>
+          <p:cNvSpPr>
+            <a:spLocks noGrp="1"/>
+          </p:cNvSpPr>
+          <p:nvPr>
+            <p:ph type="body" idx="1"/>
+          </p:nvPr>
+        </p:nvSpPr>
+        <p:spPr/>
+        <p:txBody>
+          <a:bodyPr/>
+          <a:lstStyle/>
+          <a:p>
+            <a:endParaRPr lang="en-BR" dirty="0"/>
+          </a:p>
+        </p:txBody>
+      </p:sp>
+      <p:sp>
+        <p:nvSpPr>
+          <p:cNvPr id="4" name="Slide Number Placeholder 3"/>
+          <p:cNvSpPr>
+            <a:spLocks noGrp="1"/>
+          </p:cNvSpPr>
+          <p:nvPr>
+            <p:ph type="sldNum" sz="quarter" idx="5"/>
+          </p:nvPr>
+        </p:nvSpPr>
+        <p:spPr/>
+        <p:txBody>
+          <a:bodyPr/>
+          <a:lstStyle/>
+          <a:p>
+            <a:fld id="{DA0A2508-4756-4493-9E55-B5BD5C9DD24A}" type="slidenum">
+              <a:rPr lang="pt-BR" smtClean="0"/>
+              <a:t>1</a:t>
+            </a:fld>
+            <a:endParaRPr lang="pt-BR"/>
+          </a:p>
+        </p:txBody>
+      </p:sp>
+    </p:spTree>
+    <p:extLst>
+      <p:ext uri="{BB962C8B-B14F-4D97-AF65-F5344CB8AC3E}">
+        <p14:creationId xmlns:p14="http://schemas.microsoft.com/office/powerpoint/2010/main" val="1333987811"/>
+      </p:ext>
+    </p:extLst>
+  </p:cSld>
+  <p:clrMapOvr>
+    <a:masterClrMapping/>
+  </p:clrMapOvr>
+</p:notes>
 </file>
 
 <file path=ppt/slideLayouts/slideLayout1.xml><?xml version="1.0" encoding="utf-8"?>
@@ -3196,6 +3281,3129 @@
       </p:grpSpPr>
       <p:sp>
         <p:nvSpPr>
+          <p:cNvPr id="5" name="Content Placeholder 4">
+            <a:extLst>
+              <a:ext uri="{FF2B5EF4-FFF2-40B4-BE49-F238E27FC236}">
+                <a16:creationId xmlns:a16="http://schemas.microsoft.com/office/drawing/2014/main" id="{903CAD95-2577-8A4A-91F5-C69F5013222B}"/>
+              </a:ext>
+            </a:extLst>
+          </p:cNvPr>
+          <p:cNvSpPr>
+            <a:spLocks noGrp="1"/>
+          </p:cNvSpPr>
+          <p:nvPr>
+            <p:ph idx="1"/>
+          </p:nvPr>
+        </p:nvSpPr>
+        <p:spPr>
+          <a:xfrm>
+            <a:off x="323528" y="783555"/>
+            <a:ext cx="7886700" cy="2217961"/>
+          </a:xfrm>
+        </p:spPr>
+        <p:txBody>
+          <a:bodyPr>
+            <a:noAutofit/>
+          </a:bodyPr>
+          <a:lstStyle/>
+          <a:p>
+            <a:r>
+              <a:rPr lang="en-US" sz="1400" dirty="0"/>
+              <a:t>MP-SPDZ doesn’t use regularization after validation with Marcel.</a:t>
+            </a:r>
+          </a:p>
+        </p:txBody>
+      </p:sp>
+      <p:sp>
+        <p:nvSpPr>
+          <p:cNvPr id="2" name="Rectangle 1">
+            <a:extLst>
+              <a:ext uri="{FF2B5EF4-FFF2-40B4-BE49-F238E27FC236}">
+                <a16:creationId xmlns:a16="http://schemas.microsoft.com/office/drawing/2014/main" id="{460A1D01-2EB1-AC4C-9BDB-F87DDF9D0BA5}"/>
+              </a:ext>
+            </a:extLst>
+          </p:cNvPr>
+          <p:cNvSpPr/>
+          <p:nvPr/>
+        </p:nvSpPr>
+        <p:spPr>
+          <a:xfrm>
+            <a:off x="251520" y="471944"/>
+            <a:ext cx="2731004" cy="369332"/>
+          </a:xfrm>
+          <a:prstGeom prst="rect">
+            <a:avLst/>
+          </a:prstGeom>
+        </p:spPr>
+        <p:txBody>
+          <a:bodyPr wrap="none">
+            <a:spAutoFit/>
+          </a:bodyPr>
+          <a:lstStyle/>
+          <a:p>
+            <a:r>
+              <a:rPr lang="en-US" b="1" dirty="0"/>
+              <a:t>Questions about MP-SPDZ</a:t>
+            </a:r>
+            <a:endParaRPr lang="en-BR" b="1" dirty="0"/>
+          </a:p>
+        </p:txBody>
+      </p:sp>
+      <p:sp>
+        <p:nvSpPr>
+          <p:cNvPr id="3" name="Rectangle 2">
+            <a:extLst>
+              <a:ext uri="{FF2B5EF4-FFF2-40B4-BE49-F238E27FC236}">
+                <a16:creationId xmlns:a16="http://schemas.microsoft.com/office/drawing/2014/main" id="{C1D0AC14-349D-C545-9572-1FB98F7CA711}"/>
+              </a:ext>
+            </a:extLst>
+          </p:cNvPr>
+          <p:cNvSpPr/>
+          <p:nvPr/>
+        </p:nvSpPr>
+        <p:spPr>
+          <a:xfrm>
+            <a:off x="179512" y="39896"/>
+            <a:ext cx="8964488" cy="369332"/>
+          </a:xfrm>
+          <a:prstGeom prst="rect">
+            <a:avLst/>
+          </a:prstGeom>
+        </p:spPr>
+        <p:txBody>
+          <a:bodyPr wrap="square">
+            <a:spAutoFit/>
+          </a:bodyPr>
+          <a:lstStyle/>
+          <a:p>
+            <a:r>
+              <a:rPr lang="en-BR" dirty="0"/>
+              <a:t>https://github.com/ricardojmmaia/idash2021/blob/main/logistic_regression_idash2021.mpc</a:t>
+            </a:r>
+          </a:p>
+        </p:txBody>
+      </p:sp>
+      <p:graphicFrame>
+        <p:nvGraphicFramePr>
+          <p:cNvPr id="8" name="Table 7">
+            <a:extLst>
+              <a:ext uri="{FF2B5EF4-FFF2-40B4-BE49-F238E27FC236}">
+                <a16:creationId xmlns:a16="http://schemas.microsoft.com/office/drawing/2014/main" id="{DC869C50-9AB2-394B-8DF1-975E1750D670}"/>
+              </a:ext>
+            </a:extLst>
+          </p:cNvPr>
+          <p:cNvGraphicFramePr>
+            <a:graphicFrameLocks noGrp="1"/>
+          </p:cNvGraphicFramePr>
+          <p:nvPr>
+            <p:extLst>
+              <p:ext uri="{D42A27DB-BD31-4B8C-83A1-F6EECF244321}">
+                <p14:modId xmlns:p14="http://schemas.microsoft.com/office/powerpoint/2010/main" val="2333876705"/>
+              </p:ext>
+            </p:extLst>
+          </p:nvPr>
+        </p:nvGraphicFramePr>
+        <p:xfrm>
+          <a:off x="546565" y="1705372"/>
+          <a:ext cx="4320480" cy="535147"/>
+        </p:xfrm>
+        <a:graphic>
+          <a:graphicData uri="http://schemas.openxmlformats.org/drawingml/2006/table">
+            <a:tbl>
+              <a:tblPr>
+                <a:tableStyleId>{5C22544A-7EE6-4342-B048-85BDC9FD1C3A}</a:tableStyleId>
+              </a:tblPr>
+              <a:tblGrid>
+                <a:gridCol w="1296144">
+                  <a:extLst>
+                    <a:ext uri="{9D8B030D-6E8A-4147-A177-3AD203B41FA5}">
+                      <a16:colId xmlns:a16="http://schemas.microsoft.com/office/drawing/2014/main" val="1267255866"/>
+                    </a:ext>
+                  </a:extLst>
+                </a:gridCol>
+                <a:gridCol w="864096">
+                  <a:extLst>
+                    <a:ext uri="{9D8B030D-6E8A-4147-A177-3AD203B41FA5}">
+                      <a16:colId xmlns:a16="http://schemas.microsoft.com/office/drawing/2014/main" val="2331930909"/>
+                    </a:ext>
+                  </a:extLst>
+                </a:gridCol>
+                <a:gridCol w="1080120">
+                  <a:extLst>
+                    <a:ext uri="{9D8B030D-6E8A-4147-A177-3AD203B41FA5}">
+                      <a16:colId xmlns:a16="http://schemas.microsoft.com/office/drawing/2014/main" val="3110834313"/>
+                    </a:ext>
+                  </a:extLst>
+                </a:gridCol>
+                <a:gridCol w="1080120">
+                  <a:extLst>
+                    <a:ext uri="{9D8B030D-6E8A-4147-A177-3AD203B41FA5}">
+                      <a16:colId xmlns:a16="http://schemas.microsoft.com/office/drawing/2014/main" val="1597067107"/>
+                    </a:ext>
+                  </a:extLst>
+                </a:gridCol>
+              </a:tblGrid>
+              <a:tr h="190918">
+                <a:tc>
+                  <a:txBody>
+                    <a:bodyPr/>
+                    <a:lstStyle/>
+                    <a:p>
+                      <a:pPr marL="0" marR="0" lvl="0" indent="0" algn="ctr" defTabSz="685800" rtl="0" eaLnBrk="1" fontAlgn="b" latinLnBrk="0" hangingPunct="1">
+                        <a:lnSpc>
+                          <a:spcPct val="100000"/>
+                        </a:lnSpc>
+                        <a:spcBef>
+                          <a:spcPts val="0"/>
+                        </a:spcBef>
+                        <a:spcAft>
+                          <a:spcPts val="0"/>
+                        </a:spcAft>
+                        <a:buClrTx/>
+                        <a:buSzTx/>
+                        <a:buFontTx/>
+                        <a:buNone/>
+                        <a:tabLst/>
+                        <a:defRPr/>
+                      </a:pPr>
+                      <a:r>
+                        <a:rPr lang="en-BR" sz="1100" b="1" i="0" u="none" strike="noStrike" dirty="0">
+                          <a:solidFill>
+                            <a:srgbClr val="000000"/>
+                          </a:solidFill>
+                          <a:effectLst/>
+                          <a:latin typeface="Calibri" panose="020F0502020204030204" pitchFamily="34" charset="0"/>
+                        </a:rPr>
+                        <a:t>Logistic Regression Sklearn</a:t>
+                      </a:r>
+                    </a:p>
+                  </a:txBody>
+                  <a:tcPr marL="8949" marR="8949" marT="8949" marB="0" anchor="b"/>
+                </a:tc>
+                <a:tc>
+                  <a:txBody>
+                    <a:bodyPr/>
+                    <a:lstStyle/>
+                    <a:p>
+                      <a:pPr marL="0" marR="0" lvl="0" indent="0" algn="ctr" defTabSz="685800" rtl="0" eaLnBrk="1" fontAlgn="b" latinLnBrk="0" hangingPunct="1">
+                        <a:lnSpc>
+                          <a:spcPct val="100000"/>
+                        </a:lnSpc>
+                        <a:spcBef>
+                          <a:spcPts val="0"/>
+                        </a:spcBef>
+                        <a:spcAft>
+                          <a:spcPts val="0"/>
+                        </a:spcAft>
+                        <a:buClrTx/>
+                        <a:buSzTx/>
+                        <a:buFontTx/>
+                        <a:buNone/>
+                        <a:tabLst/>
+                        <a:defRPr/>
+                      </a:pPr>
+                      <a:r>
+                        <a:rPr lang="en-BR" sz="1100" b="1" i="0" u="none" strike="noStrike" dirty="0">
+                          <a:solidFill>
+                            <a:srgbClr val="000000"/>
+                          </a:solidFill>
+                          <a:effectLst/>
+                          <a:latin typeface="Calibri" panose="020F0502020204030204" pitchFamily="34" charset="0"/>
+                        </a:rPr>
+                        <a:t>Perceptron Sklearn</a:t>
+                      </a:r>
+                    </a:p>
+                  </a:txBody>
+                  <a:tcPr marL="8949" marR="8949" marT="8949" marB="0" anchor="b"/>
+                </a:tc>
+                <a:tc>
+                  <a:txBody>
+                    <a:bodyPr/>
+                    <a:lstStyle/>
+                    <a:p>
+                      <a:pPr algn="ctr" fontAlgn="b"/>
+                      <a:r>
+                        <a:rPr lang="en-BR" sz="1100" b="1" i="0" u="none" strike="noStrike" dirty="0">
+                          <a:solidFill>
+                            <a:srgbClr val="000000"/>
+                          </a:solidFill>
+                          <a:effectLst/>
+                          <a:latin typeface="Calibri" panose="020F0502020204030204" pitchFamily="34" charset="0"/>
+                        </a:rPr>
+                        <a:t>Keras</a:t>
+                      </a:r>
+                    </a:p>
+                  </a:txBody>
+                  <a:tcPr marL="8949" marR="8949" marT="8949" marB="0" anchor="b"/>
+                </a:tc>
+                <a:tc>
+                  <a:txBody>
+                    <a:bodyPr/>
+                    <a:lstStyle/>
+                    <a:p>
+                      <a:pPr algn="ctr" fontAlgn="b"/>
+                      <a:r>
+                        <a:rPr lang="en-BR" sz="1100" b="1" i="0" u="none" strike="noStrike" dirty="0">
+                          <a:solidFill>
+                            <a:srgbClr val="000000"/>
+                          </a:solidFill>
+                          <a:effectLst/>
+                          <a:latin typeface="Calibri" panose="020F0502020204030204" pitchFamily="34" charset="0"/>
+                        </a:rPr>
+                        <a:t>Accuracy MP-SPDZ</a:t>
+                      </a:r>
+                    </a:p>
+                  </a:txBody>
+                  <a:tcPr marL="8949" marR="8949" marT="8949" marB="0" anchor="b"/>
+                </a:tc>
+                <a:extLst>
+                  <a:ext uri="{0D108BD9-81ED-4DB2-BD59-A6C34878D82A}">
+                    <a16:rowId xmlns:a16="http://schemas.microsoft.com/office/drawing/2014/main" val="1394453663"/>
+                  </a:ext>
+                </a:extLst>
+              </a:tr>
+              <a:tr h="190918">
+                <a:tc>
+                  <a:txBody>
+                    <a:bodyPr/>
+                    <a:lstStyle/>
+                    <a:p>
+                      <a:pPr algn="ctr" fontAlgn="b"/>
+                      <a:r>
+                        <a:rPr lang="en-BR" sz="1100" b="0" i="0" u="none" strike="noStrike" dirty="0">
+                          <a:solidFill>
+                            <a:srgbClr val="000000"/>
+                          </a:solidFill>
+                          <a:effectLst/>
+                          <a:latin typeface="Calibri" panose="020F0502020204030204" pitchFamily="34" charset="0"/>
+                        </a:rPr>
+                        <a:t>88</a:t>
+                      </a:r>
+                    </a:p>
+                  </a:txBody>
+                  <a:tcPr marL="8949" marR="8949" marT="8949" marB="0" anchor="b"/>
+                </a:tc>
+                <a:tc>
+                  <a:txBody>
+                    <a:bodyPr/>
+                    <a:lstStyle/>
+                    <a:p>
+                      <a:pPr algn="ctr" fontAlgn="b"/>
+                      <a:r>
+                        <a:rPr lang="en-BR" sz="1100" b="0" i="0" u="none" strike="noStrike" dirty="0">
+                          <a:solidFill>
+                            <a:srgbClr val="000000"/>
+                          </a:solidFill>
+                          <a:effectLst/>
+                          <a:latin typeface="Calibri" panose="020F0502020204030204" pitchFamily="34" charset="0"/>
+                        </a:rPr>
+                        <a:t>90</a:t>
+                      </a:r>
+                    </a:p>
+                  </a:txBody>
+                  <a:tcPr marL="8949" marR="8949" marT="8949" marB="0" anchor="b"/>
+                </a:tc>
+                <a:tc>
+                  <a:txBody>
+                    <a:bodyPr/>
+                    <a:lstStyle/>
+                    <a:p>
+                      <a:pPr algn="ctr" fontAlgn="b"/>
+                      <a:r>
+                        <a:rPr lang="en-BR" sz="1100" b="0" i="0" u="none" strike="noStrike" dirty="0">
+                          <a:solidFill>
+                            <a:srgbClr val="000000"/>
+                          </a:solidFill>
+                          <a:effectLst/>
+                          <a:latin typeface="Calibri" panose="020F0502020204030204" pitchFamily="34" charset="0"/>
+                        </a:rPr>
+                        <a:t>90</a:t>
+                      </a:r>
+                    </a:p>
+                  </a:txBody>
+                  <a:tcPr marL="8949" marR="8949" marT="8949" marB="0" anchor="b"/>
+                </a:tc>
+                <a:tc>
+                  <a:txBody>
+                    <a:bodyPr/>
+                    <a:lstStyle/>
+                    <a:p>
+                      <a:pPr algn="ctr" fontAlgn="b"/>
+                      <a:r>
+                        <a:rPr lang="en-BR" sz="1100" u="none" strike="noStrike" dirty="0">
+                          <a:effectLst/>
+                        </a:rPr>
+                        <a:t>85.80</a:t>
+                      </a:r>
+                      <a:endParaRPr lang="en-BR" sz="1100" b="0" i="0" u="none" strike="noStrike" dirty="0">
+                        <a:solidFill>
+                          <a:srgbClr val="000000"/>
+                        </a:solidFill>
+                        <a:effectLst/>
+                        <a:latin typeface="Calibri" panose="020F0502020204030204" pitchFamily="34" charset="0"/>
+                      </a:endParaRPr>
+                    </a:p>
+                  </a:txBody>
+                  <a:tcPr marL="8949" marR="8949" marT="8949" marB="0" anchor="b"/>
+                </a:tc>
+                <a:extLst>
+                  <a:ext uri="{0D108BD9-81ED-4DB2-BD59-A6C34878D82A}">
+                    <a16:rowId xmlns:a16="http://schemas.microsoft.com/office/drawing/2014/main" val="1186544567"/>
+                  </a:ext>
+                </a:extLst>
+              </a:tr>
+            </a:tbl>
+          </a:graphicData>
+        </a:graphic>
+      </p:graphicFrame>
+      <p:sp>
+        <p:nvSpPr>
+          <p:cNvPr id="9" name="Rectangle 8">
+            <a:extLst>
+              <a:ext uri="{FF2B5EF4-FFF2-40B4-BE49-F238E27FC236}">
+                <a16:creationId xmlns:a16="http://schemas.microsoft.com/office/drawing/2014/main" id="{1E4ADC2D-0D61-C44F-89B0-568323FBA556}"/>
+              </a:ext>
+            </a:extLst>
+          </p:cNvPr>
+          <p:cNvSpPr/>
+          <p:nvPr/>
+        </p:nvSpPr>
+        <p:spPr>
+          <a:xfrm>
+            <a:off x="113030" y="2736676"/>
+            <a:ext cx="5689624" cy="2893100"/>
+          </a:xfrm>
+          <a:prstGeom prst="rect">
+            <a:avLst/>
+          </a:prstGeom>
+        </p:spPr>
+        <p:txBody>
+          <a:bodyPr wrap="square">
+            <a:spAutoFit/>
+          </a:bodyPr>
+          <a:lstStyle/>
+          <a:p>
+            <a:r>
+              <a:rPr lang="en-US" sz="1400" dirty="0"/>
+              <a:t>Experiments using same train data and same test data. Train data and test data are </a:t>
+            </a:r>
+            <a:r>
+              <a:rPr lang="en-US" sz="1400" dirty="0" err="1"/>
+              <a:t>differents</a:t>
+            </a:r>
+            <a:r>
+              <a:rPr lang="en-US" sz="1400"/>
+              <a:t>.</a:t>
+            </a:r>
+            <a:endParaRPr lang="en-US" sz="1400" dirty="0"/>
+          </a:p>
+          <a:p>
+            <a:endParaRPr lang="en-US" sz="1400" dirty="0"/>
+          </a:p>
+          <a:p>
+            <a:r>
+              <a:rPr lang="en-US" sz="1400" dirty="0" err="1"/>
+              <a:t>n_examples_train</a:t>
+            </a:r>
+            <a:r>
+              <a:rPr lang="en-US" sz="1400" dirty="0"/>
+              <a:t>=700</a:t>
+            </a:r>
+          </a:p>
+          <a:p>
+            <a:r>
+              <a:rPr lang="en-US" sz="1400" dirty="0" err="1"/>
+              <a:t>n_examples_test</a:t>
+            </a:r>
+            <a:r>
+              <a:rPr lang="en-US" sz="1400" dirty="0"/>
+              <a:t>=131</a:t>
+            </a:r>
+          </a:p>
+          <a:p>
+            <a:r>
+              <a:rPr lang="en-US" sz="1400" dirty="0" err="1"/>
+              <a:t>n_features</a:t>
+            </a:r>
+            <a:r>
+              <a:rPr lang="en-US" sz="1400" dirty="0"/>
+              <a:t>=1874</a:t>
+            </a:r>
+          </a:p>
+          <a:p>
+            <a:r>
+              <a:rPr lang="en-US" sz="1400" dirty="0" err="1"/>
+              <a:t>n_epochs</a:t>
+            </a:r>
+            <a:r>
+              <a:rPr lang="en-US" sz="1400" dirty="0"/>
+              <a:t>=200</a:t>
+            </a:r>
+          </a:p>
+          <a:p>
+            <a:r>
+              <a:rPr lang="en-US" sz="1400" dirty="0" err="1"/>
+              <a:t>batch_size</a:t>
+            </a:r>
+            <a:r>
+              <a:rPr lang="en-US" sz="1400" dirty="0"/>
+              <a:t>=128</a:t>
+            </a:r>
+          </a:p>
+          <a:p>
+            <a:endParaRPr lang="en-US" sz="1400" dirty="0"/>
+          </a:p>
+          <a:p>
+            <a:endParaRPr lang="en-US" sz="1400" dirty="0"/>
+          </a:p>
+          <a:p>
+            <a:r>
+              <a:rPr lang="en-US" sz="1400" dirty="0"/>
+              <a:t>tests used the same machine with the same dataset Player-Data/Input-P0-0</a:t>
+            </a:r>
+          </a:p>
+          <a:p>
+            <a:endParaRPr lang="en-US" sz="1400" dirty="0"/>
+          </a:p>
+          <a:p>
+            <a:endParaRPr lang="en-US" sz="1400" dirty="0"/>
+          </a:p>
+        </p:txBody>
+      </p:sp>
+      <p:graphicFrame>
+        <p:nvGraphicFramePr>
+          <p:cNvPr id="6" name="Table 5">
+            <a:extLst>
+              <a:ext uri="{FF2B5EF4-FFF2-40B4-BE49-F238E27FC236}">
+                <a16:creationId xmlns:a16="http://schemas.microsoft.com/office/drawing/2014/main" id="{AD8F59DE-9178-FF41-B708-85073D7332C2}"/>
+              </a:ext>
+            </a:extLst>
+          </p:cNvPr>
+          <p:cNvGraphicFramePr>
+            <a:graphicFrameLocks noGrp="1"/>
+          </p:cNvGraphicFramePr>
+          <p:nvPr>
+            <p:extLst>
+              <p:ext uri="{D42A27DB-BD31-4B8C-83A1-F6EECF244321}">
+                <p14:modId xmlns:p14="http://schemas.microsoft.com/office/powerpoint/2010/main" val="713248540"/>
+              </p:ext>
+            </p:extLst>
+          </p:nvPr>
+        </p:nvGraphicFramePr>
+        <p:xfrm>
+          <a:off x="6025691" y="471944"/>
+          <a:ext cx="2866790" cy="4918638"/>
+        </p:xfrm>
+        <a:graphic>
+          <a:graphicData uri="http://schemas.openxmlformats.org/drawingml/2006/table">
+            <a:tbl>
+              <a:tblPr>
+                <a:tableStyleId>{5C22544A-7EE6-4342-B048-85BDC9FD1C3A}</a:tableStyleId>
+              </a:tblPr>
+              <a:tblGrid>
+                <a:gridCol w="557432">
+                  <a:extLst>
+                    <a:ext uri="{9D8B030D-6E8A-4147-A177-3AD203B41FA5}">
+                      <a16:colId xmlns:a16="http://schemas.microsoft.com/office/drawing/2014/main" val="2591076741"/>
+                    </a:ext>
+                  </a:extLst>
+                </a:gridCol>
+                <a:gridCol w="1073509">
+                  <a:extLst>
+                    <a:ext uri="{9D8B030D-6E8A-4147-A177-3AD203B41FA5}">
+                      <a16:colId xmlns:a16="http://schemas.microsoft.com/office/drawing/2014/main" val="669517157"/>
+                    </a:ext>
+                  </a:extLst>
+                </a:gridCol>
+                <a:gridCol w="1235849">
+                  <a:extLst>
+                    <a:ext uri="{9D8B030D-6E8A-4147-A177-3AD203B41FA5}">
+                      <a16:colId xmlns:a16="http://schemas.microsoft.com/office/drawing/2014/main" val="778096821"/>
+                    </a:ext>
+                  </a:extLst>
+                </a:gridCol>
+              </a:tblGrid>
+              <a:tr h="259044">
+                <a:tc>
+                  <a:txBody>
+                    <a:bodyPr/>
+                    <a:lstStyle/>
+                    <a:p>
+                      <a:pPr algn="ctr" fontAlgn="b"/>
+                      <a:r>
+                        <a:rPr lang="en-BR" sz="900" b="1" i="0" u="none" strike="noStrike" dirty="0">
+                          <a:solidFill>
+                            <a:srgbClr val="000000"/>
+                          </a:solidFill>
+                          <a:effectLst/>
+                          <a:latin typeface="Arial" panose="020B0604020202020204" pitchFamily="34" charset="0"/>
+                          <a:cs typeface="Arial" panose="020B0604020202020204" pitchFamily="34" charset="0"/>
+                        </a:rPr>
+                        <a:t>SEQ</a:t>
+                      </a:r>
+                    </a:p>
+                  </a:txBody>
+                  <a:tcPr marL="4211" marR="4211" marT="4211" marB="0" anchor="b"/>
+                </a:tc>
+                <a:tc>
+                  <a:txBody>
+                    <a:bodyPr/>
+                    <a:lstStyle/>
+                    <a:p>
+                      <a:pPr algn="ctr" fontAlgn="b"/>
+                      <a:r>
+                        <a:rPr lang="en-BR" sz="900" b="1" i="0" u="none" strike="noStrike" dirty="0">
+                          <a:solidFill>
+                            <a:srgbClr val="000000"/>
+                          </a:solidFill>
+                          <a:effectLst/>
+                          <a:latin typeface="Arial" panose="020B0604020202020204" pitchFamily="34" charset="0"/>
+                          <a:cs typeface="Arial" panose="020B0604020202020204" pitchFamily="34" charset="0"/>
+                        </a:rPr>
+                        <a:t>Seconds</a:t>
+                      </a:r>
+                    </a:p>
+                  </a:txBody>
+                  <a:tcPr marL="4211" marR="4211" marT="4211" marB="0" anchor="b"/>
+                </a:tc>
+                <a:tc>
+                  <a:txBody>
+                    <a:bodyPr/>
+                    <a:lstStyle/>
+                    <a:p>
+                      <a:pPr algn="ctr" fontAlgn="b"/>
+                      <a:r>
+                        <a:rPr lang="en-BR" sz="900" b="1" i="0" u="none" strike="noStrike" dirty="0">
+                          <a:solidFill>
+                            <a:srgbClr val="000000"/>
+                          </a:solidFill>
+                          <a:effectLst/>
+                          <a:latin typeface="Arial" panose="020B0604020202020204" pitchFamily="34" charset="0"/>
+                          <a:cs typeface="Arial" panose="020B0604020202020204" pitchFamily="34" charset="0"/>
+                        </a:rPr>
+                        <a:t>Accuracy MP-SPDZ</a:t>
+                      </a:r>
+                    </a:p>
+                  </a:txBody>
+                  <a:tcPr marL="4211" marR="4211" marT="4211" marB="0" anchor="b"/>
+                </a:tc>
+                <a:extLst>
+                  <a:ext uri="{0D108BD9-81ED-4DB2-BD59-A6C34878D82A}">
+                    <a16:rowId xmlns:a16="http://schemas.microsoft.com/office/drawing/2014/main" val="4076945863"/>
+                  </a:ext>
+                </a:extLst>
+              </a:tr>
+              <a:tr h="136423">
+                <a:tc>
+                  <a:txBody>
+                    <a:bodyPr/>
+                    <a:lstStyle/>
+                    <a:p>
+                      <a:pPr algn="ctr" fontAlgn="b"/>
+                      <a:r>
+                        <a:rPr lang="en-BR" sz="900" u="none" strike="noStrike" dirty="0">
+                          <a:effectLst/>
+                          <a:latin typeface="Arial" panose="020B0604020202020204" pitchFamily="34" charset="0"/>
+                          <a:cs typeface="Arial" panose="020B0604020202020204" pitchFamily="34" charset="0"/>
+                        </a:rPr>
+                        <a:t>1</a:t>
+                      </a:r>
+                      <a:endParaRPr lang="en-BR" sz="900" b="0" i="0" u="none" strike="noStrike" dirty="0">
+                        <a:solidFill>
+                          <a:srgbClr val="000000"/>
+                        </a:solidFill>
+                        <a:effectLst/>
+                        <a:latin typeface="Arial" panose="020B0604020202020204" pitchFamily="34" charset="0"/>
+                        <a:cs typeface="Arial" panose="020B0604020202020204" pitchFamily="34" charset="0"/>
+                      </a:endParaRPr>
+                    </a:p>
+                  </a:txBody>
+                  <a:tcPr marL="4211" marR="4211" marT="4211" marB="0" anchor="b"/>
+                </a:tc>
+                <a:tc>
+                  <a:txBody>
+                    <a:bodyPr/>
+                    <a:lstStyle/>
+                    <a:p>
+                      <a:pPr algn="r" fontAlgn="b"/>
+                      <a:r>
+                        <a:rPr lang="en-BR" sz="900" b="0" i="0" u="none" strike="noStrike">
+                          <a:solidFill>
+                            <a:srgbClr val="000000"/>
+                          </a:solidFill>
+                          <a:effectLst/>
+                          <a:latin typeface="Arial" panose="020B0604020202020204" pitchFamily="34" charset="0"/>
+                          <a:cs typeface="Arial" panose="020B0604020202020204" pitchFamily="34" charset="0"/>
+                        </a:rPr>
+                        <a:t>120</a:t>
+                      </a:r>
+                    </a:p>
+                  </a:txBody>
+                  <a:tcPr marL="9525" marR="9525" marT="9525" marB="0" anchor="b"/>
+                </a:tc>
+                <a:tc>
+                  <a:txBody>
+                    <a:bodyPr/>
+                    <a:lstStyle/>
+                    <a:p>
+                      <a:pPr algn="ctr" fontAlgn="b"/>
+                      <a:r>
+                        <a:rPr lang="en-BR" sz="900" u="none" strike="noStrike" dirty="0">
+                          <a:effectLst/>
+                          <a:latin typeface="Arial" panose="020B0604020202020204" pitchFamily="34" charset="0"/>
+                          <a:cs typeface="Arial" panose="020B0604020202020204" pitchFamily="34" charset="0"/>
+                        </a:rPr>
+                        <a:t>87.02</a:t>
+                      </a:r>
+                      <a:endParaRPr lang="en-BR" sz="900" b="0" i="0" u="none" strike="noStrike" dirty="0">
+                        <a:solidFill>
+                          <a:srgbClr val="000000"/>
+                        </a:solidFill>
+                        <a:effectLst/>
+                        <a:latin typeface="Arial" panose="020B0604020202020204" pitchFamily="34" charset="0"/>
+                        <a:cs typeface="Arial" panose="020B0604020202020204" pitchFamily="34" charset="0"/>
+                      </a:endParaRPr>
+                    </a:p>
+                  </a:txBody>
+                  <a:tcPr marL="4211" marR="4211" marT="4211" marB="0" anchor="b"/>
+                </a:tc>
+                <a:extLst>
+                  <a:ext uri="{0D108BD9-81ED-4DB2-BD59-A6C34878D82A}">
+                    <a16:rowId xmlns:a16="http://schemas.microsoft.com/office/drawing/2014/main" val="3076983904"/>
+                  </a:ext>
+                </a:extLst>
+              </a:tr>
+              <a:tr h="136423">
+                <a:tc>
+                  <a:txBody>
+                    <a:bodyPr/>
+                    <a:lstStyle/>
+                    <a:p>
+                      <a:pPr algn="ctr" fontAlgn="b"/>
+                      <a:r>
+                        <a:rPr lang="en-BR" sz="900" u="none" strike="noStrike">
+                          <a:effectLst/>
+                          <a:latin typeface="Arial" panose="020B0604020202020204" pitchFamily="34" charset="0"/>
+                          <a:cs typeface="Arial" panose="020B0604020202020204" pitchFamily="34" charset="0"/>
+                        </a:rPr>
+                        <a:t>2</a:t>
+                      </a:r>
+                      <a:endParaRPr lang="en-BR" sz="900" b="0" i="0" u="none" strike="noStrike">
+                        <a:solidFill>
+                          <a:srgbClr val="000000"/>
+                        </a:solidFill>
+                        <a:effectLst/>
+                        <a:latin typeface="Arial" panose="020B0604020202020204" pitchFamily="34" charset="0"/>
+                        <a:cs typeface="Arial" panose="020B0604020202020204" pitchFamily="34" charset="0"/>
+                      </a:endParaRPr>
+                    </a:p>
+                  </a:txBody>
+                  <a:tcPr marL="4211" marR="4211" marT="4211" marB="0" anchor="b"/>
+                </a:tc>
+                <a:tc>
+                  <a:txBody>
+                    <a:bodyPr/>
+                    <a:lstStyle/>
+                    <a:p>
+                      <a:pPr algn="r" fontAlgn="b"/>
+                      <a:r>
+                        <a:rPr lang="en-BR" sz="900" b="0" i="0" u="none" strike="noStrike">
+                          <a:solidFill>
+                            <a:srgbClr val="000000"/>
+                          </a:solidFill>
+                          <a:effectLst/>
+                          <a:latin typeface="Arial" panose="020B0604020202020204" pitchFamily="34" charset="0"/>
+                          <a:cs typeface="Arial" panose="020B0604020202020204" pitchFamily="34" charset="0"/>
+                        </a:rPr>
+                        <a:t>131</a:t>
+                      </a:r>
+                    </a:p>
+                  </a:txBody>
+                  <a:tcPr marL="9525" marR="9525" marT="9525" marB="0" anchor="b"/>
+                </a:tc>
+                <a:tc>
+                  <a:txBody>
+                    <a:bodyPr/>
+                    <a:lstStyle/>
+                    <a:p>
+                      <a:pPr algn="ctr" fontAlgn="b"/>
+                      <a:r>
+                        <a:rPr lang="en-BR" sz="900" u="none" strike="noStrike" dirty="0">
+                          <a:effectLst/>
+                          <a:latin typeface="Arial" panose="020B0604020202020204" pitchFamily="34" charset="0"/>
+                          <a:cs typeface="Arial" panose="020B0604020202020204" pitchFamily="34" charset="0"/>
+                        </a:rPr>
+                        <a:t>83.97</a:t>
+                      </a:r>
+                      <a:endParaRPr lang="en-BR" sz="900" b="0" i="0" u="none" strike="noStrike" dirty="0">
+                        <a:solidFill>
+                          <a:srgbClr val="000000"/>
+                        </a:solidFill>
+                        <a:effectLst/>
+                        <a:latin typeface="Arial" panose="020B0604020202020204" pitchFamily="34" charset="0"/>
+                        <a:cs typeface="Arial" panose="020B0604020202020204" pitchFamily="34" charset="0"/>
+                      </a:endParaRPr>
+                    </a:p>
+                  </a:txBody>
+                  <a:tcPr marL="4211" marR="4211" marT="4211" marB="0" anchor="b"/>
+                </a:tc>
+                <a:extLst>
+                  <a:ext uri="{0D108BD9-81ED-4DB2-BD59-A6C34878D82A}">
+                    <a16:rowId xmlns:a16="http://schemas.microsoft.com/office/drawing/2014/main" val="1366184038"/>
+                  </a:ext>
+                </a:extLst>
+              </a:tr>
+              <a:tr h="136423">
+                <a:tc>
+                  <a:txBody>
+                    <a:bodyPr/>
+                    <a:lstStyle/>
+                    <a:p>
+                      <a:pPr algn="ctr" fontAlgn="b"/>
+                      <a:r>
+                        <a:rPr lang="en-BR" sz="900" u="none" strike="noStrike">
+                          <a:effectLst/>
+                          <a:latin typeface="Arial" panose="020B0604020202020204" pitchFamily="34" charset="0"/>
+                          <a:cs typeface="Arial" panose="020B0604020202020204" pitchFamily="34" charset="0"/>
+                        </a:rPr>
+                        <a:t>3</a:t>
+                      </a:r>
+                      <a:endParaRPr lang="en-BR" sz="900" b="0" i="0" u="none" strike="noStrike">
+                        <a:solidFill>
+                          <a:srgbClr val="000000"/>
+                        </a:solidFill>
+                        <a:effectLst/>
+                        <a:latin typeface="Arial" panose="020B0604020202020204" pitchFamily="34" charset="0"/>
+                        <a:cs typeface="Arial" panose="020B0604020202020204" pitchFamily="34" charset="0"/>
+                      </a:endParaRPr>
+                    </a:p>
+                  </a:txBody>
+                  <a:tcPr marL="4211" marR="4211" marT="4211" marB="0" anchor="b"/>
+                </a:tc>
+                <a:tc>
+                  <a:txBody>
+                    <a:bodyPr/>
+                    <a:lstStyle/>
+                    <a:p>
+                      <a:pPr algn="r" fontAlgn="b"/>
+                      <a:r>
+                        <a:rPr lang="en-BR" sz="900" b="0" i="0" u="none" strike="noStrike">
+                          <a:solidFill>
+                            <a:srgbClr val="000000"/>
+                          </a:solidFill>
+                          <a:effectLst/>
+                          <a:latin typeface="Arial" panose="020B0604020202020204" pitchFamily="34" charset="0"/>
+                          <a:cs typeface="Arial" panose="020B0604020202020204" pitchFamily="34" charset="0"/>
+                        </a:rPr>
+                        <a:t>122</a:t>
+                      </a:r>
+                    </a:p>
+                  </a:txBody>
+                  <a:tcPr marL="9525" marR="9525" marT="9525" marB="0" anchor="b"/>
+                </a:tc>
+                <a:tc>
+                  <a:txBody>
+                    <a:bodyPr/>
+                    <a:lstStyle/>
+                    <a:p>
+                      <a:pPr algn="ctr" fontAlgn="b"/>
+                      <a:r>
+                        <a:rPr lang="en-BR" sz="900" u="none" strike="noStrike" dirty="0">
+                          <a:effectLst/>
+                          <a:latin typeface="Arial" panose="020B0604020202020204" pitchFamily="34" charset="0"/>
+                          <a:cs typeface="Arial" panose="020B0604020202020204" pitchFamily="34" charset="0"/>
+                        </a:rPr>
+                        <a:t>87.02</a:t>
+                      </a:r>
+                      <a:endParaRPr lang="en-BR" sz="900" b="0" i="0" u="none" strike="noStrike" dirty="0">
+                        <a:solidFill>
+                          <a:srgbClr val="000000"/>
+                        </a:solidFill>
+                        <a:effectLst/>
+                        <a:latin typeface="Arial" panose="020B0604020202020204" pitchFamily="34" charset="0"/>
+                        <a:cs typeface="Arial" panose="020B0604020202020204" pitchFamily="34" charset="0"/>
+                      </a:endParaRPr>
+                    </a:p>
+                  </a:txBody>
+                  <a:tcPr marL="4211" marR="4211" marT="4211" marB="0" anchor="b"/>
+                </a:tc>
+                <a:extLst>
+                  <a:ext uri="{0D108BD9-81ED-4DB2-BD59-A6C34878D82A}">
+                    <a16:rowId xmlns:a16="http://schemas.microsoft.com/office/drawing/2014/main" val="1419832865"/>
+                  </a:ext>
+                </a:extLst>
+              </a:tr>
+              <a:tr h="136423">
+                <a:tc>
+                  <a:txBody>
+                    <a:bodyPr/>
+                    <a:lstStyle/>
+                    <a:p>
+                      <a:pPr algn="ctr" fontAlgn="b"/>
+                      <a:r>
+                        <a:rPr lang="en-BR" sz="900" u="none" strike="noStrike">
+                          <a:effectLst/>
+                          <a:latin typeface="Arial" panose="020B0604020202020204" pitchFamily="34" charset="0"/>
+                          <a:cs typeface="Arial" panose="020B0604020202020204" pitchFamily="34" charset="0"/>
+                        </a:rPr>
+                        <a:t>4</a:t>
+                      </a:r>
+                      <a:endParaRPr lang="en-BR" sz="900" b="0" i="0" u="none" strike="noStrike">
+                        <a:solidFill>
+                          <a:srgbClr val="000000"/>
+                        </a:solidFill>
+                        <a:effectLst/>
+                        <a:latin typeface="Arial" panose="020B0604020202020204" pitchFamily="34" charset="0"/>
+                        <a:cs typeface="Arial" panose="020B0604020202020204" pitchFamily="34" charset="0"/>
+                      </a:endParaRPr>
+                    </a:p>
+                  </a:txBody>
+                  <a:tcPr marL="4211" marR="4211" marT="4211" marB="0" anchor="b"/>
+                </a:tc>
+                <a:tc>
+                  <a:txBody>
+                    <a:bodyPr/>
+                    <a:lstStyle/>
+                    <a:p>
+                      <a:pPr algn="r" fontAlgn="b"/>
+                      <a:r>
+                        <a:rPr lang="en-BR" sz="900" b="0" i="0" u="none" strike="noStrike">
+                          <a:solidFill>
+                            <a:srgbClr val="000000"/>
+                          </a:solidFill>
+                          <a:effectLst/>
+                          <a:latin typeface="Arial" panose="020B0604020202020204" pitchFamily="34" charset="0"/>
+                          <a:cs typeface="Arial" panose="020B0604020202020204" pitchFamily="34" charset="0"/>
+                        </a:rPr>
+                        <a:t>133</a:t>
+                      </a:r>
+                    </a:p>
+                  </a:txBody>
+                  <a:tcPr marL="9525" marR="9525" marT="9525" marB="0" anchor="b"/>
+                </a:tc>
+                <a:tc>
+                  <a:txBody>
+                    <a:bodyPr/>
+                    <a:lstStyle/>
+                    <a:p>
+                      <a:pPr algn="ctr" fontAlgn="b"/>
+                      <a:r>
+                        <a:rPr lang="en-BR" sz="900" u="none" strike="noStrike" dirty="0">
+                          <a:effectLst/>
+                          <a:latin typeface="Arial" panose="020B0604020202020204" pitchFamily="34" charset="0"/>
+                          <a:cs typeface="Arial" panose="020B0604020202020204" pitchFamily="34" charset="0"/>
+                        </a:rPr>
+                        <a:t>83.21</a:t>
+                      </a:r>
+                      <a:endParaRPr lang="en-BR" sz="900" b="0" i="0" u="none" strike="noStrike" dirty="0">
+                        <a:solidFill>
+                          <a:srgbClr val="000000"/>
+                        </a:solidFill>
+                        <a:effectLst/>
+                        <a:latin typeface="Arial" panose="020B0604020202020204" pitchFamily="34" charset="0"/>
+                        <a:cs typeface="Arial" panose="020B0604020202020204" pitchFamily="34" charset="0"/>
+                      </a:endParaRPr>
+                    </a:p>
+                  </a:txBody>
+                  <a:tcPr marL="4211" marR="4211" marT="4211" marB="0" anchor="b"/>
+                </a:tc>
+                <a:extLst>
+                  <a:ext uri="{0D108BD9-81ED-4DB2-BD59-A6C34878D82A}">
+                    <a16:rowId xmlns:a16="http://schemas.microsoft.com/office/drawing/2014/main" val="2325303753"/>
+                  </a:ext>
+                </a:extLst>
+              </a:tr>
+              <a:tr h="136423">
+                <a:tc>
+                  <a:txBody>
+                    <a:bodyPr/>
+                    <a:lstStyle/>
+                    <a:p>
+                      <a:pPr algn="ctr" fontAlgn="b"/>
+                      <a:r>
+                        <a:rPr lang="en-BR" sz="900" u="none" strike="noStrike">
+                          <a:effectLst/>
+                          <a:latin typeface="Arial" panose="020B0604020202020204" pitchFamily="34" charset="0"/>
+                          <a:cs typeface="Arial" panose="020B0604020202020204" pitchFamily="34" charset="0"/>
+                        </a:rPr>
+                        <a:t>5</a:t>
+                      </a:r>
+                      <a:endParaRPr lang="en-BR" sz="900" b="0" i="0" u="none" strike="noStrike">
+                        <a:solidFill>
+                          <a:srgbClr val="000000"/>
+                        </a:solidFill>
+                        <a:effectLst/>
+                        <a:latin typeface="Arial" panose="020B0604020202020204" pitchFamily="34" charset="0"/>
+                        <a:cs typeface="Arial" panose="020B0604020202020204" pitchFamily="34" charset="0"/>
+                      </a:endParaRPr>
+                    </a:p>
+                  </a:txBody>
+                  <a:tcPr marL="4211" marR="4211" marT="4211" marB="0" anchor="b"/>
+                </a:tc>
+                <a:tc>
+                  <a:txBody>
+                    <a:bodyPr/>
+                    <a:lstStyle/>
+                    <a:p>
+                      <a:pPr algn="r" fontAlgn="b"/>
+                      <a:r>
+                        <a:rPr lang="en-BR" sz="900" b="0" i="0" u="none" strike="noStrike">
+                          <a:solidFill>
+                            <a:srgbClr val="000000"/>
+                          </a:solidFill>
+                          <a:effectLst/>
+                          <a:latin typeface="Arial" panose="020B0604020202020204" pitchFamily="34" charset="0"/>
+                          <a:cs typeface="Arial" panose="020B0604020202020204" pitchFamily="34" charset="0"/>
+                        </a:rPr>
+                        <a:t>125</a:t>
+                      </a:r>
+                    </a:p>
+                  </a:txBody>
+                  <a:tcPr marL="9525" marR="9525" marT="9525" marB="0" anchor="b"/>
+                </a:tc>
+                <a:tc>
+                  <a:txBody>
+                    <a:bodyPr/>
+                    <a:lstStyle/>
+                    <a:p>
+                      <a:pPr algn="ctr" fontAlgn="b"/>
+                      <a:r>
+                        <a:rPr lang="en-BR" sz="900" u="none" strike="noStrike" dirty="0">
+                          <a:effectLst/>
+                          <a:latin typeface="Arial" panose="020B0604020202020204" pitchFamily="34" charset="0"/>
+                          <a:cs typeface="Arial" panose="020B0604020202020204" pitchFamily="34" charset="0"/>
+                        </a:rPr>
+                        <a:t>83.21</a:t>
+                      </a:r>
+                      <a:endParaRPr lang="en-BR" sz="900" b="0" i="0" u="none" strike="noStrike" dirty="0">
+                        <a:solidFill>
+                          <a:srgbClr val="000000"/>
+                        </a:solidFill>
+                        <a:effectLst/>
+                        <a:latin typeface="Arial" panose="020B0604020202020204" pitchFamily="34" charset="0"/>
+                        <a:cs typeface="Arial" panose="020B0604020202020204" pitchFamily="34" charset="0"/>
+                      </a:endParaRPr>
+                    </a:p>
+                  </a:txBody>
+                  <a:tcPr marL="4211" marR="4211" marT="4211" marB="0" anchor="b"/>
+                </a:tc>
+                <a:extLst>
+                  <a:ext uri="{0D108BD9-81ED-4DB2-BD59-A6C34878D82A}">
+                    <a16:rowId xmlns:a16="http://schemas.microsoft.com/office/drawing/2014/main" val="2870902264"/>
+                  </a:ext>
+                </a:extLst>
+              </a:tr>
+              <a:tr h="136423">
+                <a:tc>
+                  <a:txBody>
+                    <a:bodyPr/>
+                    <a:lstStyle/>
+                    <a:p>
+                      <a:pPr algn="ctr" fontAlgn="b"/>
+                      <a:r>
+                        <a:rPr lang="en-BR" sz="900" u="none" strike="noStrike">
+                          <a:effectLst/>
+                          <a:latin typeface="Arial" panose="020B0604020202020204" pitchFamily="34" charset="0"/>
+                          <a:cs typeface="Arial" panose="020B0604020202020204" pitchFamily="34" charset="0"/>
+                        </a:rPr>
+                        <a:t>6</a:t>
+                      </a:r>
+                      <a:endParaRPr lang="en-BR" sz="900" b="0" i="0" u="none" strike="noStrike">
+                        <a:solidFill>
+                          <a:srgbClr val="000000"/>
+                        </a:solidFill>
+                        <a:effectLst/>
+                        <a:latin typeface="Arial" panose="020B0604020202020204" pitchFamily="34" charset="0"/>
+                        <a:cs typeface="Arial" panose="020B0604020202020204" pitchFamily="34" charset="0"/>
+                      </a:endParaRPr>
+                    </a:p>
+                  </a:txBody>
+                  <a:tcPr marL="4211" marR="4211" marT="4211" marB="0" anchor="b"/>
+                </a:tc>
+                <a:tc>
+                  <a:txBody>
+                    <a:bodyPr/>
+                    <a:lstStyle/>
+                    <a:p>
+                      <a:pPr algn="r" fontAlgn="b"/>
+                      <a:r>
+                        <a:rPr lang="en-BR" sz="900" b="0" i="0" u="none" strike="noStrike">
+                          <a:solidFill>
+                            <a:srgbClr val="000000"/>
+                          </a:solidFill>
+                          <a:effectLst/>
+                          <a:latin typeface="Arial" panose="020B0604020202020204" pitchFamily="34" charset="0"/>
+                          <a:cs typeface="Arial" panose="020B0604020202020204" pitchFamily="34" charset="0"/>
+                        </a:rPr>
+                        <a:t>119</a:t>
+                      </a:r>
+                    </a:p>
+                  </a:txBody>
+                  <a:tcPr marL="9525" marR="9525" marT="9525" marB="0" anchor="b"/>
+                </a:tc>
+                <a:tc>
+                  <a:txBody>
+                    <a:bodyPr/>
+                    <a:lstStyle/>
+                    <a:p>
+                      <a:pPr algn="ctr" fontAlgn="b"/>
+                      <a:r>
+                        <a:rPr lang="en-BR" sz="900" u="none" strike="noStrike" dirty="0">
+                          <a:effectLst/>
+                          <a:latin typeface="Arial" panose="020B0604020202020204" pitchFamily="34" charset="0"/>
+                          <a:cs typeface="Arial" panose="020B0604020202020204" pitchFamily="34" charset="0"/>
+                        </a:rPr>
+                        <a:t>84.73</a:t>
+                      </a:r>
+                      <a:endParaRPr lang="en-BR" sz="900" b="0" i="0" u="none" strike="noStrike" dirty="0">
+                        <a:solidFill>
+                          <a:srgbClr val="000000"/>
+                        </a:solidFill>
+                        <a:effectLst/>
+                        <a:latin typeface="Arial" panose="020B0604020202020204" pitchFamily="34" charset="0"/>
+                        <a:cs typeface="Arial" panose="020B0604020202020204" pitchFamily="34" charset="0"/>
+                      </a:endParaRPr>
+                    </a:p>
+                  </a:txBody>
+                  <a:tcPr marL="4211" marR="4211" marT="4211" marB="0" anchor="b"/>
+                </a:tc>
+                <a:extLst>
+                  <a:ext uri="{0D108BD9-81ED-4DB2-BD59-A6C34878D82A}">
+                    <a16:rowId xmlns:a16="http://schemas.microsoft.com/office/drawing/2014/main" val="2808716393"/>
+                  </a:ext>
+                </a:extLst>
+              </a:tr>
+              <a:tr h="136423">
+                <a:tc>
+                  <a:txBody>
+                    <a:bodyPr/>
+                    <a:lstStyle/>
+                    <a:p>
+                      <a:pPr algn="ctr" fontAlgn="b"/>
+                      <a:r>
+                        <a:rPr lang="en-BR" sz="900" u="none" strike="noStrike">
+                          <a:effectLst/>
+                          <a:latin typeface="Arial" panose="020B0604020202020204" pitchFamily="34" charset="0"/>
+                          <a:cs typeface="Arial" panose="020B0604020202020204" pitchFamily="34" charset="0"/>
+                        </a:rPr>
+                        <a:t>7</a:t>
+                      </a:r>
+                      <a:endParaRPr lang="en-BR" sz="900" b="0" i="0" u="none" strike="noStrike">
+                        <a:solidFill>
+                          <a:srgbClr val="000000"/>
+                        </a:solidFill>
+                        <a:effectLst/>
+                        <a:latin typeface="Arial" panose="020B0604020202020204" pitchFamily="34" charset="0"/>
+                        <a:cs typeface="Arial" panose="020B0604020202020204" pitchFamily="34" charset="0"/>
+                      </a:endParaRPr>
+                    </a:p>
+                  </a:txBody>
+                  <a:tcPr marL="4211" marR="4211" marT="4211" marB="0" anchor="b"/>
+                </a:tc>
+                <a:tc>
+                  <a:txBody>
+                    <a:bodyPr/>
+                    <a:lstStyle/>
+                    <a:p>
+                      <a:pPr algn="r" fontAlgn="b"/>
+                      <a:r>
+                        <a:rPr lang="en-BR" sz="900" b="0" i="0" u="none" strike="noStrike">
+                          <a:solidFill>
+                            <a:srgbClr val="000000"/>
+                          </a:solidFill>
+                          <a:effectLst/>
+                          <a:latin typeface="Arial" panose="020B0604020202020204" pitchFamily="34" charset="0"/>
+                          <a:cs typeface="Arial" panose="020B0604020202020204" pitchFamily="34" charset="0"/>
+                        </a:rPr>
+                        <a:t>123</a:t>
+                      </a:r>
+                    </a:p>
+                  </a:txBody>
+                  <a:tcPr marL="9525" marR="9525" marT="9525" marB="0" anchor="b"/>
+                </a:tc>
+                <a:tc>
+                  <a:txBody>
+                    <a:bodyPr/>
+                    <a:lstStyle/>
+                    <a:p>
+                      <a:pPr algn="ctr" fontAlgn="b"/>
+                      <a:r>
+                        <a:rPr lang="en-BR" sz="900" u="none" strike="noStrike" dirty="0">
+                          <a:effectLst/>
+                          <a:latin typeface="Arial" panose="020B0604020202020204" pitchFamily="34" charset="0"/>
+                          <a:cs typeface="Arial" panose="020B0604020202020204" pitchFamily="34" charset="0"/>
+                        </a:rPr>
+                        <a:t>85.50</a:t>
+                      </a:r>
+                      <a:endParaRPr lang="en-BR" sz="900" b="0" i="0" u="none" strike="noStrike" dirty="0">
+                        <a:solidFill>
+                          <a:srgbClr val="000000"/>
+                        </a:solidFill>
+                        <a:effectLst/>
+                        <a:latin typeface="Arial" panose="020B0604020202020204" pitchFamily="34" charset="0"/>
+                        <a:cs typeface="Arial" panose="020B0604020202020204" pitchFamily="34" charset="0"/>
+                      </a:endParaRPr>
+                    </a:p>
+                  </a:txBody>
+                  <a:tcPr marL="4211" marR="4211" marT="4211" marB="0" anchor="b"/>
+                </a:tc>
+                <a:extLst>
+                  <a:ext uri="{0D108BD9-81ED-4DB2-BD59-A6C34878D82A}">
+                    <a16:rowId xmlns:a16="http://schemas.microsoft.com/office/drawing/2014/main" val="324489039"/>
+                  </a:ext>
+                </a:extLst>
+              </a:tr>
+              <a:tr h="136423">
+                <a:tc>
+                  <a:txBody>
+                    <a:bodyPr/>
+                    <a:lstStyle/>
+                    <a:p>
+                      <a:pPr algn="ctr" fontAlgn="b"/>
+                      <a:r>
+                        <a:rPr lang="en-BR" sz="900" u="none" strike="noStrike">
+                          <a:effectLst/>
+                          <a:latin typeface="Arial" panose="020B0604020202020204" pitchFamily="34" charset="0"/>
+                          <a:cs typeface="Arial" panose="020B0604020202020204" pitchFamily="34" charset="0"/>
+                        </a:rPr>
+                        <a:t>8</a:t>
+                      </a:r>
+                      <a:endParaRPr lang="en-BR" sz="900" b="0" i="0" u="none" strike="noStrike">
+                        <a:solidFill>
+                          <a:srgbClr val="000000"/>
+                        </a:solidFill>
+                        <a:effectLst/>
+                        <a:latin typeface="Arial" panose="020B0604020202020204" pitchFamily="34" charset="0"/>
+                        <a:cs typeface="Arial" panose="020B0604020202020204" pitchFamily="34" charset="0"/>
+                      </a:endParaRPr>
+                    </a:p>
+                  </a:txBody>
+                  <a:tcPr marL="4211" marR="4211" marT="4211" marB="0" anchor="b"/>
+                </a:tc>
+                <a:tc>
+                  <a:txBody>
+                    <a:bodyPr/>
+                    <a:lstStyle/>
+                    <a:p>
+                      <a:pPr algn="r" fontAlgn="b"/>
+                      <a:r>
+                        <a:rPr lang="en-BR" sz="900" b="0" i="0" u="none" strike="noStrike">
+                          <a:solidFill>
+                            <a:srgbClr val="000000"/>
+                          </a:solidFill>
+                          <a:effectLst/>
+                          <a:latin typeface="Arial" panose="020B0604020202020204" pitchFamily="34" charset="0"/>
+                          <a:cs typeface="Arial" panose="020B0604020202020204" pitchFamily="34" charset="0"/>
+                        </a:rPr>
+                        <a:t>136</a:t>
+                      </a:r>
+                    </a:p>
+                  </a:txBody>
+                  <a:tcPr marL="9525" marR="9525" marT="9525" marB="0" anchor="b"/>
+                </a:tc>
+                <a:tc>
+                  <a:txBody>
+                    <a:bodyPr/>
+                    <a:lstStyle/>
+                    <a:p>
+                      <a:pPr algn="ctr" fontAlgn="b"/>
+                      <a:r>
+                        <a:rPr lang="en-BR" sz="900" u="none" strike="noStrike" dirty="0">
+                          <a:effectLst/>
+                          <a:latin typeface="Arial" panose="020B0604020202020204" pitchFamily="34" charset="0"/>
+                          <a:cs typeface="Arial" panose="020B0604020202020204" pitchFamily="34" charset="0"/>
+                        </a:rPr>
+                        <a:t>83.21</a:t>
+                      </a:r>
+                      <a:endParaRPr lang="en-BR" sz="900" b="0" i="0" u="none" strike="noStrike" dirty="0">
+                        <a:solidFill>
+                          <a:srgbClr val="000000"/>
+                        </a:solidFill>
+                        <a:effectLst/>
+                        <a:latin typeface="Arial" panose="020B0604020202020204" pitchFamily="34" charset="0"/>
+                        <a:cs typeface="Arial" panose="020B0604020202020204" pitchFamily="34" charset="0"/>
+                      </a:endParaRPr>
+                    </a:p>
+                  </a:txBody>
+                  <a:tcPr marL="4211" marR="4211" marT="4211" marB="0" anchor="b"/>
+                </a:tc>
+                <a:extLst>
+                  <a:ext uri="{0D108BD9-81ED-4DB2-BD59-A6C34878D82A}">
+                    <a16:rowId xmlns:a16="http://schemas.microsoft.com/office/drawing/2014/main" val="1319653831"/>
+                  </a:ext>
+                </a:extLst>
+              </a:tr>
+              <a:tr h="136423">
+                <a:tc>
+                  <a:txBody>
+                    <a:bodyPr/>
+                    <a:lstStyle/>
+                    <a:p>
+                      <a:pPr algn="ctr" fontAlgn="b"/>
+                      <a:r>
+                        <a:rPr lang="en-BR" sz="900" u="none" strike="noStrike">
+                          <a:effectLst/>
+                          <a:latin typeface="Arial" panose="020B0604020202020204" pitchFamily="34" charset="0"/>
+                          <a:cs typeface="Arial" panose="020B0604020202020204" pitchFamily="34" charset="0"/>
+                        </a:rPr>
+                        <a:t>9</a:t>
+                      </a:r>
+                      <a:endParaRPr lang="en-BR" sz="900" b="0" i="0" u="none" strike="noStrike">
+                        <a:solidFill>
+                          <a:srgbClr val="000000"/>
+                        </a:solidFill>
+                        <a:effectLst/>
+                        <a:latin typeface="Arial" panose="020B0604020202020204" pitchFamily="34" charset="0"/>
+                        <a:cs typeface="Arial" panose="020B0604020202020204" pitchFamily="34" charset="0"/>
+                      </a:endParaRPr>
+                    </a:p>
+                  </a:txBody>
+                  <a:tcPr marL="4211" marR="4211" marT="4211" marB="0" anchor="b"/>
+                </a:tc>
+                <a:tc>
+                  <a:txBody>
+                    <a:bodyPr/>
+                    <a:lstStyle/>
+                    <a:p>
+                      <a:pPr algn="r" fontAlgn="b"/>
+                      <a:r>
+                        <a:rPr lang="en-BR" sz="900" b="0" i="0" u="none" strike="noStrike">
+                          <a:solidFill>
+                            <a:srgbClr val="000000"/>
+                          </a:solidFill>
+                          <a:effectLst/>
+                          <a:latin typeface="Arial" panose="020B0604020202020204" pitchFamily="34" charset="0"/>
+                          <a:cs typeface="Arial" panose="020B0604020202020204" pitchFamily="34" charset="0"/>
+                        </a:rPr>
+                        <a:t>130</a:t>
+                      </a:r>
+                    </a:p>
+                  </a:txBody>
+                  <a:tcPr marL="9525" marR="9525" marT="9525" marB="0" anchor="b"/>
+                </a:tc>
+                <a:tc>
+                  <a:txBody>
+                    <a:bodyPr/>
+                    <a:lstStyle/>
+                    <a:p>
+                      <a:pPr algn="ctr" fontAlgn="b"/>
+                      <a:r>
+                        <a:rPr lang="en-BR" sz="900" u="none" strike="noStrike" dirty="0">
+                          <a:effectLst/>
+                          <a:latin typeface="Arial" panose="020B0604020202020204" pitchFamily="34" charset="0"/>
+                          <a:cs typeface="Arial" panose="020B0604020202020204" pitchFamily="34" charset="0"/>
+                        </a:rPr>
+                        <a:t>87.02</a:t>
+                      </a:r>
+                      <a:endParaRPr lang="en-BR" sz="900" b="0" i="0" u="none" strike="noStrike" dirty="0">
+                        <a:solidFill>
+                          <a:srgbClr val="000000"/>
+                        </a:solidFill>
+                        <a:effectLst/>
+                        <a:latin typeface="Arial" panose="020B0604020202020204" pitchFamily="34" charset="0"/>
+                        <a:cs typeface="Arial" panose="020B0604020202020204" pitchFamily="34" charset="0"/>
+                      </a:endParaRPr>
+                    </a:p>
+                  </a:txBody>
+                  <a:tcPr marL="4211" marR="4211" marT="4211" marB="0" anchor="b"/>
+                </a:tc>
+                <a:extLst>
+                  <a:ext uri="{0D108BD9-81ED-4DB2-BD59-A6C34878D82A}">
+                    <a16:rowId xmlns:a16="http://schemas.microsoft.com/office/drawing/2014/main" val="906877480"/>
+                  </a:ext>
+                </a:extLst>
+              </a:tr>
+              <a:tr h="136423">
+                <a:tc>
+                  <a:txBody>
+                    <a:bodyPr/>
+                    <a:lstStyle/>
+                    <a:p>
+                      <a:pPr algn="ctr" fontAlgn="b"/>
+                      <a:r>
+                        <a:rPr lang="en-BR" sz="900" u="none" strike="noStrike">
+                          <a:effectLst/>
+                          <a:latin typeface="Arial" panose="020B0604020202020204" pitchFamily="34" charset="0"/>
+                          <a:cs typeface="Arial" panose="020B0604020202020204" pitchFamily="34" charset="0"/>
+                        </a:rPr>
+                        <a:t>10</a:t>
+                      </a:r>
+                      <a:endParaRPr lang="en-BR" sz="900" b="0" i="0" u="none" strike="noStrike">
+                        <a:solidFill>
+                          <a:srgbClr val="000000"/>
+                        </a:solidFill>
+                        <a:effectLst/>
+                        <a:latin typeface="Arial" panose="020B0604020202020204" pitchFamily="34" charset="0"/>
+                        <a:cs typeface="Arial" panose="020B0604020202020204" pitchFamily="34" charset="0"/>
+                      </a:endParaRPr>
+                    </a:p>
+                  </a:txBody>
+                  <a:tcPr marL="4211" marR="4211" marT="4211" marB="0" anchor="b"/>
+                </a:tc>
+                <a:tc>
+                  <a:txBody>
+                    <a:bodyPr/>
+                    <a:lstStyle/>
+                    <a:p>
+                      <a:pPr algn="r" fontAlgn="b"/>
+                      <a:r>
+                        <a:rPr lang="en-BR" sz="900" b="0" i="0" u="none" strike="noStrike">
+                          <a:solidFill>
+                            <a:srgbClr val="000000"/>
+                          </a:solidFill>
+                          <a:effectLst/>
+                          <a:latin typeface="Arial" panose="020B0604020202020204" pitchFamily="34" charset="0"/>
+                          <a:cs typeface="Arial" panose="020B0604020202020204" pitchFamily="34" charset="0"/>
+                        </a:rPr>
+                        <a:t>123</a:t>
+                      </a:r>
+                    </a:p>
+                  </a:txBody>
+                  <a:tcPr marL="9525" marR="9525" marT="9525" marB="0" anchor="b"/>
+                </a:tc>
+                <a:tc>
+                  <a:txBody>
+                    <a:bodyPr/>
+                    <a:lstStyle/>
+                    <a:p>
+                      <a:pPr algn="ctr" fontAlgn="b"/>
+                      <a:r>
+                        <a:rPr lang="en-BR" sz="900" u="none" strike="noStrike" dirty="0">
+                          <a:effectLst/>
+                          <a:latin typeface="Arial" panose="020B0604020202020204" pitchFamily="34" charset="0"/>
+                          <a:cs typeface="Arial" panose="020B0604020202020204" pitchFamily="34" charset="0"/>
+                        </a:rPr>
+                        <a:t>84.73</a:t>
+                      </a:r>
+                      <a:endParaRPr lang="en-BR" sz="900" b="0" i="0" u="none" strike="noStrike" dirty="0">
+                        <a:solidFill>
+                          <a:srgbClr val="000000"/>
+                        </a:solidFill>
+                        <a:effectLst/>
+                        <a:latin typeface="Arial" panose="020B0604020202020204" pitchFamily="34" charset="0"/>
+                        <a:cs typeface="Arial" panose="020B0604020202020204" pitchFamily="34" charset="0"/>
+                      </a:endParaRPr>
+                    </a:p>
+                  </a:txBody>
+                  <a:tcPr marL="4211" marR="4211" marT="4211" marB="0" anchor="b"/>
+                </a:tc>
+                <a:extLst>
+                  <a:ext uri="{0D108BD9-81ED-4DB2-BD59-A6C34878D82A}">
+                    <a16:rowId xmlns:a16="http://schemas.microsoft.com/office/drawing/2014/main" val="143090200"/>
+                  </a:ext>
+                </a:extLst>
+              </a:tr>
+              <a:tr h="136423">
+                <a:tc>
+                  <a:txBody>
+                    <a:bodyPr/>
+                    <a:lstStyle/>
+                    <a:p>
+                      <a:pPr algn="ctr" fontAlgn="b"/>
+                      <a:r>
+                        <a:rPr lang="en-BR" sz="900" u="none" strike="noStrike">
+                          <a:effectLst/>
+                          <a:latin typeface="Arial" panose="020B0604020202020204" pitchFamily="34" charset="0"/>
+                          <a:cs typeface="Arial" panose="020B0604020202020204" pitchFamily="34" charset="0"/>
+                        </a:rPr>
+                        <a:t>11</a:t>
+                      </a:r>
+                      <a:endParaRPr lang="en-BR" sz="900" b="0" i="0" u="none" strike="noStrike">
+                        <a:solidFill>
+                          <a:srgbClr val="000000"/>
+                        </a:solidFill>
+                        <a:effectLst/>
+                        <a:latin typeface="Arial" panose="020B0604020202020204" pitchFamily="34" charset="0"/>
+                        <a:cs typeface="Arial" panose="020B0604020202020204" pitchFamily="34" charset="0"/>
+                      </a:endParaRPr>
+                    </a:p>
+                  </a:txBody>
+                  <a:tcPr marL="4211" marR="4211" marT="4211" marB="0" anchor="b"/>
+                </a:tc>
+                <a:tc>
+                  <a:txBody>
+                    <a:bodyPr/>
+                    <a:lstStyle/>
+                    <a:p>
+                      <a:pPr algn="r" fontAlgn="b"/>
+                      <a:r>
+                        <a:rPr lang="en-BR" sz="900" b="0" i="0" u="none" strike="noStrike">
+                          <a:solidFill>
+                            <a:srgbClr val="000000"/>
+                          </a:solidFill>
+                          <a:effectLst/>
+                          <a:latin typeface="Arial" panose="020B0604020202020204" pitchFamily="34" charset="0"/>
+                          <a:cs typeface="Arial" panose="020B0604020202020204" pitchFamily="34" charset="0"/>
+                        </a:rPr>
+                        <a:t>124</a:t>
+                      </a:r>
+                    </a:p>
+                  </a:txBody>
+                  <a:tcPr marL="9525" marR="9525" marT="9525" marB="0" anchor="b"/>
+                </a:tc>
+                <a:tc>
+                  <a:txBody>
+                    <a:bodyPr/>
+                    <a:lstStyle/>
+                    <a:p>
+                      <a:pPr algn="ctr" fontAlgn="b"/>
+                      <a:r>
+                        <a:rPr lang="en-BR" sz="900" u="none" strike="noStrike" dirty="0">
+                          <a:effectLst/>
+                          <a:latin typeface="Arial" panose="020B0604020202020204" pitchFamily="34" charset="0"/>
+                          <a:cs typeface="Arial" panose="020B0604020202020204" pitchFamily="34" charset="0"/>
+                        </a:rPr>
+                        <a:t>84.73</a:t>
+                      </a:r>
+                      <a:endParaRPr lang="en-BR" sz="900" b="0" i="0" u="none" strike="noStrike" dirty="0">
+                        <a:solidFill>
+                          <a:srgbClr val="000000"/>
+                        </a:solidFill>
+                        <a:effectLst/>
+                        <a:latin typeface="Arial" panose="020B0604020202020204" pitchFamily="34" charset="0"/>
+                        <a:cs typeface="Arial" panose="020B0604020202020204" pitchFamily="34" charset="0"/>
+                      </a:endParaRPr>
+                    </a:p>
+                  </a:txBody>
+                  <a:tcPr marL="4211" marR="4211" marT="4211" marB="0" anchor="b"/>
+                </a:tc>
+                <a:extLst>
+                  <a:ext uri="{0D108BD9-81ED-4DB2-BD59-A6C34878D82A}">
+                    <a16:rowId xmlns:a16="http://schemas.microsoft.com/office/drawing/2014/main" val="3294193304"/>
+                  </a:ext>
+                </a:extLst>
+              </a:tr>
+              <a:tr h="136423">
+                <a:tc>
+                  <a:txBody>
+                    <a:bodyPr/>
+                    <a:lstStyle/>
+                    <a:p>
+                      <a:pPr algn="ctr" fontAlgn="b"/>
+                      <a:r>
+                        <a:rPr lang="en-BR" sz="900" u="none" strike="noStrike">
+                          <a:effectLst/>
+                          <a:latin typeface="Arial" panose="020B0604020202020204" pitchFamily="34" charset="0"/>
+                          <a:cs typeface="Arial" panose="020B0604020202020204" pitchFamily="34" charset="0"/>
+                        </a:rPr>
+                        <a:t>12</a:t>
+                      </a:r>
+                      <a:endParaRPr lang="en-BR" sz="900" b="0" i="0" u="none" strike="noStrike">
+                        <a:solidFill>
+                          <a:srgbClr val="000000"/>
+                        </a:solidFill>
+                        <a:effectLst/>
+                        <a:latin typeface="Arial" panose="020B0604020202020204" pitchFamily="34" charset="0"/>
+                        <a:cs typeface="Arial" panose="020B0604020202020204" pitchFamily="34" charset="0"/>
+                      </a:endParaRPr>
+                    </a:p>
+                  </a:txBody>
+                  <a:tcPr marL="4211" marR="4211" marT="4211" marB="0" anchor="b"/>
+                </a:tc>
+                <a:tc>
+                  <a:txBody>
+                    <a:bodyPr/>
+                    <a:lstStyle/>
+                    <a:p>
+                      <a:pPr algn="r" fontAlgn="b"/>
+                      <a:r>
+                        <a:rPr lang="en-BR" sz="900" b="0" i="0" u="none" strike="noStrike">
+                          <a:solidFill>
+                            <a:srgbClr val="000000"/>
+                          </a:solidFill>
+                          <a:effectLst/>
+                          <a:latin typeface="Arial" panose="020B0604020202020204" pitchFamily="34" charset="0"/>
+                          <a:cs typeface="Arial" panose="020B0604020202020204" pitchFamily="34" charset="0"/>
+                        </a:rPr>
+                        <a:t>131</a:t>
+                      </a:r>
+                    </a:p>
+                  </a:txBody>
+                  <a:tcPr marL="9525" marR="9525" marT="9525" marB="0" anchor="b"/>
+                </a:tc>
+                <a:tc>
+                  <a:txBody>
+                    <a:bodyPr/>
+                    <a:lstStyle/>
+                    <a:p>
+                      <a:pPr algn="ctr" fontAlgn="b"/>
+                      <a:r>
+                        <a:rPr lang="en-BR" sz="900" u="none" strike="noStrike" dirty="0">
+                          <a:effectLst/>
+                          <a:latin typeface="Arial" panose="020B0604020202020204" pitchFamily="34" charset="0"/>
+                          <a:cs typeface="Arial" panose="020B0604020202020204" pitchFamily="34" charset="0"/>
+                        </a:rPr>
+                        <a:t>86.26</a:t>
+                      </a:r>
+                      <a:endParaRPr lang="en-BR" sz="900" b="0" i="0" u="none" strike="noStrike" dirty="0">
+                        <a:solidFill>
+                          <a:srgbClr val="000000"/>
+                        </a:solidFill>
+                        <a:effectLst/>
+                        <a:latin typeface="Arial" panose="020B0604020202020204" pitchFamily="34" charset="0"/>
+                        <a:cs typeface="Arial" panose="020B0604020202020204" pitchFamily="34" charset="0"/>
+                      </a:endParaRPr>
+                    </a:p>
+                  </a:txBody>
+                  <a:tcPr marL="4211" marR="4211" marT="4211" marB="0" anchor="b"/>
+                </a:tc>
+                <a:extLst>
+                  <a:ext uri="{0D108BD9-81ED-4DB2-BD59-A6C34878D82A}">
+                    <a16:rowId xmlns:a16="http://schemas.microsoft.com/office/drawing/2014/main" val="1048893807"/>
+                  </a:ext>
+                </a:extLst>
+              </a:tr>
+              <a:tr h="136423">
+                <a:tc>
+                  <a:txBody>
+                    <a:bodyPr/>
+                    <a:lstStyle/>
+                    <a:p>
+                      <a:pPr algn="ctr" fontAlgn="b"/>
+                      <a:r>
+                        <a:rPr lang="en-BR" sz="900" u="none" strike="noStrike">
+                          <a:effectLst/>
+                          <a:latin typeface="Arial" panose="020B0604020202020204" pitchFamily="34" charset="0"/>
+                          <a:cs typeface="Arial" panose="020B0604020202020204" pitchFamily="34" charset="0"/>
+                        </a:rPr>
+                        <a:t>13</a:t>
+                      </a:r>
+                      <a:endParaRPr lang="en-BR" sz="900" b="0" i="0" u="none" strike="noStrike">
+                        <a:solidFill>
+                          <a:srgbClr val="000000"/>
+                        </a:solidFill>
+                        <a:effectLst/>
+                        <a:latin typeface="Arial" panose="020B0604020202020204" pitchFamily="34" charset="0"/>
+                        <a:cs typeface="Arial" panose="020B0604020202020204" pitchFamily="34" charset="0"/>
+                      </a:endParaRPr>
+                    </a:p>
+                  </a:txBody>
+                  <a:tcPr marL="4211" marR="4211" marT="4211" marB="0" anchor="b"/>
+                </a:tc>
+                <a:tc>
+                  <a:txBody>
+                    <a:bodyPr/>
+                    <a:lstStyle/>
+                    <a:p>
+                      <a:pPr algn="r" fontAlgn="b"/>
+                      <a:r>
+                        <a:rPr lang="en-BR" sz="900" b="0" i="0" u="none" strike="noStrike">
+                          <a:solidFill>
+                            <a:srgbClr val="000000"/>
+                          </a:solidFill>
+                          <a:effectLst/>
+                          <a:latin typeface="Arial" panose="020B0604020202020204" pitchFamily="34" charset="0"/>
+                          <a:cs typeface="Arial" panose="020B0604020202020204" pitchFamily="34" charset="0"/>
+                        </a:rPr>
+                        <a:t>134</a:t>
+                      </a:r>
+                    </a:p>
+                  </a:txBody>
+                  <a:tcPr marL="9525" marR="9525" marT="9525" marB="0" anchor="b"/>
+                </a:tc>
+                <a:tc>
+                  <a:txBody>
+                    <a:bodyPr/>
+                    <a:lstStyle/>
+                    <a:p>
+                      <a:pPr algn="ctr" fontAlgn="b"/>
+                      <a:r>
+                        <a:rPr lang="en-BR" sz="900" u="none" strike="noStrike" dirty="0">
+                          <a:effectLst/>
+                          <a:latin typeface="Arial" panose="020B0604020202020204" pitchFamily="34" charset="0"/>
+                          <a:cs typeface="Arial" panose="020B0604020202020204" pitchFamily="34" charset="0"/>
+                        </a:rPr>
+                        <a:t>83.21</a:t>
+                      </a:r>
+                      <a:endParaRPr lang="en-BR" sz="900" b="0" i="0" u="none" strike="noStrike" dirty="0">
+                        <a:solidFill>
+                          <a:srgbClr val="000000"/>
+                        </a:solidFill>
+                        <a:effectLst/>
+                        <a:latin typeface="Arial" panose="020B0604020202020204" pitchFamily="34" charset="0"/>
+                        <a:cs typeface="Arial" panose="020B0604020202020204" pitchFamily="34" charset="0"/>
+                      </a:endParaRPr>
+                    </a:p>
+                  </a:txBody>
+                  <a:tcPr marL="4211" marR="4211" marT="4211" marB="0" anchor="b"/>
+                </a:tc>
+                <a:extLst>
+                  <a:ext uri="{0D108BD9-81ED-4DB2-BD59-A6C34878D82A}">
+                    <a16:rowId xmlns:a16="http://schemas.microsoft.com/office/drawing/2014/main" val="1846406817"/>
+                  </a:ext>
+                </a:extLst>
+              </a:tr>
+              <a:tr h="136423">
+                <a:tc>
+                  <a:txBody>
+                    <a:bodyPr/>
+                    <a:lstStyle/>
+                    <a:p>
+                      <a:pPr algn="ctr" fontAlgn="b"/>
+                      <a:r>
+                        <a:rPr lang="en-BR" sz="900" u="none" strike="noStrike">
+                          <a:effectLst/>
+                          <a:latin typeface="Arial" panose="020B0604020202020204" pitchFamily="34" charset="0"/>
+                          <a:cs typeface="Arial" panose="020B0604020202020204" pitchFamily="34" charset="0"/>
+                        </a:rPr>
+                        <a:t>14</a:t>
+                      </a:r>
+                      <a:endParaRPr lang="en-BR" sz="900" b="0" i="0" u="none" strike="noStrike">
+                        <a:solidFill>
+                          <a:srgbClr val="000000"/>
+                        </a:solidFill>
+                        <a:effectLst/>
+                        <a:latin typeface="Arial" panose="020B0604020202020204" pitchFamily="34" charset="0"/>
+                        <a:cs typeface="Arial" panose="020B0604020202020204" pitchFamily="34" charset="0"/>
+                      </a:endParaRPr>
+                    </a:p>
+                  </a:txBody>
+                  <a:tcPr marL="4211" marR="4211" marT="4211" marB="0" anchor="b"/>
+                </a:tc>
+                <a:tc>
+                  <a:txBody>
+                    <a:bodyPr/>
+                    <a:lstStyle/>
+                    <a:p>
+                      <a:pPr algn="r" fontAlgn="b"/>
+                      <a:r>
+                        <a:rPr lang="en-BR" sz="900" b="0" i="0" u="none" strike="noStrike">
+                          <a:solidFill>
+                            <a:srgbClr val="000000"/>
+                          </a:solidFill>
+                          <a:effectLst/>
+                          <a:latin typeface="Arial" panose="020B0604020202020204" pitchFamily="34" charset="0"/>
+                          <a:cs typeface="Arial" panose="020B0604020202020204" pitchFamily="34" charset="0"/>
+                        </a:rPr>
+                        <a:t>129</a:t>
+                      </a:r>
+                    </a:p>
+                  </a:txBody>
+                  <a:tcPr marL="9525" marR="9525" marT="9525" marB="0" anchor="b"/>
+                </a:tc>
+                <a:tc>
+                  <a:txBody>
+                    <a:bodyPr/>
+                    <a:lstStyle/>
+                    <a:p>
+                      <a:pPr algn="ctr" fontAlgn="b"/>
+                      <a:r>
+                        <a:rPr lang="en-BR" sz="900" u="none" strike="noStrike" dirty="0">
+                          <a:effectLst/>
+                          <a:latin typeface="Arial" panose="020B0604020202020204" pitchFamily="34" charset="0"/>
+                          <a:cs typeface="Arial" panose="020B0604020202020204" pitchFamily="34" charset="0"/>
+                        </a:rPr>
+                        <a:t>87.02</a:t>
+                      </a:r>
+                      <a:endParaRPr lang="en-BR" sz="900" b="0" i="0" u="none" strike="noStrike" dirty="0">
+                        <a:solidFill>
+                          <a:srgbClr val="000000"/>
+                        </a:solidFill>
+                        <a:effectLst/>
+                        <a:latin typeface="Arial" panose="020B0604020202020204" pitchFamily="34" charset="0"/>
+                        <a:cs typeface="Arial" panose="020B0604020202020204" pitchFamily="34" charset="0"/>
+                      </a:endParaRPr>
+                    </a:p>
+                  </a:txBody>
+                  <a:tcPr marL="4211" marR="4211" marT="4211" marB="0" anchor="b"/>
+                </a:tc>
+                <a:extLst>
+                  <a:ext uri="{0D108BD9-81ED-4DB2-BD59-A6C34878D82A}">
+                    <a16:rowId xmlns:a16="http://schemas.microsoft.com/office/drawing/2014/main" val="4191746567"/>
+                  </a:ext>
+                </a:extLst>
+              </a:tr>
+              <a:tr h="136423">
+                <a:tc>
+                  <a:txBody>
+                    <a:bodyPr/>
+                    <a:lstStyle/>
+                    <a:p>
+                      <a:pPr algn="ctr" fontAlgn="b"/>
+                      <a:r>
+                        <a:rPr lang="en-BR" sz="900" u="none" strike="noStrike">
+                          <a:effectLst/>
+                          <a:latin typeface="Arial" panose="020B0604020202020204" pitchFamily="34" charset="0"/>
+                          <a:cs typeface="Arial" panose="020B0604020202020204" pitchFamily="34" charset="0"/>
+                        </a:rPr>
+                        <a:t>15</a:t>
+                      </a:r>
+                      <a:endParaRPr lang="en-BR" sz="900" b="0" i="0" u="none" strike="noStrike">
+                        <a:solidFill>
+                          <a:srgbClr val="000000"/>
+                        </a:solidFill>
+                        <a:effectLst/>
+                        <a:latin typeface="Arial" panose="020B0604020202020204" pitchFamily="34" charset="0"/>
+                        <a:cs typeface="Arial" panose="020B0604020202020204" pitchFamily="34" charset="0"/>
+                      </a:endParaRPr>
+                    </a:p>
+                  </a:txBody>
+                  <a:tcPr marL="4211" marR="4211" marT="4211" marB="0" anchor="b"/>
+                </a:tc>
+                <a:tc>
+                  <a:txBody>
+                    <a:bodyPr/>
+                    <a:lstStyle/>
+                    <a:p>
+                      <a:pPr algn="r" fontAlgn="b"/>
+                      <a:r>
+                        <a:rPr lang="en-BR" sz="900" b="0" i="0" u="none" strike="noStrike">
+                          <a:solidFill>
+                            <a:srgbClr val="000000"/>
+                          </a:solidFill>
+                          <a:effectLst/>
+                          <a:latin typeface="Arial" panose="020B0604020202020204" pitchFamily="34" charset="0"/>
+                          <a:cs typeface="Arial" panose="020B0604020202020204" pitchFamily="34" charset="0"/>
+                        </a:rPr>
+                        <a:t>124</a:t>
+                      </a:r>
+                    </a:p>
+                  </a:txBody>
+                  <a:tcPr marL="9525" marR="9525" marT="9525" marB="0" anchor="b"/>
+                </a:tc>
+                <a:tc>
+                  <a:txBody>
+                    <a:bodyPr/>
+                    <a:lstStyle/>
+                    <a:p>
+                      <a:pPr algn="ctr" fontAlgn="b"/>
+                      <a:r>
+                        <a:rPr lang="en-BR" sz="900" u="none" strike="noStrike" dirty="0">
+                          <a:effectLst/>
+                          <a:latin typeface="Arial" panose="020B0604020202020204" pitchFamily="34" charset="0"/>
+                          <a:cs typeface="Arial" panose="020B0604020202020204" pitchFamily="34" charset="0"/>
+                        </a:rPr>
+                        <a:t>86.26</a:t>
+                      </a:r>
+                      <a:endParaRPr lang="en-BR" sz="900" b="0" i="0" u="none" strike="noStrike" dirty="0">
+                        <a:solidFill>
+                          <a:srgbClr val="000000"/>
+                        </a:solidFill>
+                        <a:effectLst/>
+                        <a:latin typeface="Arial" panose="020B0604020202020204" pitchFamily="34" charset="0"/>
+                        <a:cs typeface="Arial" panose="020B0604020202020204" pitchFamily="34" charset="0"/>
+                      </a:endParaRPr>
+                    </a:p>
+                  </a:txBody>
+                  <a:tcPr marL="4211" marR="4211" marT="4211" marB="0" anchor="b"/>
+                </a:tc>
+                <a:extLst>
+                  <a:ext uri="{0D108BD9-81ED-4DB2-BD59-A6C34878D82A}">
+                    <a16:rowId xmlns:a16="http://schemas.microsoft.com/office/drawing/2014/main" val="1750523580"/>
+                  </a:ext>
+                </a:extLst>
+              </a:tr>
+              <a:tr h="136423">
+                <a:tc>
+                  <a:txBody>
+                    <a:bodyPr/>
+                    <a:lstStyle/>
+                    <a:p>
+                      <a:pPr algn="ctr" fontAlgn="b"/>
+                      <a:r>
+                        <a:rPr lang="en-BR" sz="900" u="none" strike="noStrike">
+                          <a:effectLst/>
+                          <a:latin typeface="Arial" panose="020B0604020202020204" pitchFamily="34" charset="0"/>
+                          <a:cs typeface="Arial" panose="020B0604020202020204" pitchFamily="34" charset="0"/>
+                        </a:rPr>
+                        <a:t>16</a:t>
+                      </a:r>
+                      <a:endParaRPr lang="en-BR" sz="900" b="0" i="0" u="none" strike="noStrike">
+                        <a:solidFill>
+                          <a:srgbClr val="000000"/>
+                        </a:solidFill>
+                        <a:effectLst/>
+                        <a:latin typeface="Arial" panose="020B0604020202020204" pitchFamily="34" charset="0"/>
+                        <a:cs typeface="Arial" panose="020B0604020202020204" pitchFamily="34" charset="0"/>
+                      </a:endParaRPr>
+                    </a:p>
+                  </a:txBody>
+                  <a:tcPr marL="4211" marR="4211" marT="4211" marB="0" anchor="b"/>
+                </a:tc>
+                <a:tc>
+                  <a:txBody>
+                    <a:bodyPr/>
+                    <a:lstStyle/>
+                    <a:p>
+                      <a:pPr algn="r" fontAlgn="b"/>
+                      <a:r>
+                        <a:rPr lang="en-BR" sz="900" b="0" i="0" u="none" strike="noStrike">
+                          <a:solidFill>
+                            <a:srgbClr val="000000"/>
+                          </a:solidFill>
+                          <a:effectLst/>
+                          <a:latin typeface="Arial" panose="020B0604020202020204" pitchFamily="34" charset="0"/>
+                          <a:cs typeface="Arial" panose="020B0604020202020204" pitchFamily="34" charset="0"/>
+                        </a:rPr>
+                        <a:t>133</a:t>
+                      </a:r>
+                    </a:p>
+                  </a:txBody>
+                  <a:tcPr marL="9525" marR="9525" marT="9525" marB="0" anchor="b"/>
+                </a:tc>
+                <a:tc>
+                  <a:txBody>
+                    <a:bodyPr/>
+                    <a:lstStyle/>
+                    <a:p>
+                      <a:pPr algn="ctr" fontAlgn="b"/>
+                      <a:r>
+                        <a:rPr lang="en-BR" sz="900" u="none" strike="noStrike" dirty="0">
+                          <a:effectLst/>
+                          <a:latin typeface="Arial" panose="020B0604020202020204" pitchFamily="34" charset="0"/>
+                          <a:cs typeface="Arial" panose="020B0604020202020204" pitchFamily="34" charset="0"/>
+                        </a:rPr>
+                        <a:t>86.26</a:t>
+                      </a:r>
+                      <a:endParaRPr lang="en-BR" sz="900" b="0" i="0" u="none" strike="noStrike" dirty="0">
+                        <a:solidFill>
+                          <a:srgbClr val="000000"/>
+                        </a:solidFill>
+                        <a:effectLst/>
+                        <a:latin typeface="Arial" panose="020B0604020202020204" pitchFamily="34" charset="0"/>
+                        <a:cs typeface="Arial" panose="020B0604020202020204" pitchFamily="34" charset="0"/>
+                      </a:endParaRPr>
+                    </a:p>
+                  </a:txBody>
+                  <a:tcPr marL="4211" marR="4211" marT="4211" marB="0" anchor="b"/>
+                </a:tc>
+                <a:extLst>
+                  <a:ext uri="{0D108BD9-81ED-4DB2-BD59-A6C34878D82A}">
+                    <a16:rowId xmlns:a16="http://schemas.microsoft.com/office/drawing/2014/main" val="3920518021"/>
+                  </a:ext>
+                </a:extLst>
+              </a:tr>
+              <a:tr h="136423">
+                <a:tc>
+                  <a:txBody>
+                    <a:bodyPr/>
+                    <a:lstStyle/>
+                    <a:p>
+                      <a:pPr algn="ctr" fontAlgn="b"/>
+                      <a:r>
+                        <a:rPr lang="en-BR" sz="900" u="none" strike="noStrike">
+                          <a:effectLst/>
+                          <a:latin typeface="Arial" panose="020B0604020202020204" pitchFamily="34" charset="0"/>
+                          <a:cs typeface="Arial" panose="020B0604020202020204" pitchFamily="34" charset="0"/>
+                        </a:rPr>
+                        <a:t>17</a:t>
+                      </a:r>
+                      <a:endParaRPr lang="en-BR" sz="900" b="0" i="0" u="none" strike="noStrike">
+                        <a:solidFill>
+                          <a:srgbClr val="000000"/>
+                        </a:solidFill>
+                        <a:effectLst/>
+                        <a:latin typeface="Arial" panose="020B0604020202020204" pitchFamily="34" charset="0"/>
+                        <a:cs typeface="Arial" panose="020B0604020202020204" pitchFamily="34" charset="0"/>
+                      </a:endParaRPr>
+                    </a:p>
+                  </a:txBody>
+                  <a:tcPr marL="4211" marR="4211" marT="4211" marB="0" anchor="b"/>
+                </a:tc>
+                <a:tc>
+                  <a:txBody>
+                    <a:bodyPr/>
+                    <a:lstStyle/>
+                    <a:p>
+                      <a:pPr algn="r" fontAlgn="b"/>
+                      <a:r>
+                        <a:rPr lang="en-BR" sz="900" b="0" i="0" u="none" strike="noStrike">
+                          <a:solidFill>
+                            <a:srgbClr val="000000"/>
+                          </a:solidFill>
+                          <a:effectLst/>
+                          <a:latin typeface="Arial" panose="020B0604020202020204" pitchFamily="34" charset="0"/>
+                          <a:cs typeface="Arial" panose="020B0604020202020204" pitchFamily="34" charset="0"/>
+                        </a:rPr>
+                        <a:t>133</a:t>
+                      </a:r>
+                    </a:p>
+                  </a:txBody>
+                  <a:tcPr marL="9525" marR="9525" marT="9525" marB="0" anchor="b"/>
+                </a:tc>
+                <a:tc>
+                  <a:txBody>
+                    <a:bodyPr/>
+                    <a:lstStyle/>
+                    <a:p>
+                      <a:pPr algn="ctr" fontAlgn="b"/>
+                      <a:r>
+                        <a:rPr lang="en-BR" sz="900" u="none" strike="noStrike" dirty="0">
+                          <a:effectLst/>
+                          <a:latin typeface="Arial" panose="020B0604020202020204" pitchFamily="34" charset="0"/>
+                          <a:cs typeface="Arial" panose="020B0604020202020204" pitchFamily="34" charset="0"/>
+                        </a:rPr>
+                        <a:t>87.02</a:t>
+                      </a:r>
+                      <a:endParaRPr lang="en-BR" sz="900" b="0" i="0" u="none" strike="noStrike" dirty="0">
+                        <a:solidFill>
+                          <a:srgbClr val="000000"/>
+                        </a:solidFill>
+                        <a:effectLst/>
+                        <a:latin typeface="Arial" panose="020B0604020202020204" pitchFamily="34" charset="0"/>
+                        <a:cs typeface="Arial" panose="020B0604020202020204" pitchFamily="34" charset="0"/>
+                      </a:endParaRPr>
+                    </a:p>
+                  </a:txBody>
+                  <a:tcPr marL="4211" marR="4211" marT="4211" marB="0" anchor="b"/>
+                </a:tc>
+                <a:extLst>
+                  <a:ext uri="{0D108BD9-81ED-4DB2-BD59-A6C34878D82A}">
+                    <a16:rowId xmlns:a16="http://schemas.microsoft.com/office/drawing/2014/main" val="1961917855"/>
+                  </a:ext>
+                </a:extLst>
+              </a:tr>
+              <a:tr h="136423">
+                <a:tc>
+                  <a:txBody>
+                    <a:bodyPr/>
+                    <a:lstStyle/>
+                    <a:p>
+                      <a:pPr algn="ctr" fontAlgn="b"/>
+                      <a:r>
+                        <a:rPr lang="en-BR" sz="900" u="none" strike="noStrike">
+                          <a:effectLst/>
+                          <a:latin typeface="Arial" panose="020B0604020202020204" pitchFamily="34" charset="0"/>
+                          <a:cs typeface="Arial" panose="020B0604020202020204" pitchFamily="34" charset="0"/>
+                        </a:rPr>
+                        <a:t>18</a:t>
+                      </a:r>
+                      <a:endParaRPr lang="en-BR" sz="900" b="0" i="0" u="none" strike="noStrike">
+                        <a:solidFill>
+                          <a:srgbClr val="000000"/>
+                        </a:solidFill>
+                        <a:effectLst/>
+                        <a:latin typeface="Arial" panose="020B0604020202020204" pitchFamily="34" charset="0"/>
+                        <a:cs typeface="Arial" panose="020B0604020202020204" pitchFamily="34" charset="0"/>
+                      </a:endParaRPr>
+                    </a:p>
+                  </a:txBody>
+                  <a:tcPr marL="4211" marR="4211" marT="4211" marB="0" anchor="b"/>
+                </a:tc>
+                <a:tc>
+                  <a:txBody>
+                    <a:bodyPr/>
+                    <a:lstStyle/>
+                    <a:p>
+                      <a:pPr algn="r" fontAlgn="b"/>
+                      <a:r>
+                        <a:rPr lang="en-BR" sz="900" b="0" i="0" u="none" strike="noStrike">
+                          <a:solidFill>
+                            <a:srgbClr val="000000"/>
+                          </a:solidFill>
+                          <a:effectLst/>
+                          <a:latin typeface="Arial" panose="020B0604020202020204" pitchFamily="34" charset="0"/>
+                          <a:cs typeface="Arial" panose="020B0604020202020204" pitchFamily="34" charset="0"/>
+                        </a:rPr>
+                        <a:t>136,6</a:t>
+                      </a:r>
+                    </a:p>
+                  </a:txBody>
+                  <a:tcPr marL="9525" marR="9525" marT="9525" marB="0" anchor="b"/>
+                </a:tc>
+                <a:tc>
+                  <a:txBody>
+                    <a:bodyPr/>
+                    <a:lstStyle/>
+                    <a:p>
+                      <a:pPr algn="ctr" fontAlgn="b"/>
+                      <a:r>
+                        <a:rPr lang="en-BR" sz="900" u="none" strike="noStrike" dirty="0">
+                          <a:effectLst/>
+                          <a:latin typeface="Arial" panose="020B0604020202020204" pitchFamily="34" charset="0"/>
+                          <a:cs typeface="Arial" panose="020B0604020202020204" pitchFamily="34" charset="0"/>
+                        </a:rPr>
+                        <a:t>88.55</a:t>
+                      </a:r>
+                      <a:endParaRPr lang="en-BR" sz="900" b="0" i="0" u="none" strike="noStrike" dirty="0">
+                        <a:solidFill>
+                          <a:srgbClr val="000000"/>
+                        </a:solidFill>
+                        <a:effectLst/>
+                        <a:latin typeface="Arial" panose="020B0604020202020204" pitchFamily="34" charset="0"/>
+                        <a:cs typeface="Arial" panose="020B0604020202020204" pitchFamily="34" charset="0"/>
+                      </a:endParaRPr>
+                    </a:p>
+                  </a:txBody>
+                  <a:tcPr marL="4211" marR="4211" marT="4211" marB="0" anchor="b"/>
+                </a:tc>
+                <a:extLst>
+                  <a:ext uri="{0D108BD9-81ED-4DB2-BD59-A6C34878D82A}">
+                    <a16:rowId xmlns:a16="http://schemas.microsoft.com/office/drawing/2014/main" val="2699202152"/>
+                  </a:ext>
+                </a:extLst>
+              </a:tr>
+              <a:tr h="136423">
+                <a:tc>
+                  <a:txBody>
+                    <a:bodyPr/>
+                    <a:lstStyle/>
+                    <a:p>
+                      <a:pPr algn="ctr" fontAlgn="b"/>
+                      <a:r>
+                        <a:rPr lang="en-BR" sz="900" u="none" strike="noStrike">
+                          <a:effectLst/>
+                          <a:latin typeface="Arial" panose="020B0604020202020204" pitchFamily="34" charset="0"/>
+                          <a:cs typeface="Arial" panose="020B0604020202020204" pitchFamily="34" charset="0"/>
+                        </a:rPr>
+                        <a:t>19</a:t>
+                      </a:r>
+                      <a:endParaRPr lang="en-BR" sz="900" b="0" i="0" u="none" strike="noStrike">
+                        <a:solidFill>
+                          <a:srgbClr val="000000"/>
+                        </a:solidFill>
+                        <a:effectLst/>
+                        <a:latin typeface="Arial" panose="020B0604020202020204" pitchFamily="34" charset="0"/>
+                        <a:cs typeface="Arial" panose="020B0604020202020204" pitchFamily="34" charset="0"/>
+                      </a:endParaRPr>
+                    </a:p>
+                  </a:txBody>
+                  <a:tcPr marL="4211" marR="4211" marT="4211" marB="0" anchor="b"/>
+                </a:tc>
+                <a:tc>
+                  <a:txBody>
+                    <a:bodyPr/>
+                    <a:lstStyle/>
+                    <a:p>
+                      <a:pPr algn="r" fontAlgn="b"/>
+                      <a:r>
+                        <a:rPr lang="en-BR" sz="900" b="0" i="0" u="none" strike="noStrike">
+                          <a:solidFill>
+                            <a:srgbClr val="000000"/>
+                          </a:solidFill>
+                          <a:effectLst/>
+                          <a:latin typeface="Arial" panose="020B0604020202020204" pitchFamily="34" charset="0"/>
+                          <a:cs typeface="Arial" panose="020B0604020202020204" pitchFamily="34" charset="0"/>
+                        </a:rPr>
+                        <a:t>127</a:t>
+                      </a:r>
+                    </a:p>
+                  </a:txBody>
+                  <a:tcPr marL="9525" marR="9525" marT="9525" marB="0" anchor="b"/>
+                </a:tc>
+                <a:tc>
+                  <a:txBody>
+                    <a:bodyPr/>
+                    <a:lstStyle/>
+                    <a:p>
+                      <a:pPr algn="ctr" fontAlgn="b"/>
+                      <a:r>
+                        <a:rPr lang="en-BR" sz="900" u="none" strike="noStrike" dirty="0">
+                          <a:effectLst/>
+                          <a:latin typeface="Arial" panose="020B0604020202020204" pitchFamily="34" charset="0"/>
+                          <a:cs typeface="Arial" panose="020B0604020202020204" pitchFamily="34" charset="0"/>
+                        </a:rPr>
+                        <a:t>83.97</a:t>
+                      </a:r>
+                      <a:endParaRPr lang="en-BR" sz="900" b="0" i="0" u="none" strike="noStrike" dirty="0">
+                        <a:solidFill>
+                          <a:srgbClr val="000000"/>
+                        </a:solidFill>
+                        <a:effectLst/>
+                        <a:latin typeface="Arial" panose="020B0604020202020204" pitchFamily="34" charset="0"/>
+                        <a:cs typeface="Arial" panose="020B0604020202020204" pitchFamily="34" charset="0"/>
+                      </a:endParaRPr>
+                    </a:p>
+                  </a:txBody>
+                  <a:tcPr marL="4211" marR="4211" marT="4211" marB="0" anchor="b"/>
+                </a:tc>
+                <a:extLst>
+                  <a:ext uri="{0D108BD9-81ED-4DB2-BD59-A6C34878D82A}">
+                    <a16:rowId xmlns:a16="http://schemas.microsoft.com/office/drawing/2014/main" val="740105599"/>
+                  </a:ext>
+                </a:extLst>
+              </a:tr>
+              <a:tr h="136423">
+                <a:tc>
+                  <a:txBody>
+                    <a:bodyPr/>
+                    <a:lstStyle/>
+                    <a:p>
+                      <a:pPr algn="ctr" fontAlgn="b"/>
+                      <a:r>
+                        <a:rPr lang="en-BR" sz="900" u="none" strike="noStrike">
+                          <a:effectLst/>
+                          <a:latin typeface="Arial" panose="020B0604020202020204" pitchFamily="34" charset="0"/>
+                          <a:cs typeface="Arial" panose="020B0604020202020204" pitchFamily="34" charset="0"/>
+                        </a:rPr>
+                        <a:t>20</a:t>
+                      </a:r>
+                      <a:endParaRPr lang="en-BR" sz="900" b="0" i="0" u="none" strike="noStrike">
+                        <a:solidFill>
+                          <a:srgbClr val="000000"/>
+                        </a:solidFill>
+                        <a:effectLst/>
+                        <a:latin typeface="Arial" panose="020B0604020202020204" pitchFamily="34" charset="0"/>
+                        <a:cs typeface="Arial" panose="020B0604020202020204" pitchFamily="34" charset="0"/>
+                      </a:endParaRPr>
+                    </a:p>
+                  </a:txBody>
+                  <a:tcPr marL="4211" marR="4211" marT="4211" marB="0" anchor="b"/>
+                </a:tc>
+                <a:tc>
+                  <a:txBody>
+                    <a:bodyPr/>
+                    <a:lstStyle/>
+                    <a:p>
+                      <a:pPr algn="r" fontAlgn="b"/>
+                      <a:r>
+                        <a:rPr lang="en-BR" sz="900" b="0" i="0" u="none" strike="noStrike">
+                          <a:solidFill>
+                            <a:srgbClr val="000000"/>
+                          </a:solidFill>
+                          <a:effectLst/>
+                          <a:latin typeface="Arial" panose="020B0604020202020204" pitchFamily="34" charset="0"/>
+                          <a:cs typeface="Arial" panose="020B0604020202020204" pitchFamily="34" charset="0"/>
+                        </a:rPr>
+                        <a:t>153</a:t>
+                      </a:r>
+                    </a:p>
+                  </a:txBody>
+                  <a:tcPr marL="9525" marR="9525" marT="9525" marB="0" anchor="b"/>
+                </a:tc>
+                <a:tc>
+                  <a:txBody>
+                    <a:bodyPr/>
+                    <a:lstStyle/>
+                    <a:p>
+                      <a:pPr algn="ctr" fontAlgn="b"/>
+                      <a:r>
+                        <a:rPr lang="en-BR" sz="900" u="none" strike="noStrike" dirty="0">
+                          <a:effectLst/>
+                          <a:latin typeface="Arial" panose="020B0604020202020204" pitchFamily="34" charset="0"/>
+                          <a:cs typeface="Arial" panose="020B0604020202020204" pitchFamily="34" charset="0"/>
+                        </a:rPr>
+                        <a:t>84.73</a:t>
+                      </a:r>
+                      <a:endParaRPr lang="en-BR" sz="900" b="0" i="0" u="none" strike="noStrike" dirty="0">
+                        <a:solidFill>
+                          <a:srgbClr val="000000"/>
+                        </a:solidFill>
+                        <a:effectLst/>
+                        <a:latin typeface="Arial" panose="020B0604020202020204" pitchFamily="34" charset="0"/>
+                        <a:cs typeface="Arial" panose="020B0604020202020204" pitchFamily="34" charset="0"/>
+                      </a:endParaRPr>
+                    </a:p>
+                  </a:txBody>
+                  <a:tcPr marL="4211" marR="4211" marT="4211" marB="0" anchor="b"/>
+                </a:tc>
+                <a:extLst>
+                  <a:ext uri="{0D108BD9-81ED-4DB2-BD59-A6C34878D82A}">
+                    <a16:rowId xmlns:a16="http://schemas.microsoft.com/office/drawing/2014/main" val="2598125534"/>
+                  </a:ext>
+                </a:extLst>
+              </a:tr>
+              <a:tr h="136423">
+                <a:tc>
+                  <a:txBody>
+                    <a:bodyPr/>
+                    <a:lstStyle/>
+                    <a:p>
+                      <a:pPr algn="ctr" fontAlgn="b"/>
+                      <a:r>
+                        <a:rPr lang="en-BR" sz="900" u="none" strike="noStrike">
+                          <a:effectLst/>
+                          <a:latin typeface="Arial" panose="020B0604020202020204" pitchFamily="34" charset="0"/>
+                          <a:cs typeface="Arial" panose="020B0604020202020204" pitchFamily="34" charset="0"/>
+                        </a:rPr>
+                        <a:t>21</a:t>
+                      </a:r>
+                      <a:endParaRPr lang="en-BR" sz="900" b="0" i="0" u="none" strike="noStrike">
+                        <a:solidFill>
+                          <a:srgbClr val="000000"/>
+                        </a:solidFill>
+                        <a:effectLst/>
+                        <a:latin typeface="Arial" panose="020B0604020202020204" pitchFamily="34" charset="0"/>
+                        <a:cs typeface="Arial" panose="020B0604020202020204" pitchFamily="34" charset="0"/>
+                      </a:endParaRPr>
+                    </a:p>
+                  </a:txBody>
+                  <a:tcPr marL="4211" marR="4211" marT="4211" marB="0" anchor="b"/>
+                </a:tc>
+                <a:tc>
+                  <a:txBody>
+                    <a:bodyPr/>
+                    <a:lstStyle/>
+                    <a:p>
+                      <a:pPr algn="r" fontAlgn="b"/>
+                      <a:r>
+                        <a:rPr lang="en-BR" sz="900" b="0" i="0" u="none" strike="noStrike">
+                          <a:solidFill>
+                            <a:srgbClr val="000000"/>
+                          </a:solidFill>
+                          <a:effectLst/>
+                          <a:latin typeface="Arial" panose="020B0604020202020204" pitchFamily="34" charset="0"/>
+                          <a:cs typeface="Arial" panose="020B0604020202020204" pitchFamily="34" charset="0"/>
+                        </a:rPr>
+                        <a:t>128</a:t>
+                      </a:r>
+                    </a:p>
+                  </a:txBody>
+                  <a:tcPr marL="9525" marR="9525" marT="9525" marB="0" anchor="b"/>
+                </a:tc>
+                <a:tc>
+                  <a:txBody>
+                    <a:bodyPr/>
+                    <a:lstStyle/>
+                    <a:p>
+                      <a:pPr algn="ctr" fontAlgn="b"/>
+                      <a:r>
+                        <a:rPr lang="en-BR" sz="900" u="none" strike="noStrike" dirty="0">
+                          <a:effectLst/>
+                          <a:latin typeface="Arial" panose="020B0604020202020204" pitchFamily="34" charset="0"/>
+                          <a:cs typeface="Arial" panose="020B0604020202020204" pitchFamily="34" charset="0"/>
+                        </a:rPr>
+                        <a:t>87.02</a:t>
+                      </a:r>
+                      <a:endParaRPr lang="en-BR" sz="900" b="0" i="0" u="none" strike="noStrike" dirty="0">
+                        <a:solidFill>
+                          <a:srgbClr val="000000"/>
+                        </a:solidFill>
+                        <a:effectLst/>
+                        <a:latin typeface="Arial" panose="020B0604020202020204" pitchFamily="34" charset="0"/>
+                        <a:cs typeface="Arial" panose="020B0604020202020204" pitchFamily="34" charset="0"/>
+                      </a:endParaRPr>
+                    </a:p>
+                  </a:txBody>
+                  <a:tcPr marL="4211" marR="4211" marT="4211" marB="0" anchor="b"/>
+                </a:tc>
+                <a:extLst>
+                  <a:ext uri="{0D108BD9-81ED-4DB2-BD59-A6C34878D82A}">
+                    <a16:rowId xmlns:a16="http://schemas.microsoft.com/office/drawing/2014/main" val="3102721663"/>
+                  </a:ext>
+                </a:extLst>
+              </a:tr>
+              <a:tr h="136423">
+                <a:tc>
+                  <a:txBody>
+                    <a:bodyPr/>
+                    <a:lstStyle/>
+                    <a:p>
+                      <a:pPr algn="ctr" fontAlgn="b"/>
+                      <a:r>
+                        <a:rPr lang="en-BR" sz="900" u="none" strike="noStrike">
+                          <a:effectLst/>
+                          <a:latin typeface="Arial" panose="020B0604020202020204" pitchFamily="34" charset="0"/>
+                          <a:cs typeface="Arial" panose="020B0604020202020204" pitchFamily="34" charset="0"/>
+                        </a:rPr>
+                        <a:t>22</a:t>
+                      </a:r>
+                      <a:endParaRPr lang="en-BR" sz="900" b="0" i="0" u="none" strike="noStrike">
+                        <a:solidFill>
+                          <a:srgbClr val="000000"/>
+                        </a:solidFill>
+                        <a:effectLst/>
+                        <a:latin typeface="Arial" panose="020B0604020202020204" pitchFamily="34" charset="0"/>
+                        <a:cs typeface="Arial" panose="020B0604020202020204" pitchFamily="34" charset="0"/>
+                      </a:endParaRPr>
+                    </a:p>
+                  </a:txBody>
+                  <a:tcPr marL="4211" marR="4211" marT="4211" marB="0" anchor="b"/>
+                </a:tc>
+                <a:tc>
+                  <a:txBody>
+                    <a:bodyPr/>
+                    <a:lstStyle/>
+                    <a:p>
+                      <a:pPr algn="r" fontAlgn="b"/>
+                      <a:r>
+                        <a:rPr lang="en-BR" sz="900" b="0" i="0" u="none" strike="noStrike">
+                          <a:solidFill>
+                            <a:srgbClr val="000000"/>
+                          </a:solidFill>
+                          <a:effectLst/>
+                          <a:latin typeface="Arial" panose="020B0604020202020204" pitchFamily="34" charset="0"/>
+                          <a:cs typeface="Arial" panose="020B0604020202020204" pitchFamily="34" charset="0"/>
+                        </a:rPr>
+                        <a:t>123</a:t>
+                      </a:r>
+                    </a:p>
+                  </a:txBody>
+                  <a:tcPr marL="9525" marR="9525" marT="9525" marB="0" anchor="b"/>
+                </a:tc>
+                <a:tc>
+                  <a:txBody>
+                    <a:bodyPr/>
+                    <a:lstStyle/>
+                    <a:p>
+                      <a:pPr algn="ctr" fontAlgn="b"/>
+                      <a:r>
+                        <a:rPr lang="en-BR" sz="900" u="none" strike="noStrike" dirty="0">
+                          <a:effectLst/>
+                          <a:latin typeface="Arial" panose="020B0604020202020204" pitchFamily="34" charset="0"/>
+                          <a:cs typeface="Arial" panose="020B0604020202020204" pitchFamily="34" charset="0"/>
+                        </a:rPr>
+                        <a:t>83.97</a:t>
+                      </a:r>
+                      <a:endParaRPr lang="en-BR" sz="900" b="0" i="0" u="none" strike="noStrike" dirty="0">
+                        <a:solidFill>
+                          <a:srgbClr val="000000"/>
+                        </a:solidFill>
+                        <a:effectLst/>
+                        <a:latin typeface="Arial" panose="020B0604020202020204" pitchFamily="34" charset="0"/>
+                        <a:cs typeface="Arial" panose="020B0604020202020204" pitchFamily="34" charset="0"/>
+                      </a:endParaRPr>
+                    </a:p>
+                  </a:txBody>
+                  <a:tcPr marL="4211" marR="4211" marT="4211" marB="0" anchor="b"/>
+                </a:tc>
+                <a:extLst>
+                  <a:ext uri="{0D108BD9-81ED-4DB2-BD59-A6C34878D82A}">
+                    <a16:rowId xmlns:a16="http://schemas.microsoft.com/office/drawing/2014/main" val="2197629169"/>
+                  </a:ext>
+                </a:extLst>
+              </a:tr>
+              <a:tr h="136423">
+                <a:tc>
+                  <a:txBody>
+                    <a:bodyPr/>
+                    <a:lstStyle/>
+                    <a:p>
+                      <a:pPr algn="ctr" fontAlgn="b"/>
+                      <a:r>
+                        <a:rPr lang="en-BR" sz="900" u="none" strike="noStrike">
+                          <a:effectLst/>
+                          <a:latin typeface="Arial" panose="020B0604020202020204" pitchFamily="34" charset="0"/>
+                          <a:cs typeface="Arial" panose="020B0604020202020204" pitchFamily="34" charset="0"/>
+                        </a:rPr>
+                        <a:t>23</a:t>
+                      </a:r>
+                      <a:endParaRPr lang="en-BR" sz="900" b="0" i="0" u="none" strike="noStrike">
+                        <a:solidFill>
+                          <a:srgbClr val="000000"/>
+                        </a:solidFill>
+                        <a:effectLst/>
+                        <a:latin typeface="Arial" panose="020B0604020202020204" pitchFamily="34" charset="0"/>
+                        <a:cs typeface="Arial" panose="020B0604020202020204" pitchFamily="34" charset="0"/>
+                      </a:endParaRPr>
+                    </a:p>
+                  </a:txBody>
+                  <a:tcPr marL="4211" marR="4211" marT="4211" marB="0" anchor="b"/>
+                </a:tc>
+                <a:tc>
+                  <a:txBody>
+                    <a:bodyPr/>
+                    <a:lstStyle/>
+                    <a:p>
+                      <a:pPr algn="r" fontAlgn="b"/>
+                      <a:r>
+                        <a:rPr lang="en-BR" sz="900" b="0" i="0" u="none" strike="noStrike">
+                          <a:solidFill>
+                            <a:srgbClr val="000000"/>
+                          </a:solidFill>
+                          <a:effectLst/>
+                          <a:latin typeface="Arial" panose="020B0604020202020204" pitchFamily="34" charset="0"/>
+                          <a:cs typeface="Arial" panose="020B0604020202020204" pitchFamily="34" charset="0"/>
+                        </a:rPr>
+                        <a:t>127</a:t>
+                      </a:r>
+                    </a:p>
+                  </a:txBody>
+                  <a:tcPr marL="9525" marR="9525" marT="9525" marB="0" anchor="b"/>
+                </a:tc>
+                <a:tc>
+                  <a:txBody>
+                    <a:bodyPr/>
+                    <a:lstStyle/>
+                    <a:p>
+                      <a:pPr algn="ctr" fontAlgn="b"/>
+                      <a:r>
+                        <a:rPr lang="en-BR" sz="900" u="none" strike="noStrike" dirty="0">
+                          <a:effectLst/>
+                          <a:latin typeface="Arial" panose="020B0604020202020204" pitchFamily="34" charset="0"/>
+                          <a:cs typeface="Arial" panose="020B0604020202020204" pitchFamily="34" charset="0"/>
+                        </a:rPr>
+                        <a:t>85.50</a:t>
+                      </a:r>
+                      <a:endParaRPr lang="en-BR" sz="900" b="0" i="0" u="none" strike="noStrike" dirty="0">
+                        <a:solidFill>
+                          <a:srgbClr val="000000"/>
+                        </a:solidFill>
+                        <a:effectLst/>
+                        <a:latin typeface="Arial" panose="020B0604020202020204" pitchFamily="34" charset="0"/>
+                        <a:cs typeface="Arial" panose="020B0604020202020204" pitchFamily="34" charset="0"/>
+                      </a:endParaRPr>
+                    </a:p>
+                  </a:txBody>
+                  <a:tcPr marL="4211" marR="4211" marT="4211" marB="0" anchor="b"/>
+                </a:tc>
+                <a:extLst>
+                  <a:ext uri="{0D108BD9-81ED-4DB2-BD59-A6C34878D82A}">
+                    <a16:rowId xmlns:a16="http://schemas.microsoft.com/office/drawing/2014/main" val="4142401314"/>
+                  </a:ext>
+                </a:extLst>
+              </a:tr>
+              <a:tr h="136423">
+                <a:tc>
+                  <a:txBody>
+                    <a:bodyPr/>
+                    <a:lstStyle/>
+                    <a:p>
+                      <a:pPr algn="ctr" fontAlgn="b"/>
+                      <a:r>
+                        <a:rPr lang="en-BR" sz="900" u="none" strike="noStrike">
+                          <a:effectLst/>
+                          <a:latin typeface="Arial" panose="020B0604020202020204" pitchFamily="34" charset="0"/>
+                          <a:cs typeface="Arial" panose="020B0604020202020204" pitchFamily="34" charset="0"/>
+                        </a:rPr>
+                        <a:t>24</a:t>
+                      </a:r>
+                      <a:endParaRPr lang="en-BR" sz="900" b="0" i="0" u="none" strike="noStrike">
+                        <a:solidFill>
+                          <a:srgbClr val="000000"/>
+                        </a:solidFill>
+                        <a:effectLst/>
+                        <a:latin typeface="Arial" panose="020B0604020202020204" pitchFamily="34" charset="0"/>
+                        <a:cs typeface="Arial" panose="020B0604020202020204" pitchFamily="34" charset="0"/>
+                      </a:endParaRPr>
+                    </a:p>
+                  </a:txBody>
+                  <a:tcPr marL="4211" marR="4211" marT="4211" marB="0" anchor="b"/>
+                </a:tc>
+                <a:tc>
+                  <a:txBody>
+                    <a:bodyPr/>
+                    <a:lstStyle/>
+                    <a:p>
+                      <a:pPr algn="r" fontAlgn="b"/>
+                      <a:r>
+                        <a:rPr lang="en-BR" sz="900" b="0" i="0" u="none" strike="noStrike">
+                          <a:solidFill>
+                            <a:srgbClr val="000000"/>
+                          </a:solidFill>
+                          <a:effectLst/>
+                          <a:latin typeface="Arial" panose="020B0604020202020204" pitchFamily="34" charset="0"/>
+                          <a:cs typeface="Arial" panose="020B0604020202020204" pitchFamily="34" charset="0"/>
+                        </a:rPr>
+                        <a:t>119</a:t>
+                      </a:r>
+                    </a:p>
+                  </a:txBody>
+                  <a:tcPr marL="9525" marR="9525" marT="9525" marB="0" anchor="b"/>
+                </a:tc>
+                <a:tc>
+                  <a:txBody>
+                    <a:bodyPr/>
+                    <a:lstStyle/>
+                    <a:p>
+                      <a:pPr algn="ctr" fontAlgn="b"/>
+                      <a:r>
+                        <a:rPr lang="en-BR" sz="900" u="none" strike="noStrike" dirty="0">
+                          <a:effectLst/>
+                          <a:latin typeface="Arial" panose="020B0604020202020204" pitchFamily="34" charset="0"/>
+                          <a:cs typeface="Arial" panose="020B0604020202020204" pitchFamily="34" charset="0"/>
+                        </a:rPr>
+                        <a:t>87.02</a:t>
+                      </a:r>
+                      <a:endParaRPr lang="en-BR" sz="900" b="0" i="0" u="none" strike="noStrike" dirty="0">
+                        <a:solidFill>
+                          <a:srgbClr val="000000"/>
+                        </a:solidFill>
+                        <a:effectLst/>
+                        <a:latin typeface="Arial" panose="020B0604020202020204" pitchFamily="34" charset="0"/>
+                        <a:cs typeface="Arial" panose="020B0604020202020204" pitchFamily="34" charset="0"/>
+                      </a:endParaRPr>
+                    </a:p>
+                  </a:txBody>
+                  <a:tcPr marL="4211" marR="4211" marT="4211" marB="0" anchor="b"/>
+                </a:tc>
+                <a:extLst>
+                  <a:ext uri="{0D108BD9-81ED-4DB2-BD59-A6C34878D82A}">
+                    <a16:rowId xmlns:a16="http://schemas.microsoft.com/office/drawing/2014/main" val="328553589"/>
+                  </a:ext>
+                </a:extLst>
+              </a:tr>
+              <a:tr h="136423">
+                <a:tc>
+                  <a:txBody>
+                    <a:bodyPr/>
+                    <a:lstStyle/>
+                    <a:p>
+                      <a:pPr algn="ctr" fontAlgn="b"/>
+                      <a:r>
+                        <a:rPr lang="en-BR" sz="900" u="none" strike="noStrike">
+                          <a:effectLst/>
+                          <a:latin typeface="Arial" panose="020B0604020202020204" pitchFamily="34" charset="0"/>
+                          <a:cs typeface="Arial" panose="020B0604020202020204" pitchFamily="34" charset="0"/>
+                        </a:rPr>
+                        <a:t>25</a:t>
+                      </a:r>
+                      <a:endParaRPr lang="en-BR" sz="900" b="0" i="0" u="none" strike="noStrike">
+                        <a:solidFill>
+                          <a:srgbClr val="000000"/>
+                        </a:solidFill>
+                        <a:effectLst/>
+                        <a:latin typeface="Arial" panose="020B0604020202020204" pitchFamily="34" charset="0"/>
+                        <a:cs typeface="Arial" panose="020B0604020202020204" pitchFamily="34" charset="0"/>
+                      </a:endParaRPr>
+                    </a:p>
+                  </a:txBody>
+                  <a:tcPr marL="4211" marR="4211" marT="4211" marB="0" anchor="b"/>
+                </a:tc>
+                <a:tc>
+                  <a:txBody>
+                    <a:bodyPr/>
+                    <a:lstStyle/>
+                    <a:p>
+                      <a:pPr algn="r" fontAlgn="b"/>
+                      <a:r>
+                        <a:rPr lang="en-BR" sz="900" b="0" i="0" u="none" strike="noStrike">
+                          <a:solidFill>
+                            <a:srgbClr val="000000"/>
+                          </a:solidFill>
+                          <a:effectLst/>
+                          <a:latin typeface="Arial" panose="020B0604020202020204" pitchFamily="34" charset="0"/>
+                          <a:cs typeface="Arial" panose="020B0604020202020204" pitchFamily="34" charset="0"/>
+                        </a:rPr>
+                        <a:t>133</a:t>
+                      </a:r>
+                    </a:p>
+                  </a:txBody>
+                  <a:tcPr marL="9525" marR="9525" marT="9525" marB="0" anchor="b"/>
+                </a:tc>
+                <a:tc>
+                  <a:txBody>
+                    <a:bodyPr/>
+                    <a:lstStyle/>
+                    <a:p>
+                      <a:pPr algn="ctr" fontAlgn="b"/>
+                      <a:r>
+                        <a:rPr lang="en-BR" sz="900" u="none" strike="noStrike" dirty="0">
+                          <a:effectLst/>
+                          <a:latin typeface="Arial" panose="020B0604020202020204" pitchFamily="34" charset="0"/>
+                          <a:cs typeface="Arial" panose="020B0604020202020204" pitchFamily="34" charset="0"/>
+                        </a:rPr>
+                        <a:t>89.31</a:t>
+                      </a:r>
+                      <a:endParaRPr lang="en-BR" sz="900" b="0" i="0" u="none" strike="noStrike" dirty="0">
+                        <a:solidFill>
+                          <a:srgbClr val="000000"/>
+                        </a:solidFill>
+                        <a:effectLst/>
+                        <a:latin typeface="Arial" panose="020B0604020202020204" pitchFamily="34" charset="0"/>
+                        <a:cs typeface="Arial" panose="020B0604020202020204" pitchFamily="34" charset="0"/>
+                      </a:endParaRPr>
+                    </a:p>
+                  </a:txBody>
+                  <a:tcPr marL="4211" marR="4211" marT="4211" marB="0" anchor="b"/>
+                </a:tc>
+                <a:extLst>
+                  <a:ext uri="{0D108BD9-81ED-4DB2-BD59-A6C34878D82A}">
+                    <a16:rowId xmlns:a16="http://schemas.microsoft.com/office/drawing/2014/main" val="1726916806"/>
+                  </a:ext>
+                </a:extLst>
+              </a:tr>
+              <a:tr h="136423">
+                <a:tc>
+                  <a:txBody>
+                    <a:bodyPr/>
+                    <a:lstStyle/>
+                    <a:p>
+                      <a:pPr algn="ctr" fontAlgn="b"/>
+                      <a:r>
+                        <a:rPr lang="en-BR" sz="900" u="none" strike="noStrike">
+                          <a:effectLst/>
+                          <a:latin typeface="Arial" panose="020B0604020202020204" pitchFamily="34" charset="0"/>
+                          <a:cs typeface="Arial" panose="020B0604020202020204" pitchFamily="34" charset="0"/>
+                        </a:rPr>
+                        <a:t>26</a:t>
+                      </a:r>
+                      <a:endParaRPr lang="en-BR" sz="900" b="0" i="0" u="none" strike="noStrike">
+                        <a:solidFill>
+                          <a:srgbClr val="000000"/>
+                        </a:solidFill>
+                        <a:effectLst/>
+                        <a:latin typeface="Arial" panose="020B0604020202020204" pitchFamily="34" charset="0"/>
+                        <a:cs typeface="Arial" panose="020B0604020202020204" pitchFamily="34" charset="0"/>
+                      </a:endParaRPr>
+                    </a:p>
+                  </a:txBody>
+                  <a:tcPr marL="4211" marR="4211" marT="4211" marB="0" anchor="b"/>
+                </a:tc>
+                <a:tc>
+                  <a:txBody>
+                    <a:bodyPr/>
+                    <a:lstStyle/>
+                    <a:p>
+                      <a:pPr algn="r" fontAlgn="b"/>
+                      <a:r>
+                        <a:rPr lang="en-BR" sz="900" b="0" i="0" u="none" strike="noStrike">
+                          <a:solidFill>
+                            <a:srgbClr val="000000"/>
+                          </a:solidFill>
+                          <a:effectLst/>
+                          <a:latin typeface="Arial" panose="020B0604020202020204" pitchFamily="34" charset="0"/>
+                          <a:cs typeface="Arial" panose="020B0604020202020204" pitchFamily="34" charset="0"/>
+                        </a:rPr>
+                        <a:t>126</a:t>
+                      </a:r>
+                    </a:p>
+                  </a:txBody>
+                  <a:tcPr marL="9525" marR="9525" marT="9525" marB="0" anchor="b"/>
+                </a:tc>
+                <a:tc>
+                  <a:txBody>
+                    <a:bodyPr/>
+                    <a:lstStyle/>
+                    <a:p>
+                      <a:pPr algn="ctr" fontAlgn="b"/>
+                      <a:r>
+                        <a:rPr lang="en-BR" sz="900" u="none" strike="noStrike" dirty="0">
+                          <a:effectLst/>
+                          <a:latin typeface="Arial" panose="020B0604020202020204" pitchFamily="34" charset="0"/>
+                          <a:cs typeface="Arial" panose="020B0604020202020204" pitchFamily="34" charset="0"/>
+                        </a:rPr>
+                        <a:t>83.97</a:t>
+                      </a:r>
+                      <a:endParaRPr lang="en-BR" sz="900" b="0" i="0" u="none" strike="noStrike" dirty="0">
+                        <a:solidFill>
+                          <a:srgbClr val="000000"/>
+                        </a:solidFill>
+                        <a:effectLst/>
+                        <a:latin typeface="Arial" panose="020B0604020202020204" pitchFamily="34" charset="0"/>
+                        <a:cs typeface="Arial" panose="020B0604020202020204" pitchFamily="34" charset="0"/>
+                      </a:endParaRPr>
+                    </a:p>
+                  </a:txBody>
+                  <a:tcPr marL="4211" marR="4211" marT="4211" marB="0" anchor="b"/>
+                </a:tc>
+                <a:extLst>
+                  <a:ext uri="{0D108BD9-81ED-4DB2-BD59-A6C34878D82A}">
+                    <a16:rowId xmlns:a16="http://schemas.microsoft.com/office/drawing/2014/main" val="3810702468"/>
+                  </a:ext>
+                </a:extLst>
+              </a:tr>
+              <a:tr h="136423">
+                <a:tc>
+                  <a:txBody>
+                    <a:bodyPr/>
+                    <a:lstStyle/>
+                    <a:p>
+                      <a:pPr algn="ctr" fontAlgn="b"/>
+                      <a:r>
+                        <a:rPr lang="en-BR" sz="900" u="none" strike="noStrike">
+                          <a:effectLst/>
+                          <a:latin typeface="Arial" panose="020B0604020202020204" pitchFamily="34" charset="0"/>
+                          <a:cs typeface="Arial" panose="020B0604020202020204" pitchFamily="34" charset="0"/>
+                        </a:rPr>
+                        <a:t>27</a:t>
+                      </a:r>
+                      <a:endParaRPr lang="en-BR" sz="900" b="0" i="0" u="none" strike="noStrike">
+                        <a:solidFill>
+                          <a:srgbClr val="000000"/>
+                        </a:solidFill>
+                        <a:effectLst/>
+                        <a:latin typeface="Arial" panose="020B0604020202020204" pitchFamily="34" charset="0"/>
+                        <a:cs typeface="Arial" panose="020B0604020202020204" pitchFamily="34" charset="0"/>
+                      </a:endParaRPr>
+                    </a:p>
+                  </a:txBody>
+                  <a:tcPr marL="4211" marR="4211" marT="4211" marB="0" anchor="b"/>
+                </a:tc>
+                <a:tc>
+                  <a:txBody>
+                    <a:bodyPr/>
+                    <a:lstStyle/>
+                    <a:p>
+                      <a:pPr algn="r" fontAlgn="b"/>
+                      <a:r>
+                        <a:rPr lang="en-BR" sz="900" b="0" i="0" u="none" strike="noStrike">
+                          <a:solidFill>
+                            <a:srgbClr val="000000"/>
+                          </a:solidFill>
+                          <a:effectLst/>
+                          <a:latin typeface="Arial" panose="020B0604020202020204" pitchFamily="34" charset="0"/>
+                          <a:cs typeface="Arial" panose="020B0604020202020204" pitchFamily="34" charset="0"/>
+                        </a:rPr>
+                        <a:t>138</a:t>
+                      </a:r>
+                    </a:p>
+                  </a:txBody>
+                  <a:tcPr marL="9525" marR="9525" marT="9525" marB="0" anchor="b"/>
+                </a:tc>
+                <a:tc>
+                  <a:txBody>
+                    <a:bodyPr/>
+                    <a:lstStyle/>
+                    <a:p>
+                      <a:pPr algn="ctr" fontAlgn="b"/>
+                      <a:r>
+                        <a:rPr lang="en-BR" sz="900" u="none" strike="noStrike" dirty="0">
+                          <a:effectLst/>
+                          <a:latin typeface="Arial" panose="020B0604020202020204" pitchFamily="34" charset="0"/>
+                          <a:cs typeface="Arial" panose="020B0604020202020204" pitchFamily="34" charset="0"/>
+                        </a:rPr>
+                        <a:t>86.26</a:t>
+                      </a:r>
+                      <a:endParaRPr lang="en-BR" sz="900" b="0" i="0" u="none" strike="noStrike" dirty="0">
+                        <a:solidFill>
+                          <a:srgbClr val="000000"/>
+                        </a:solidFill>
+                        <a:effectLst/>
+                        <a:latin typeface="Arial" panose="020B0604020202020204" pitchFamily="34" charset="0"/>
+                        <a:cs typeface="Arial" panose="020B0604020202020204" pitchFamily="34" charset="0"/>
+                      </a:endParaRPr>
+                    </a:p>
+                  </a:txBody>
+                  <a:tcPr marL="4211" marR="4211" marT="4211" marB="0" anchor="b"/>
+                </a:tc>
+                <a:extLst>
+                  <a:ext uri="{0D108BD9-81ED-4DB2-BD59-A6C34878D82A}">
+                    <a16:rowId xmlns:a16="http://schemas.microsoft.com/office/drawing/2014/main" val="1478479627"/>
+                  </a:ext>
+                </a:extLst>
+              </a:tr>
+              <a:tr h="136423">
+                <a:tc>
+                  <a:txBody>
+                    <a:bodyPr/>
+                    <a:lstStyle/>
+                    <a:p>
+                      <a:pPr algn="ctr" fontAlgn="b"/>
+                      <a:r>
+                        <a:rPr lang="en-BR" sz="900" u="none" strike="noStrike">
+                          <a:effectLst/>
+                          <a:latin typeface="Arial" panose="020B0604020202020204" pitchFamily="34" charset="0"/>
+                          <a:cs typeface="Arial" panose="020B0604020202020204" pitchFamily="34" charset="0"/>
+                        </a:rPr>
+                        <a:t>28</a:t>
+                      </a:r>
+                      <a:endParaRPr lang="en-BR" sz="900" b="0" i="0" u="none" strike="noStrike">
+                        <a:solidFill>
+                          <a:srgbClr val="000000"/>
+                        </a:solidFill>
+                        <a:effectLst/>
+                        <a:latin typeface="Arial" panose="020B0604020202020204" pitchFamily="34" charset="0"/>
+                        <a:cs typeface="Arial" panose="020B0604020202020204" pitchFamily="34" charset="0"/>
+                      </a:endParaRPr>
+                    </a:p>
+                  </a:txBody>
+                  <a:tcPr marL="4211" marR="4211" marT="4211" marB="0" anchor="b"/>
+                </a:tc>
+                <a:tc>
+                  <a:txBody>
+                    <a:bodyPr/>
+                    <a:lstStyle/>
+                    <a:p>
+                      <a:pPr algn="r" fontAlgn="b"/>
+                      <a:r>
+                        <a:rPr lang="en-BR" sz="900" b="0" i="0" u="none" strike="noStrike">
+                          <a:solidFill>
+                            <a:srgbClr val="000000"/>
+                          </a:solidFill>
+                          <a:effectLst/>
+                          <a:latin typeface="Arial" panose="020B0604020202020204" pitchFamily="34" charset="0"/>
+                          <a:cs typeface="Arial" panose="020B0604020202020204" pitchFamily="34" charset="0"/>
+                        </a:rPr>
+                        <a:t>124</a:t>
+                      </a:r>
+                    </a:p>
+                  </a:txBody>
+                  <a:tcPr marL="9525" marR="9525" marT="9525" marB="0" anchor="b"/>
+                </a:tc>
+                <a:tc>
+                  <a:txBody>
+                    <a:bodyPr/>
+                    <a:lstStyle/>
+                    <a:p>
+                      <a:pPr algn="ctr" fontAlgn="b"/>
+                      <a:r>
+                        <a:rPr lang="en-BR" sz="900" u="none" strike="noStrike" dirty="0">
+                          <a:effectLst/>
+                          <a:latin typeface="Arial" panose="020B0604020202020204" pitchFamily="34" charset="0"/>
+                          <a:cs typeface="Arial" panose="020B0604020202020204" pitchFamily="34" charset="0"/>
+                        </a:rPr>
+                        <a:t>86.26</a:t>
+                      </a:r>
+                      <a:endParaRPr lang="en-BR" sz="900" b="0" i="0" u="none" strike="noStrike" dirty="0">
+                        <a:solidFill>
+                          <a:srgbClr val="000000"/>
+                        </a:solidFill>
+                        <a:effectLst/>
+                        <a:latin typeface="Arial" panose="020B0604020202020204" pitchFamily="34" charset="0"/>
+                        <a:cs typeface="Arial" panose="020B0604020202020204" pitchFamily="34" charset="0"/>
+                      </a:endParaRPr>
+                    </a:p>
+                  </a:txBody>
+                  <a:tcPr marL="4211" marR="4211" marT="4211" marB="0" anchor="b"/>
+                </a:tc>
+                <a:extLst>
+                  <a:ext uri="{0D108BD9-81ED-4DB2-BD59-A6C34878D82A}">
+                    <a16:rowId xmlns:a16="http://schemas.microsoft.com/office/drawing/2014/main" val="3834949070"/>
+                  </a:ext>
+                </a:extLst>
+              </a:tr>
+              <a:tr h="136423">
+                <a:tc>
+                  <a:txBody>
+                    <a:bodyPr/>
+                    <a:lstStyle/>
+                    <a:p>
+                      <a:pPr algn="ctr" fontAlgn="b"/>
+                      <a:r>
+                        <a:rPr lang="en-BR" sz="900" u="none" strike="noStrike" dirty="0">
+                          <a:effectLst/>
+                          <a:latin typeface="Arial" panose="020B0604020202020204" pitchFamily="34" charset="0"/>
+                          <a:cs typeface="Arial" panose="020B0604020202020204" pitchFamily="34" charset="0"/>
+                        </a:rPr>
+                        <a:t>29</a:t>
+                      </a:r>
+                      <a:endParaRPr lang="en-BR" sz="900" b="0" i="0" u="none" strike="noStrike" dirty="0">
+                        <a:solidFill>
+                          <a:srgbClr val="000000"/>
+                        </a:solidFill>
+                        <a:effectLst/>
+                        <a:latin typeface="Arial" panose="020B0604020202020204" pitchFamily="34" charset="0"/>
+                        <a:cs typeface="Arial" panose="020B0604020202020204" pitchFamily="34" charset="0"/>
+                      </a:endParaRPr>
+                    </a:p>
+                  </a:txBody>
+                  <a:tcPr marL="4211" marR="4211" marT="4211" marB="0" anchor="b"/>
+                </a:tc>
+                <a:tc>
+                  <a:txBody>
+                    <a:bodyPr/>
+                    <a:lstStyle/>
+                    <a:p>
+                      <a:pPr algn="r" fontAlgn="b"/>
+                      <a:r>
+                        <a:rPr lang="en-BR" sz="900" b="0" i="0" u="none" strike="noStrike">
+                          <a:solidFill>
+                            <a:srgbClr val="000000"/>
+                          </a:solidFill>
+                          <a:effectLst/>
+                          <a:latin typeface="Arial" panose="020B0604020202020204" pitchFamily="34" charset="0"/>
+                          <a:cs typeface="Arial" panose="020B0604020202020204" pitchFamily="34" charset="0"/>
+                        </a:rPr>
+                        <a:t>130</a:t>
+                      </a:r>
+                    </a:p>
+                  </a:txBody>
+                  <a:tcPr marL="9525" marR="9525" marT="9525" marB="0" anchor="b"/>
+                </a:tc>
+                <a:tc>
+                  <a:txBody>
+                    <a:bodyPr/>
+                    <a:lstStyle/>
+                    <a:p>
+                      <a:pPr algn="ctr" fontAlgn="b"/>
+                      <a:r>
+                        <a:rPr lang="en-BR" sz="900" u="none" strike="noStrike" dirty="0">
+                          <a:effectLst/>
+                          <a:latin typeface="Arial" panose="020B0604020202020204" pitchFamily="34" charset="0"/>
+                          <a:cs typeface="Arial" panose="020B0604020202020204" pitchFamily="34" charset="0"/>
+                        </a:rPr>
+                        <a:t>87.79</a:t>
+                      </a:r>
+                      <a:endParaRPr lang="en-BR" sz="900" b="0" i="0" u="none" strike="noStrike" dirty="0">
+                        <a:solidFill>
+                          <a:srgbClr val="000000"/>
+                        </a:solidFill>
+                        <a:effectLst/>
+                        <a:latin typeface="Arial" panose="020B0604020202020204" pitchFamily="34" charset="0"/>
+                        <a:cs typeface="Arial" panose="020B0604020202020204" pitchFamily="34" charset="0"/>
+                      </a:endParaRPr>
+                    </a:p>
+                  </a:txBody>
+                  <a:tcPr marL="4211" marR="4211" marT="4211" marB="0" anchor="b"/>
+                </a:tc>
+                <a:extLst>
+                  <a:ext uri="{0D108BD9-81ED-4DB2-BD59-A6C34878D82A}">
+                    <a16:rowId xmlns:a16="http://schemas.microsoft.com/office/drawing/2014/main" val="4203995007"/>
+                  </a:ext>
+                </a:extLst>
+              </a:tr>
+              <a:tr h="136423">
+                <a:tc>
+                  <a:txBody>
+                    <a:bodyPr/>
+                    <a:lstStyle/>
+                    <a:p>
+                      <a:pPr algn="ctr" fontAlgn="b"/>
+                      <a:r>
+                        <a:rPr lang="en-BR" sz="900" u="none" strike="noStrike" dirty="0">
+                          <a:effectLst/>
+                          <a:latin typeface="Arial" panose="020B0604020202020204" pitchFamily="34" charset="0"/>
+                          <a:cs typeface="Arial" panose="020B0604020202020204" pitchFamily="34" charset="0"/>
+                        </a:rPr>
+                        <a:t>30</a:t>
+                      </a:r>
+                      <a:endParaRPr lang="en-BR" sz="900" b="0" i="0" u="none" strike="noStrike" dirty="0">
+                        <a:solidFill>
+                          <a:srgbClr val="000000"/>
+                        </a:solidFill>
+                        <a:effectLst/>
+                        <a:latin typeface="Arial" panose="020B0604020202020204" pitchFamily="34" charset="0"/>
+                        <a:cs typeface="Arial" panose="020B0604020202020204" pitchFamily="34" charset="0"/>
+                      </a:endParaRPr>
+                    </a:p>
+                  </a:txBody>
+                  <a:tcPr marL="4211" marR="4211" marT="4211" marB="0" anchor="b"/>
+                </a:tc>
+                <a:tc>
+                  <a:txBody>
+                    <a:bodyPr/>
+                    <a:lstStyle/>
+                    <a:p>
+                      <a:pPr algn="r" fontAlgn="b"/>
+                      <a:r>
+                        <a:rPr lang="en-BR" sz="900" b="0" i="0" u="none" strike="noStrike" dirty="0">
+                          <a:solidFill>
+                            <a:srgbClr val="000000"/>
+                          </a:solidFill>
+                          <a:effectLst/>
+                          <a:latin typeface="Arial" panose="020B0604020202020204" pitchFamily="34" charset="0"/>
+                          <a:cs typeface="Arial" panose="020B0604020202020204" pitchFamily="34" charset="0"/>
+                        </a:rPr>
+                        <a:t>152,13</a:t>
+                      </a:r>
+                    </a:p>
+                  </a:txBody>
+                  <a:tcPr marL="9525" marR="9525" marT="9525" marB="0" anchor="b"/>
+                </a:tc>
+                <a:tc>
+                  <a:txBody>
+                    <a:bodyPr/>
+                    <a:lstStyle/>
+                    <a:p>
+                      <a:pPr algn="ctr" fontAlgn="b"/>
+                      <a:r>
+                        <a:rPr lang="en-BR" sz="900" u="none" strike="noStrike" dirty="0">
+                          <a:effectLst/>
+                          <a:latin typeface="Arial" panose="020B0604020202020204" pitchFamily="34" charset="0"/>
+                          <a:cs typeface="Arial" panose="020B0604020202020204" pitchFamily="34" charset="0"/>
+                        </a:rPr>
+                        <a:t>89.31</a:t>
+                      </a:r>
+                      <a:endParaRPr lang="en-BR" sz="900" b="0" i="0" u="none" strike="noStrike" dirty="0">
+                        <a:solidFill>
+                          <a:srgbClr val="000000"/>
+                        </a:solidFill>
+                        <a:effectLst/>
+                        <a:latin typeface="Arial" panose="020B0604020202020204" pitchFamily="34" charset="0"/>
+                        <a:cs typeface="Arial" panose="020B0604020202020204" pitchFamily="34" charset="0"/>
+                      </a:endParaRPr>
+                    </a:p>
+                  </a:txBody>
+                  <a:tcPr marL="4211" marR="4211" marT="4211" marB="0" anchor="b"/>
+                </a:tc>
+                <a:extLst>
+                  <a:ext uri="{0D108BD9-81ED-4DB2-BD59-A6C34878D82A}">
+                    <a16:rowId xmlns:a16="http://schemas.microsoft.com/office/drawing/2014/main" val="702759883"/>
+                  </a:ext>
+                </a:extLst>
+              </a:tr>
+              <a:tr h="259044">
+                <a:tc>
+                  <a:txBody>
+                    <a:bodyPr/>
+                    <a:lstStyle/>
+                    <a:p>
+                      <a:pPr algn="ctr" fontAlgn="b"/>
+                      <a:r>
+                        <a:rPr lang="en-BR" sz="900" b="1" i="0" u="none" strike="noStrike" dirty="0">
+                          <a:solidFill>
+                            <a:srgbClr val="000000"/>
+                          </a:solidFill>
+                          <a:effectLst/>
+                          <a:latin typeface="Arial" panose="020B0604020202020204" pitchFamily="34" charset="0"/>
+                          <a:cs typeface="Arial" panose="020B0604020202020204" pitchFamily="34" charset="0"/>
+                        </a:rPr>
+                        <a:t>Average</a:t>
+                      </a:r>
+                    </a:p>
+                  </a:txBody>
+                  <a:tcPr marL="4211" marR="4211" marT="4211" marB="0" anchor="b"/>
+                </a:tc>
+                <a:tc>
+                  <a:txBody>
+                    <a:bodyPr/>
+                    <a:lstStyle/>
+                    <a:p>
+                      <a:pPr algn="ctr" fontAlgn="b"/>
+                      <a:r>
+                        <a:rPr lang="en-BR" sz="900" b="1" i="0" u="none" strike="noStrike" dirty="0">
+                          <a:solidFill>
+                            <a:srgbClr val="000000"/>
+                          </a:solidFill>
+                          <a:effectLst/>
+                          <a:latin typeface="Arial" panose="020B0604020202020204" pitchFamily="34" charset="0"/>
+                          <a:cs typeface="Arial" panose="020B0604020202020204" pitchFamily="34" charset="0"/>
+                        </a:rPr>
+                        <a:t>129.48</a:t>
+                      </a:r>
+                    </a:p>
+                  </a:txBody>
+                  <a:tcPr marL="4211" marR="4211" marT="4211" marB="0" anchor="b"/>
+                </a:tc>
+                <a:tc>
+                  <a:txBody>
+                    <a:bodyPr/>
+                    <a:lstStyle/>
+                    <a:p>
+                      <a:pPr algn="ctr" fontAlgn="b"/>
+                      <a:r>
+                        <a:rPr lang="en-BR" sz="900" b="1" u="none" strike="noStrike" dirty="0">
+                          <a:effectLst/>
+                          <a:latin typeface="Arial" panose="020B0604020202020204" pitchFamily="34" charset="0"/>
+                          <a:cs typeface="Arial" panose="020B0604020202020204" pitchFamily="34" charset="0"/>
+                        </a:rPr>
+                        <a:t>85.80</a:t>
+                      </a:r>
+                      <a:endParaRPr lang="en-BR" sz="900" b="1" i="0" u="none" strike="noStrike" dirty="0">
+                        <a:solidFill>
+                          <a:srgbClr val="000000"/>
+                        </a:solidFill>
+                        <a:effectLst/>
+                        <a:latin typeface="Arial" panose="020B0604020202020204" pitchFamily="34" charset="0"/>
+                        <a:cs typeface="Arial" panose="020B0604020202020204" pitchFamily="34" charset="0"/>
+                      </a:endParaRPr>
+                    </a:p>
+                  </a:txBody>
+                  <a:tcPr marL="4211" marR="4211" marT="4211" marB="0" anchor="b"/>
+                </a:tc>
+                <a:extLst>
+                  <a:ext uri="{0D108BD9-81ED-4DB2-BD59-A6C34878D82A}">
+                    <a16:rowId xmlns:a16="http://schemas.microsoft.com/office/drawing/2014/main" val="2190278862"/>
+                  </a:ext>
+                </a:extLst>
+              </a:tr>
+            </a:tbl>
+          </a:graphicData>
+        </a:graphic>
+      </p:graphicFrame>
+    </p:spTree>
+    <p:extLst>
+      <p:ext uri="{BB962C8B-B14F-4D97-AF65-F5344CB8AC3E}">
+        <p14:creationId xmlns:p14="http://schemas.microsoft.com/office/powerpoint/2010/main" val="2953762547"/>
+      </p:ext>
+    </p:extLst>
+  </p:cSld>
+  <p:clrMapOvr>
+    <a:masterClrMapping/>
+  </p:clrMapOvr>
+</p:sld>
+</file>
+
+<file path=ppt/slides/slide2.xml><?xml version="1.0" encoding="utf-8"?>
+<p:sld xmlns:a="http://schemas.openxmlformats.org/drawingml/2006/main" xmlns:r="http://schemas.openxmlformats.org/officeDocument/2006/relationships" xmlns:p="http://schemas.openxmlformats.org/presentationml/2006/main">
+  <p:cSld>
+    <p:spTree>
+      <p:nvGrpSpPr>
+        <p:cNvPr id="1" name=""/>
+        <p:cNvGrpSpPr/>
+        <p:nvPr/>
+      </p:nvGrpSpPr>
+      <p:grpSpPr>
+        <a:xfrm>
+          <a:off x="0" y="0"/>
+          <a:ext cx="0" cy="0"/>
+          <a:chOff x="0" y="0"/>
+          <a:chExt cx="0" cy="0"/>
+        </a:xfrm>
+      </p:grpSpPr>
+      <p:sp>
+        <p:nvSpPr>
           <p:cNvPr id="4" name="Rectangle 3">
             <a:extLst>
               <a:ext uri="{FF2B5EF4-FFF2-40B4-BE49-F238E27FC236}">
@@ -3549,7 +6757,7 @@
               <a:rPr lang="en-US" sz="1100" dirty="0">
                 <a:hlinkClick r:id="rId2"/>
               </a:rPr>
-              <a:t>https://github.com/ricardojmmaia/experiments_thesis/blob/main/idash2021/party_1.csv</a:t>
+              <a:t>https://github.com/ricardojmmaia/idash2021/blob/main/party_1.csv</a:t>
             </a:r>
             <a:endParaRPr lang="en-US" sz="1100" dirty="0"/>
           </a:p>
@@ -3558,9 +6766,26 @@
           </a:p>
           <a:p>
             <a:r>
-              <a:rPr lang="en-BR" sz="1100" dirty="0"/>
-              <a:t>https://github.com/ricardojmmaia/experiments_thesis/blob/main/idash2021/player0/Input-P0-0</a:t>
-            </a:r>
+              <a:rPr lang="en-US" sz="1100" dirty="0"/>
+              <a:t>https://</a:t>
+            </a:r>
+            <a:r>
+              <a:rPr lang="en-US" sz="1100" dirty="0" err="1"/>
+              <a:t>github.com</a:t>
+            </a:r>
+            <a:r>
+              <a:rPr lang="en-US" sz="1100" dirty="0"/>
+              <a:t>/</a:t>
+            </a:r>
+            <a:r>
+              <a:rPr lang="en-US" sz="1100" dirty="0" err="1"/>
+              <a:t>ricardojmmaia</a:t>
+            </a:r>
+            <a:r>
+              <a:rPr lang="en-US" sz="1100" dirty="0"/>
+              <a:t>/idash2021/blob/main/Player-Data/Input-P0-0</a:t>
+            </a:r>
+            <a:endParaRPr lang="en-BR" sz="1100" dirty="0"/>
           </a:p>
         </p:txBody>
       </p:sp>
@@ -3595,7 +6820,7 @@
               <a:rPr lang="en-US" sz="1100" dirty="0">
                 <a:hlinkClick r:id="rId3"/>
               </a:rPr>
-              <a:t>https://github.com/ricardojmmaia/experiments_thesis/blob/main/idash2021/party_2.csv</a:t>
+              <a:t>https://github.com/ricardojmmaia/idash2021/blob/main/party_2.csv</a:t>
             </a:r>
             <a:endParaRPr lang="en-US" sz="1100" dirty="0"/>
           </a:p>
@@ -3621,17 +6846,43 @@
             </a:r>
             <a:r>
               <a:rPr lang="en-US" sz="1100" dirty="0"/>
-              <a:t>/</a:t>
-            </a:r>
-            <a:r>
-              <a:rPr lang="en-US" sz="1100" dirty="0" err="1"/>
-              <a:t>experiments_thesis</a:t>
-            </a:r>
-            <a:r>
-              <a:rPr lang="en-US" sz="1100" dirty="0"/>
-              <a:t>/blob/main/idash2021/player1/Input-P1-0</a:t>
+              <a:t>/idash2021/blob/main/Player-Data/Input-P1-0</a:t>
             </a:r>
             <a:endParaRPr lang="en-BR" sz="1100" dirty="0"/>
+          </a:p>
+        </p:txBody>
+      </p:sp>
+      <p:sp>
+        <p:nvSpPr>
+          <p:cNvPr id="5" name="Rectangle 4">
+            <a:extLst>
+              <a:ext uri="{FF2B5EF4-FFF2-40B4-BE49-F238E27FC236}">
+                <a16:creationId xmlns:a16="http://schemas.microsoft.com/office/drawing/2014/main" id="{DB95E8F8-A04F-8249-860E-B5459462321B}"/>
+              </a:ext>
+            </a:extLst>
+          </p:cNvPr>
+          <p:cNvSpPr/>
+          <p:nvPr/>
+        </p:nvSpPr>
+        <p:spPr>
+          <a:xfrm>
+            <a:off x="2475042" y="1323124"/>
+            <a:ext cx="4113182" cy="461665"/>
+          </a:xfrm>
+          <a:prstGeom prst="rect">
+            <a:avLst/>
+          </a:prstGeom>
+        </p:spPr>
+        <p:txBody>
+          <a:bodyPr wrap="square">
+            <a:spAutoFit/>
+          </a:bodyPr>
+          <a:lstStyle/>
+          <a:p>
+            <a:r>
+              <a:rPr lang="en-US" sz="1200" dirty="0"/>
+              <a:t>Next step test using a protocol with two parties in different VM with data Player-Data/Input-P0-0 and Player-Data/Input-P1-0.</a:t>
+            </a:r>
           </a:p>
         </p:txBody>
       </p:sp>
@@ -3648,7 +6899,1726 @@
 </p:sld>
 </file>
 
-<file path=ppt/slides/slide2.xml><?xml version="1.0" encoding="utf-8"?>
+<file path=ppt/slides/slide3.xml><?xml version="1.0" encoding="utf-8"?>
+<p:sld xmlns:a="http://schemas.openxmlformats.org/drawingml/2006/main" xmlns:r="http://schemas.openxmlformats.org/officeDocument/2006/relationships" xmlns:p="http://schemas.openxmlformats.org/presentationml/2006/main">
+  <p:cSld>
+    <p:spTree>
+      <p:nvGrpSpPr>
+        <p:cNvPr id="1" name=""/>
+        <p:cNvGrpSpPr/>
+        <p:nvPr/>
+      </p:nvGrpSpPr>
+      <p:grpSpPr>
+        <a:xfrm>
+          <a:off x="0" y="0"/>
+          <a:ext cx="0" cy="0"/>
+          <a:chOff x="0" y="0"/>
+          <a:chExt cx="0" cy="0"/>
+        </a:xfrm>
+      </p:grpSpPr>
+      <p:sp>
+        <p:nvSpPr>
+          <p:cNvPr id="5" name="Content Placeholder 4">
+            <a:extLst>
+              <a:ext uri="{FF2B5EF4-FFF2-40B4-BE49-F238E27FC236}">
+                <a16:creationId xmlns:a16="http://schemas.microsoft.com/office/drawing/2014/main" id="{903CAD95-2577-8A4A-91F5-C69F5013222B}"/>
+              </a:ext>
+            </a:extLst>
+          </p:cNvPr>
+          <p:cNvSpPr>
+            <a:spLocks noGrp="1"/>
+          </p:cNvSpPr>
+          <p:nvPr>
+            <p:ph idx="1"/>
+          </p:nvPr>
+        </p:nvSpPr>
+        <p:spPr>
+          <a:xfrm>
+            <a:off x="323528" y="1129308"/>
+            <a:ext cx="7886700" cy="2217961"/>
+          </a:xfrm>
+        </p:spPr>
+        <p:txBody>
+          <a:bodyPr>
+            <a:noAutofit/>
+          </a:bodyPr>
+          <a:lstStyle/>
+          <a:p>
+            <a:pPr marL="0" indent="0">
+              <a:buNone/>
+            </a:pPr>
+            <a:r>
+              <a:rPr lang="en-US" sz="1400" dirty="0"/>
+              <a:t>#!/bin/bash</a:t>
+            </a:r>
+            <a:br>
+              <a:rPr lang="en-US" sz="1400" dirty="0"/>
+            </a:br>
+            <a:r>
+              <a:rPr lang="en-US" sz="1400" dirty="0"/>
+              <a:t>echo "experiments idash2021" &gt; </a:t>
+            </a:r>
+            <a:r>
+              <a:rPr lang="en-US" sz="1400" dirty="0" err="1"/>
+              <a:t>results.txt</a:t>
+            </a:r>
+            <a:br>
+              <a:rPr lang="en-US" sz="1400" dirty="0"/>
+            </a:br>
+            <a:r>
+              <a:rPr lang="en-US" sz="1400" dirty="0"/>
+              <a:t>for </a:t>
+            </a:r>
+            <a:r>
+              <a:rPr lang="en-US" sz="1400" dirty="0" err="1"/>
+              <a:t>i</a:t>
+            </a:r>
+            <a:r>
+              <a:rPr lang="en-US" sz="1400" dirty="0"/>
+              <a:t> in $(seq 1 30)</a:t>
+            </a:r>
+          </a:p>
+          <a:p>
+            <a:pPr marL="0" indent="0">
+              <a:buNone/>
+            </a:pPr>
+            <a:r>
+              <a:rPr lang="en-US" sz="1400" dirty="0"/>
+              <a:t>do</a:t>
+            </a:r>
+          </a:p>
+          <a:p>
+            <a:pPr marL="342900" lvl="1" indent="0">
+              <a:buNone/>
+            </a:pPr>
+            <a:r>
+              <a:rPr lang="en-US" sz="1400" dirty="0" err="1"/>
+              <a:t>n_examples_train</a:t>
+            </a:r>
+            <a:r>
+              <a:rPr lang="en-US" sz="1400" dirty="0"/>
+              <a:t>=700</a:t>
+            </a:r>
+          </a:p>
+          <a:p>
+            <a:pPr marL="342900" lvl="1" indent="0">
+              <a:buNone/>
+            </a:pPr>
+            <a:r>
+              <a:rPr lang="en-US" sz="1400" dirty="0" err="1"/>
+              <a:t>n_examples_test</a:t>
+            </a:r>
+            <a:r>
+              <a:rPr lang="en-US" sz="1400" dirty="0"/>
+              <a:t>=131</a:t>
+            </a:r>
+          </a:p>
+          <a:p>
+            <a:pPr marL="342900" lvl="1" indent="0">
+              <a:buNone/>
+            </a:pPr>
+            <a:r>
+              <a:rPr lang="en-US" sz="1400" dirty="0" err="1"/>
+              <a:t>n_features</a:t>
+            </a:r>
+            <a:r>
+              <a:rPr lang="en-US" sz="1400" dirty="0"/>
+              <a:t>=1874</a:t>
+            </a:r>
+          </a:p>
+          <a:p>
+            <a:pPr marL="342900" lvl="1" indent="0">
+              <a:buNone/>
+            </a:pPr>
+            <a:r>
+              <a:rPr lang="en-US" sz="1400" dirty="0" err="1"/>
+              <a:t>n_epochs</a:t>
+            </a:r>
+            <a:r>
+              <a:rPr lang="en-US" sz="1400" dirty="0"/>
+              <a:t>=200</a:t>
+            </a:r>
+          </a:p>
+          <a:p>
+            <a:pPr marL="342900" lvl="1" indent="0">
+              <a:buNone/>
+            </a:pPr>
+            <a:r>
+              <a:rPr lang="en-US" sz="1400" dirty="0" err="1"/>
+              <a:t>batch_size</a:t>
+            </a:r>
+            <a:r>
+              <a:rPr lang="en-US" sz="1400" dirty="0"/>
+              <a:t>=128</a:t>
+            </a:r>
+          </a:p>
+          <a:p>
+            <a:pPr marL="342900" lvl="1" indent="0">
+              <a:buNone/>
+            </a:pPr>
+            <a:r>
+              <a:rPr lang="en-US" sz="1400" dirty="0" err="1"/>
+              <a:t>param_report_loss</a:t>
+            </a:r>
+            <a:r>
+              <a:rPr lang="en-US" sz="1400" dirty="0"/>
+              <a:t>=True</a:t>
+            </a:r>
+          </a:p>
+          <a:p>
+            <a:pPr marL="342900" lvl="1" indent="0">
+              <a:buNone/>
+            </a:pPr>
+            <a:br>
+              <a:rPr lang="en-US" sz="1400" dirty="0"/>
+            </a:br>
+            <a:r>
+              <a:rPr lang="en-US" sz="1400" dirty="0"/>
+              <a:t>./</a:t>
+            </a:r>
+            <a:r>
+              <a:rPr lang="en-US" sz="1400" dirty="0" err="1"/>
+              <a:t>compile.py</a:t>
+            </a:r>
+            <a:r>
+              <a:rPr lang="en-US" sz="1400" dirty="0"/>
+              <a:t> -R 64 logistic_regression_idash2021 $</a:t>
+            </a:r>
+            <a:r>
+              <a:rPr lang="en-US" sz="1400" dirty="0" err="1"/>
+              <a:t>n_examples_train</a:t>
+            </a:r>
+            <a:r>
+              <a:rPr lang="en-US" sz="1400" dirty="0"/>
+              <a:t> $</a:t>
+            </a:r>
+            <a:r>
+              <a:rPr lang="en-US" sz="1400" dirty="0" err="1"/>
+              <a:t>n_examples_test</a:t>
+            </a:r>
+            <a:r>
+              <a:rPr lang="en-US" sz="1400" dirty="0"/>
+              <a:t> $</a:t>
+            </a:r>
+            <a:r>
+              <a:rPr lang="en-US" sz="1400" dirty="0" err="1"/>
+              <a:t>n_features</a:t>
+            </a:r>
+            <a:r>
+              <a:rPr lang="en-US" sz="1400" dirty="0"/>
+              <a:t> $</a:t>
+            </a:r>
+            <a:r>
+              <a:rPr lang="en-US" sz="1400" dirty="0" err="1"/>
+              <a:t>n_epochs</a:t>
+            </a:r>
+            <a:r>
+              <a:rPr lang="en-US" sz="1400" dirty="0"/>
+              <a:t> $</a:t>
+            </a:r>
+            <a:r>
+              <a:rPr lang="en-US" sz="1400" dirty="0" err="1"/>
+              <a:t>batch_size</a:t>
+            </a:r>
+            <a:r>
+              <a:rPr lang="en-US" sz="1400" dirty="0"/>
+              <a:t> $</a:t>
+            </a:r>
+            <a:r>
+              <a:rPr lang="en-US" sz="1400" dirty="0" err="1"/>
+              <a:t>param_report_loss</a:t>
+            </a:r>
+            <a:r>
+              <a:rPr lang="en-US" sz="1400" dirty="0"/>
+              <a:t> &gt;&gt; </a:t>
+            </a:r>
+            <a:r>
+              <a:rPr lang="en-US" sz="1400" dirty="0" err="1"/>
+              <a:t>results.txt</a:t>
+            </a:r>
+            <a:endParaRPr lang="en-US" sz="1400" dirty="0"/>
+          </a:p>
+          <a:p>
+            <a:pPr marL="342900" lvl="1" indent="0">
+              <a:buNone/>
+            </a:pPr>
+            <a:br>
+              <a:rPr lang="en-US" sz="1400" dirty="0"/>
+            </a:br>
+            <a:r>
+              <a:rPr lang="en-US" sz="1400" dirty="0"/>
+              <a:t>Scripts/</a:t>
+            </a:r>
+            <a:r>
+              <a:rPr lang="en-US" sz="1400" dirty="0" err="1"/>
+              <a:t>ring.sh</a:t>
+            </a:r>
+            <a:r>
+              <a:rPr lang="en-US" sz="1400" dirty="0"/>
+              <a:t> logistic_regression_idash2021-$</a:t>
+            </a:r>
+            <a:r>
+              <a:rPr lang="en-US" sz="1400" dirty="0" err="1"/>
+              <a:t>n_examples_train</a:t>
+            </a:r>
+            <a:r>
+              <a:rPr lang="en-US" sz="1400" dirty="0"/>
+              <a:t>-$</a:t>
+            </a:r>
+            <a:r>
+              <a:rPr lang="en-US" sz="1400" dirty="0" err="1"/>
+              <a:t>n_examples_test</a:t>
+            </a:r>
+            <a:r>
+              <a:rPr lang="en-US" sz="1400" dirty="0"/>
+              <a:t>-$</a:t>
+            </a:r>
+            <a:r>
+              <a:rPr lang="en-US" sz="1400" dirty="0" err="1"/>
+              <a:t>n_features</a:t>
+            </a:r>
+            <a:r>
+              <a:rPr lang="en-US" sz="1400" dirty="0"/>
+              <a:t>-$</a:t>
+            </a:r>
+            <a:r>
+              <a:rPr lang="en-US" sz="1400" dirty="0" err="1"/>
+              <a:t>n_epochs</a:t>
+            </a:r>
+            <a:r>
+              <a:rPr lang="en-US" sz="1400" dirty="0"/>
+              <a:t>-$</a:t>
+            </a:r>
+            <a:r>
+              <a:rPr lang="en-US" sz="1400" dirty="0" err="1"/>
+              <a:t>batch_size</a:t>
+            </a:r>
+            <a:r>
+              <a:rPr lang="en-US" sz="1400" dirty="0"/>
+              <a:t>-$</a:t>
+            </a:r>
+            <a:r>
+              <a:rPr lang="en-US" sz="1400" dirty="0" err="1"/>
+              <a:t>param_report_loss</a:t>
+            </a:r>
+            <a:r>
+              <a:rPr lang="en-US" sz="1400" dirty="0"/>
+              <a:t> &gt;&gt; </a:t>
+            </a:r>
+            <a:r>
+              <a:rPr lang="en-US" sz="1400" dirty="0" err="1"/>
+              <a:t>results.txt</a:t>
+            </a:r>
+            <a:endParaRPr lang="en-US" sz="1400" dirty="0"/>
+          </a:p>
+          <a:p>
+            <a:pPr marL="0" indent="0">
+              <a:buNone/>
+            </a:pPr>
+            <a:r>
+              <a:rPr lang="en-US" sz="1400" dirty="0"/>
+              <a:t>done</a:t>
+            </a:r>
+            <a:br>
+              <a:rPr lang="en-US" sz="1400" dirty="0"/>
+            </a:br>
+            <a:r>
+              <a:rPr lang="en-US" sz="1400" dirty="0"/>
+              <a:t>cat </a:t>
+            </a:r>
+            <a:r>
+              <a:rPr lang="en-US" sz="1400" dirty="0" err="1"/>
+              <a:t>results.txt</a:t>
+            </a:r>
+            <a:r>
+              <a:rPr lang="en-US" sz="1400" dirty="0"/>
+              <a:t> | grep accuracy</a:t>
+            </a:r>
+          </a:p>
+        </p:txBody>
+      </p:sp>
+      <p:sp>
+        <p:nvSpPr>
+          <p:cNvPr id="2" name="Rectangle 1">
+            <a:extLst>
+              <a:ext uri="{FF2B5EF4-FFF2-40B4-BE49-F238E27FC236}">
+                <a16:creationId xmlns:a16="http://schemas.microsoft.com/office/drawing/2014/main" id="{460A1D01-2EB1-AC4C-9BDB-F87DDF9D0BA5}"/>
+              </a:ext>
+            </a:extLst>
+          </p:cNvPr>
+          <p:cNvSpPr/>
+          <p:nvPr/>
+        </p:nvSpPr>
+        <p:spPr>
+          <a:xfrm>
+            <a:off x="323528" y="552118"/>
+            <a:ext cx="3502049" cy="369332"/>
+          </a:xfrm>
+          <a:prstGeom prst="rect">
+            <a:avLst/>
+          </a:prstGeom>
+        </p:spPr>
+        <p:txBody>
+          <a:bodyPr wrap="none">
+            <a:spAutoFit/>
+          </a:bodyPr>
+          <a:lstStyle/>
+          <a:p>
+            <a:r>
+              <a:rPr lang="en-US" b="1" dirty="0"/>
+              <a:t>Script using Replicated in MP-SPDZ</a:t>
+            </a:r>
+            <a:endParaRPr lang="en-BR" b="1" dirty="0"/>
+          </a:p>
+        </p:txBody>
+      </p:sp>
+      <p:sp>
+        <p:nvSpPr>
+          <p:cNvPr id="3" name="Rectangle 2">
+            <a:extLst>
+              <a:ext uri="{FF2B5EF4-FFF2-40B4-BE49-F238E27FC236}">
+                <a16:creationId xmlns:a16="http://schemas.microsoft.com/office/drawing/2014/main" id="{C1D0AC14-349D-C545-9572-1FB98F7CA711}"/>
+              </a:ext>
+            </a:extLst>
+          </p:cNvPr>
+          <p:cNvSpPr/>
+          <p:nvPr/>
+        </p:nvSpPr>
+        <p:spPr>
+          <a:xfrm>
+            <a:off x="179512" y="39896"/>
+            <a:ext cx="8964488" cy="369332"/>
+          </a:xfrm>
+          <a:prstGeom prst="rect">
+            <a:avLst/>
+          </a:prstGeom>
+        </p:spPr>
+        <p:txBody>
+          <a:bodyPr wrap="square">
+            <a:spAutoFit/>
+          </a:bodyPr>
+          <a:lstStyle/>
+          <a:p>
+            <a:r>
+              <a:rPr lang="en-BR" dirty="0"/>
+              <a:t>https://github.com/ricardojmmaia/idash2021/blob/main/logistic_regression_idash2021.mpc</a:t>
+            </a:r>
+          </a:p>
+        </p:txBody>
+      </p:sp>
+    </p:spTree>
+    <p:extLst>
+      <p:ext uri="{BB962C8B-B14F-4D97-AF65-F5344CB8AC3E}">
+        <p14:creationId xmlns:p14="http://schemas.microsoft.com/office/powerpoint/2010/main" val="2730302294"/>
+      </p:ext>
+    </p:extLst>
+  </p:cSld>
+  <p:clrMapOvr>
+    <a:masterClrMapping/>
+  </p:clrMapOvr>
+</p:sld>
+</file>
+
+<file path=ppt/slides/slide4.xml><?xml version="1.0" encoding="utf-8"?>
+<p:sld xmlns:a="http://schemas.openxmlformats.org/drawingml/2006/main" xmlns:r="http://schemas.openxmlformats.org/officeDocument/2006/relationships" xmlns:p="http://schemas.openxmlformats.org/presentationml/2006/main">
+  <p:cSld>
+    <p:spTree>
+      <p:nvGrpSpPr>
+        <p:cNvPr id="1" name=""/>
+        <p:cNvGrpSpPr/>
+        <p:nvPr/>
+      </p:nvGrpSpPr>
+      <p:grpSpPr>
+        <a:xfrm>
+          <a:off x="0" y="0"/>
+          <a:ext cx="0" cy="0"/>
+          <a:chOff x="0" y="0"/>
+          <a:chExt cx="0" cy="0"/>
+        </a:xfrm>
+      </p:grpSpPr>
+      <p:sp>
+        <p:nvSpPr>
+          <p:cNvPr id="5" name="Content Placeholder 4">
+            <a:extLst>
+              <a:ext uri="{FF2B5EF4-FFF2-40B4-BE49-F238E27FC236}">
+                <a16:creationId xmlns:a16="http://schemas.microsoft.com/office/drawing/2014/main" id="{903CAD95-2577-8A4A-91F5-C69F5013222B}"/>
+              </a:ext>
+            </a:extLst>
+          </p:cNvPr>
+          <p:cNvSpPr>
+            <a:spLocks noGrp="1"/>
+          </p:cNvSpPr>
+          <p:nvPr>
+            <p:ph idx="1"/>
+          </p:nvPr>
+        </p:nvSpPr>
+        <p:spPr>
+          <a:xfrm>
+            <a:off x="251520" y="884423"/>
+            <a:ext cx="8568952" cy="3946153"/>
+          </a:xfrm>
+        </p:spPr>
+        <p:txBody>
+          <a:bodyPr>
+            <a:noAutofit/>
+          </a:bodyPr>
+          <a:lstStyle/>
+          <a:p>
+            <a:pPr marL="0" indent="0" algn="just">
+              <a:buNone/>
+            </a:pPr>
+            <a:r>
+              <a:rPr lang="en-US" sz="1200" dirty="0"/>
+              <a:t>from Compiler import ml</a:t>
+            </a:r>
+          </a:p>
+          <a:p>
+            <a:pPr marL="0" indent="0" algn="just">
+              <a:buNone/>
+            </a:pPr>
+            <a:r>
+              <a:rPr lang="en-US" sz="1200" dirty="0" err="1"/>
+              <a:t>program.options_from_args</a:t>
+            </a:r>
+            <a:r>
+              <a:rPr lang="en-US" sz="1200" dirty="0"/>
+              <a:t>()</a:t>
+            </a:r>
+          </a:p>
+          <a:p>
+            <a:pPr marL="0" indent="0" algn="just">
+              <a:buNone/>
+            </a:pPr>
+            <a:r>
+              <a:rPr lang="en-US" sz="1200" dirty="0"/>
+              <a:t>try:</a:t>
+            </a:r>
+          </a:p>
+          <a:p>
+            <a:pPr marL="0" indent="0" algn="just">
+              <a:buNone/>
+            </a:pPr>
+            <a:r>
+              <a:rPr lang="en-US" sz="1200" dirty="0"/>
+              <a:t>    # parameters by </a:t>
+            </a:r>
+            <a:r>
+              <a:rPr lang="en-US" sz="1200" dirty="0" err="1"/>
+              <a:t>args</a:t>
+            </a:r>
+            <a:endParaRPr lang="en-US" sz="1200" dirty="0"/>
+          </a:p>
+          <a:p>
+            <a:pPr marL="0" indent="0" algn="just">
+              <a:buNone/>
+            </a:pPr>
+            <a:r>
+              <a:rPr lang="en-US" sz="1200" dirty="0"/>
+              <a:t>    </a:t>
+            </a:r>
+            <a:r>
+              <a:rPr lang="en-US" sz="1200" dirty="0" err="1"/>
+              <a:t>n_examples_train</a:t>
+            </a:r>
+            <a:r>
+              <a:rPr lang="en-US" sz="1200" dirty="0"/>
+              <a:t>=int(</a:t>
+            </a:r>
+            <a:r>
+              <a:rPr lang="en-US" sz="1200" dirty="0" err="1"/>
+              <a:t>program.args</a:t>
+            </a:r>
+            <a:r>
+              <a:rPr lang="en-US" sz="1200" dirty="0"/>
+              <a:t>[1])</a:t>
+            </a:r>
+          </a:p>
+          <a:p>
+            <a:pPr marL="0" indent="0" algn="just">
+              <a:buNone/>
+            </a:pPr>
+            <a:r>
+              <a:rPr lang="en-US" sz="1200" dirty="0"/>
+              <a:t>    </a:t>
+            </a:r>
+            <a:r>
+              <a:rPr lang="en-US" sz="1200" dirty="0" err="1"/>
+              <a:t>n_examples_test</a:t>
+            </a:r>
+            <a:r>
+              <a:rPr lang="en-US" sz="1200" dirty="0"/>
+              <a:t>=int(</a:t>
+            </a:r>
+            <a:r>
+              <a:rPr lang="en-US" sz="1200" dirty="0" err="1"/>
+              <a:t>program.args</a:t>
+            </a:r>
+            <a:r>
+              <a:rPr lang="en-US" sz="1200" dirty="0"/>
+              <a:t>[2])</a:t>
+            </a:r>
+          </a:p>
+          <a:p>
+            <a:pPr marL="0" indent="0" algn="just">
+              <a:buNone/>
+            </a:pPr>
+            <a:r>
+              <a:rPr lang="en-US" sz="1200" dirty="0"/>
+              <a:t>    </a:t>
+            </a:r>
+            <a:r>
+              <a:rPr lang="en-US" sz="1200" dirty="0" err="1"/>
+              <a:t>n_features</a:t>
+            </a:r>
+            <a:r>
+              <a:rPr lang="en-US" sz="1200" dirty="0"/>
+              <a:t>=int(</a:t>
+            </a:r>
+            <a:r>
+              <a:rPr lang="en-US" sz="1200" dirty="0" err="1"/>
+              <a:t>program.args</a:t>
+            </a:r>
+            <a:r>
+              <a:rPr lang="en-US" sz="1200" dirty="0"/>
+              <a:t>[3])</a:t>
+            </a:r>
+          </a:p>
+          <a:p>
+            <a:pPr marL="0" indent="0" algn="just">
+              <a:buNone/>
+            </a:pPr>
+            <a:r>
+              <a:rPr lang="en-US" sz="1200" dirty="0"/>
+              <a:t>    </a:t>
+            </a:r>
+            <a:r>
+              <a:rPr lang="en-US" sz="1200" dirty="0" err="1"/>
+              <a:t>n_epochs</a:t>
+            </a:r>
+            <a:r>
+              <a:rPr lang="en-US" sz="1200" dirty="0"/>
+              <a:t>=int(</a:t>
+            </a:r>
+            <a:r>
+              <a:rPr lang="en-US" sz="1200" dirty="0" err="1"/>
+              <a:t>program.args</a:t>
+            </a:r>
+            <a:r>
+              <a:rPr lang="en-US" sz="1200" dirty="0"/>
+              <a:t>[4])</a:t>
+            </a:r>
+          </a:p>
+          <a:p>
+            <a:pPr marL="0" indent="0" algn="just">
+              <a:buNone/>
+            </a:pPr>
+            <a:r>
+              <a:rPr lang="en-US" sz="1200" dirty="0"/>
+              <a:t>    </a:t>
+            </a:r>
+            <a:r>
+              <a:rPr lang="en-US" sz="1200" dirty="0" err="1"/>
+              <a:t>batch_size</a:t>
+            </a:r>
+            <a:r>
+              <a:rPr lang="en-US" sz="1200" dirty="0"/>
+              <a:t>=int(</a:t>
+            </a:r>
+            <a:r>
+              <a:rPr lang="en-US" sz="1200" dirty="0" err="1"/>
+              <a:t>program.args</a:t>
+            </a:r>
+            <a:r>
+              <a:rPr lang="en-US" sz="1200" dirty="0"/>
+              <a:t>[5])</a:t>
+            </a:r>
+          </a:p>
+          <a:p>
+            <a:pPr marL="0" indent="0" algn="just">
+              <a:buNone/>
+            </a:pPr>
+            <a:r>
+              <a:rPr lang="en-US" sz="1200" dirty="0"/>
+              <a:t>    </a:t>
+            </a:r>
+            <a:r>
+              <a:rPr lang="en-US" sz="1200" dirty="0" err="1"/>
+              <a:t>param_report_loss</a:t>
+            </a:r>
+            <a:r>
+              <a:rPr lang="en-US" sz="1200" dirty="0"/>
+              <a:t>=</a:t>
+            </a:r>
+            <a:r>
+              <a:rPr lang="en-US" sz="1200" dirty="0" err="1"/>
+              <a:t>program.args</a:t>
+            </a:r>
+            <a:r>
+              <a:rPr lang="en-US" sz="1200" dirty="0"/>
+              <a:t>[6]</a:t>
+            </a:r>
+          </a:p>
+          <a:p>
+            <a:pPr marL="0" indent="0" algn="just">
+              <a:buNone/>
+            </a:pPr>
+            <a:r>
+              <a:rPr lang="en-US" sz="1200" dirty="0"/>
+              <a:t>except:</a:t>
+            </a:r>
+          </a:p>
+          <a:p>
+            <a:pPr marL="0" indent="0" algn="just">
+              <a:buNone/>
+            </a:pPr>
+            <a:r>
+              <a:rPr lang="en-US" sz="1200" dirty="0"/>
+              <a:t>    # parameters default</a:t>
+            </a:r>
+          </a:p>
+          <a:p>
+            <a:pPr marL="0" indent="0" algn="just">
+              <a:buNone/>
+            </a:pPr>
+            <a:r>
+              <a:rPr lang="en-US" sz="1200" dirty="0"/>
+              <a:t>    </a:t>
+            </a:r>
+            <a:r>
+              <a:rPr lang="en-US" sz="1200" dirty="0" err="1"/>
+              <a:t>n_examples_train</a:t>
+            </a:r>
+            <a:r>
+              <a:rPr lang="en-US" sz="1200" dirty="0"/>
+              <a:t>=700</a:t>
+            </a:r>
+          </a:p>
+          <a:p>
+            <a:pPr marL="0" indent="0" algn="just">
+              <a:buNone/>
+            </a:pPr>
+            <a:r>
+              <a:rPr lang="en-US" sz="1200" dirty="0"/>
+              <a:t>    </a:t>
+            </a:r>
+            <a:r>
+              <a:rPr lang="en-US" sz="1200" dirty="0" err="1"/>
+              <a:t>n_examples_test</a:t>
+            </a:r>
+            <a:r>
+              <a:rPr lang="en-US" sz="1200" dirty="0"/>
+              <a:t>=131</a:t>
+            </a:r>
+          </a:p>
+          <a:p>
+            <a:pPr marL="0" indent="0" algn="just">
+              <a:buNone/>
+            </a:pPr>
+            <a:r>
+              <a:rPr lang="en-US" sz="1200" dirty="0"/>
+              <a:t>    </a:t>
+            </a:r>
+            <a:r>
+              <a:rPr lang="en-US" sz="1200" dirty="0" err="1"/>
+              <a:t>n_features</a:t>
+            </a:r>
+            <a:r>
+              <a:rPr lang="en-US" sz="1200" dirty="0"/>
+              <a:t>=1874</a:t>
+            </a:r>
+          </a:p>
+          <a:p>
+            <a:pPr marL="0" indent="0" algn="just">
+              <a:buNone/>
+            </a:pPr>
+            <a:r>
+              <a:rPr lang="en-US" sz="1200" dirty="0"/>
+              <a:t>    </a:t>
+            </a:r>
+            <a:r>
+              <a:rPr lang="en-US" sz="1200" dirty="0" err="1"/>
+              <a:t>n_epochs</a:t>
+            </a:r>
+            <a:r>
+              <a:rPr lang="en-US" sz="1200" dirty="0"/>
+              <a:t>=10</a:t>
+            </a:r>
+          </a:p>
+          <a:p>
+            <a:pPr marL="0" indent="0" algn="just">
+              <a:buNone/>
+            </a:pPr>
+            <a:r>
+              <a:rPr lang="en-US" sz="1200" dirty="0"/>
+              <a:t>    </a:t>
+            </a:r>
+            <a:r>
+              <a:rPr lang="en-US" sz="1200" dirty="0" err="1"/>
+              <a:t>batch_size</a:t>
+            </a:r>
+            <a:r>
+              <a:rPr lang="en-US" sz="1200" dirty="0"/>
+              <a:t>=128</a:t>
+            </a:r>
+          </a:p>
+          <a:p>
+            <a:pPr marL="0" indent="0" algn="just">
+              <a:buNone/>
+            </a:pPr>
+            <a:r>
+              <a:rPr lang="en-US" sz="1200" dirty="0"/>
+              <a:t>    </a:t>
+            </a:r>
+            <a:r>
+              <a:rPr lang="en-US" sz="1200" dirty="0" err="1"/>
+              <a:t>param_report_loss</a:t>
+            </a:r>
+            <a:r>
+              <a:rPr lang="en-US" sz="1200" dirty="0"/>
+              <a:t>=True</a:t>
+            </a:r>
+          </a:p>
+        </p:txBody>
+      </p:sp>
+      <p:sp>
+        <p:nvSpPr>
+          <p:cNvPr id="2" name="Rectangle 1">
+            <a:extLst>
+              <a:ext uri="{FF2B5EF4-FFF2-40B4-BE49-F238E27FC236}">
+                <a16:creationId xmlns:a16="http://schemas.microsoft.com/office/drawing/2014/main" id="{0AA17237-F0AE-3B48-9413-0E188688CC1F}"/>
+              </a:ext>
+            </a:extLst>
+          </p:cNvPr>
+          <p:cNvSpPr/>
+          <p:nvPr/>
+        </p:nvSpPr>
+        <p:spPr>
+          <a:xfrm>
+            <a:off x="179512" y="462159"/>
+            <a:ext cx="2530565" cy="369332"/>
+          </a:xfrm>
+          <a:prstGeom prst="rect">
+            <a:avLst/>
+          </a:prstGeom>
+        </p:spPr>
+        <p:txBody>
+          <a:bodyPr wrap="none">
+            <a:spAutoFit/>
+          </a:bodyPr>
+          <a:lstStyle/>
+          <a:p>
+            <a:r>
+              <a:rPr lang="en-US" b="1" dirty="0"/>
+              <a:t>Parameters for MP-SPDZ</a:t>
+            </a:r>
+            <a:endParaRPr lang="en-BR" b="1" dirty="0"/>
+          </a:p>
+        </p:txBody>
+      </p:sp>
+      <p:sp>
+        <p:nvSpPr>
+          <p:cNvPr id="4" name="Rectangle 3">
+            <a:extLst>
+              <a:ext uri="{FF2B5EF4-FFF2-40B4-BE49-F238E27FC236}">
+                <a16:creationId xmlns:a16="http://schemas.microsoft.com/office/drawing/2014/main" id="{F1B1F44B-F438-0F42-933A-388CD7BF8688}"/>
+              </a:ext>
+            </a:extLst>
+          </p:cNvPr>
+          <p:cNvSpPr/>
+          <p:nvPr/>
+        </p:nvSpPr>
+        <p:spPr>
+          <a:xfrm>
+            <a:off x="179512" y="39896"/>
+            <a:ext cx="8964488" cy="369332"/>
+          </a:xfrm>
+          <a:prstGeom prst="rect">
+            <a:avLst/>
+          </a:prstGeom>
+        </p:spPr>
+        <p:txBody>
+          <a:bodyPr wrap="square">
+            <a:spAutoFit/>
+          </a:bodyPr>
+          <a:lstStyle/>
+          <a:p>
+            <a:r>
+              <a:rPr lang="en-BR" dirty="0"/>
+              <a:t>https://github.com/ricardojmmaia/idash2021/blob/main/logistic_regression_idash2021.mpc</a:t>
+            </a:r>
+          </a:p>
+        </p:txBody>
+      </p:sp>
+    </p:spTree>
+    <p:extLst>
+      <p:ext uri="{BB962C8B-B14F-4D97-AF65-F5344CB8AC3E}">
+        <p14:creationId xmlns:p14="http://schemas.microsoft.com/office/powerpoint/2010/main" val="2638272973"/>
+      </p:ext>
+    </p:extLst>
+  </p:cSld>
+  <p:clrMapOvr>
+    <a:masterClrMapping/>
+  </p:clrMapOvr>
+</p:sld>
+</file>
+
+<file path=ppt/slides/slide5.xml><?xml version="1.0" encoding="utf-8"?>
+<p:sld xmlns:a="http://schemas.openxmlformats.org/drawingml/2006/main" xmlns:r="http://schemas.openxmlformats.org/officeDocument/2006/relationships" xmlns:p="http://schemas.openxmlformats.org/presentationml/2006/main">
+  <p:cSld>
+    <p:spTree>
+      <p:nvGrpSpPr>
+        <p:cNvPr id="1" name=""/>
+        <p:cNvGrpSpPr/>
+        <p:nvPr/>
+      </p:nvGrpSpPr>
+      <p:grpSpPr>
+        <a:xfrm>
+          <a:off x="0" y="0"/>
+          <a:ext cx="0" cy="0"/>
+          <a:chOff x="0" y="0"/>
+          <a:chExt cx="0" cy="0"/>
+        </a:xfrm>
+      </p:grpSpPr>
+      <p:sp>
+        <p:nvSpPr>
+          <p:cNvPr id="5" name="Content Placeholder 4">
+            <a:extLst>
+              <a:ext uri="{FF2B5EF4-FFF2-40B4-BE49-F238E27FC236}">
+                <a16:creationId xmlns:a16="http://schemas.microsoft.com/office/drawing/2014/main" id="{903CAD95-2577-8A4A-91F5-C69F5013222B}"/>
+              </a:ext>
+            </a:extLst>
+          </p:cNvPr>
+          <p:cNvSpPr>
+            <a:spLocks noGrp="1"/>
+          </p:cNvSpPr>
+          <p:nvPr>
+            <p:ph idx="1"/>
+          </p:nvPr>
+        </p:nvSpPr>
+        <p:spPr>
+          <a:xfrm>
+            <a:off x="628650" y="1201316"/>
+            <a:ext cx="7886700" cy="3946153"/>
+          </a:xfrm>
+        </p:spPr>
+        <p:txBody>
+          <a:bodyPr>
+            <a:noAutofit/>
+          </a:bodyPr>
+          <a:lstStyle/>
+          <a:p>
+            <a:pPr marL="0" indent="0" algn="just">
+              <a:buNone/>
+            </a:pPr>
+            <a:r>
+              <a:rPr lang="en-US" sz="1600" dirty="0"/>
+              <a:t># Train</a:t>
+            </a:r>
+          </a:p>
+          <a:p>
+            <a:pPr marL="0" indent="0" algn="just">
+              <a:buNone/>
+            </a:pPr>
+            <a:r>
+              <a:rPr lang="en-US" sz="1600" dirty="0" err="1"/>
+              <a:t>start_timer</a:t>
+            </a:r>
+            <a:r>
+              <a:rPr lang="en-US" sz="1600" dirty="0"/>
+              <a:t>(10)</a:t>
+            </a:r>
+          </a:p>
+          <a:p>
+            <a:pPr marL="0" indent="0" algn="just">
+              <a:buNone/>
+            </a:pPr>
+            <a:r>
+              <a:rPr lang="en-US" sz="1600" dirty="0" err="1"/>
+              <a:t>start_timer</a:t>
+            </a:r>
+            <a:r>
+              <a:rPr lang="en-US" sz="1600" dirty="0"/>
+              <a:t>(20)</a:t>
+            </a:r>
+          </a:p>
+          <a:p>
+            <a:pPr marL="0" indent="0" algn="just">
+              <a:buNone/>
+            </a:pPr>
+            <a:endParaRPr lang="en-US" sz="1600" dirty="0"/>
+          </a:p>
+          <a:p>
+            <a:pPr marL="0" indent="0" algn="just">
+              <a:buNone/>
+            </a:pPr>
+            <a:r>
+              <a:rPr lang="en-US" sz="1600" dirty="0"/>
+              <a:t>dense = </a:t>
+            </a:r>
+            <a:r>
+              <a:rPr lang="en-US" sz="1600" dirty="0" err="1"/>
+              <a:t>ml.Dense</a:t>
+            </a:r>
+            <a:r>
+              <a:rPr lang="en-US" sz="1600" dirty="0"/>
+              <a:t>(</a:t>
+            </a:r>
+            <a:r>
+              <a:rPr lang="en-US" sz="1600" dirty="0" err="1"/>
+              <a:t>n_examples_train</a:t>
+            </a:r>
+            <a:r>
+              <a:rPr lang="en-US" sz="1600" dirty="0"/>
+              <a:t>, </a:t>
+            </a:r>
+            <a:r>
+              <a:rPr lang="en-US" sz="1600" dirty="0" err="1"/>
+              <a:t>n_features</a:t>
+            </a:r>
+            <a:r>
+              <a:rPr lang="en-US" sz="1600" dirty="0"/>
+              <a:t>, 1)</a:t>
+            </a:r>
+          </a:p>
+          <a:p>
+            <a:pPr marL="0" indent="0" algn="just">
+              <a:buNone/>
+            </a:pPr>
+            <a:r>
+              <a:rPr lang="en-US" sz="1600" dirty="0"/>
+              <a:t>layers = [dense, </a:t>
+            </a:r>
+            <a:r>
+              <a:rPr lang="en-US" sz="1600" dirty="0" err="1"/>
+              <a:t>ml.Output</a:t>
+            </a:r>
+            <a:r>
+              <a:rPr lang="en-US" sz="1600" dirty="0"/>
+              <a:t>(</a:t>
+            </a:r>
+            <a:r>
+              <a:rPr lang="en-US" sz="1600" dirty="0" err="1"/>
+              <a:t>n_examples_train</a:t>
+            </a:r>
+            <a:r>
+              <a:rPr lang="en-US" sz="1600" dirty="0"/>
+              <a:t>, </a:t>
+            </a:r>
+            <a:r>
+              <a:rPr lang="en-US" sz="1600" dirty="0" err="1"/>
+              <a:t>approx</a:t>
+            </a:r>
+            <a:r>
+              <a:rPr lang="en-US" sz="1600" dirty="0"/>
+              <a:t>=True)]</a:t>
+            </a:r>
+          </a:p>
+          <a:p>
+            <a:pPr marL="0" indent="0" algn="just">
+              <a:buNone/>
+            </a:pPr>
+            <a:r>
+              <a:rPr lang="en-US" sz="1600" dirty="0" err="1"/>
+              <a:t>sgd</a:t>
+            </a:r>
+            <a:r>
+              <a:rPr lang="en-US" sz="1600" dirty="0"/>
+              <a:t> = </a:t>
+            </a:r>
+            <a:r>
+              <a:rPr lang="en-US" sz="1600" dirty="0" err="1"/>
+              <a:t>ml.SGD</a:t>
+            </a:r>
+            <a:r>
+              <a:rPr lang="en-US" sz="1600" dirty="0"/>
+              <a:t>(layers, </a:t>
+            </a:r>
+            <a:r>
+              <a:rPr lang="en-US" sz="1600" dirty="0" err="1"/>
+              <a:t>n_epochs</a:t>
+            </a:r>
+            <a:r>
+              <a:rPr lang="en-US" sz="1600" dirty="0"/>
+              <a:t>, debug=False, </a:t>
+            </a:r>
+            <a:r>
+              <a:rPr lang="en-US" sz="1600" dirty="0" err="1"/>
+              <a:t>report_loss</a:t>
+            </a:r>
+            <a:r>
+              <a:rPr lang="en-US" sz="1600" dirty="0"/>
+              <a:t>=</a:t>
+            </a:r>
+            <a:r>
+              <a:rPr lang="en-US" sz="1600" dirty="0" err="1"/>
+              <a:t>param_report_loss</a:t>
+            </a:r>
+            <a:r>
+              <a:rPr lang="en-US" sz="1600" dirty="0"/>
+              <a:t>)</a:t>
+            </a:r>
+          </a:p>
+          <a:p>
+            <a:pPr marL="0" indent="0" algn="just">
+              <a:buNone/>
+            </a:pPr>
+            <a:r>
+              <a:rPr lang="en-US" sz="1600" dirty="0" err="1"/>
+              <a:t>sgd.layers</a:t>
+            </a:r>
+            <a:r>
+              <a:rPr lang="en-US" sz="1600" dirty="0"/>
+              <a:t>[0].</a:t>
+            </a:r>
+            <a:r>
+              <a:rPr lang="en-US" sz="1600" dirty="0" err="1"/>
+              <a:t>X.input_from</a:t>
+            </a:r>
+            <a:r>
+              <a:rPr lang="en-US" sz="1600" dirty="0"/>
+              <a:t>(0)</a:t>
+            </a:r>
+          </a:p>
+          <a:p>
+            <a:pPr marL="0" indent="0" algn="just">
+              <a:buNone/>
+            </a:pPr>
+            <a:r>
+              <a:rPr lang="en-US" sz="1600" dirty="0" err="1"/>
+              <a:t>sgd.layers</a:t>
+            </a:r>
+            <a:r>
+              <a:rPr lang="en-US" sz="1600" dirty="0"/>
+              <a:t>[1].</a:t>
+            </a:r>
+            <a:r>
+              <a:rPr lang="en-US" sz="1600" dirty="0" err="1"/>
+              <a:t>Y.input_from</a:t>
+            </a:r>
+            <a:r>
+              <a:rPr lang="en-US" sz="1600" dirty="0"/>
+              <a:t>(0)</a:t>
+            </a:r>
+          </a:p>
+          <a:p>
+            <a:pPr marL="0" indent="0" algn="just">
+              <a:buNone/>
+            </a:pPr>
+            <a:r>
+              <a:rPr lang="en-US" sz="1600" dirty="0" err="1"/>
+              <a:t>sgd.reset</a:t>
+            </a:r>
+            <a:r>
+              <a:rPr lang="en-US" sz="1600" dirty="0"/>
+              <a:t>()</a:t>
+            </a:r>
+          </a:p>
+          <a:p>
+            <a:pPr marL="0" indent="0" algn="just">
+              <a:buNone/>
+            </a:pPr>
+            <a:r>
+              <a:rPr lang="en-US" sz="1600" dirty="0" err="1"/>
+              <a:t>sgd.run</a:t>
+            </a:r>
+            <a:r>
+              <a:rPr lang="en-US" sz="1600" dirty="0"/>
+              <a:t>(</a:t>
+            </a:r>
+            <a:r>
+              <a:rPr lang="en-US" sz="1600" dirty="0" err="1"/>
+              <a:t>batch_size</a:t>
+            </a:r>
+            <a:r>
+              <a:rPr lang="en-US" sz="1600" dirty="0"/>
+              <a:t>=</a:t>
+            </a:r>
+            <a:r>
+              <a:rPr lang="en-US" sz="1600" dirty="0" err="1"/>
+              <a:t>batch_size</a:t>
+            </a:r>
+            <a:r>
+              <a:rPr lang="en-US" sz="1600" dirty="0"/>
+              <a:t>)</a:t>
+            </a:r>
+          </a:p>
+          <a:p>
+            <a:pPr marL="0" indent="0" algn="just">
+              <a:buNone/>
+            </a:pPr>
+            <a:r>
+              <a:rPr lang="en-US" sz="1600" dirty="0" err="1"/>
+              <a:t>stop_timer</a:t>
+            </a:r>
+            <a:r>
+              <a:rPr lang="en-US" sz="1600" dirty="0"/>
+              <a:t>(20)</a:t>
+            </a:r>
+          </a:p>
+          <a:p>
+            <a:pPr marL="0" indent="0" algn="just">
+              <a:buNone/>
+            </a:pPr>
+            <a:r>
+              <a:rPr lang="en-US" sz="1600" dirty="0"/>
+              <a:t>#</a:t>
+            </a:r>
+            <a:r>
+              <a:rPr lang="en-US" sz="1600" dirty="0" err="1"/>
+              <a:t>print_ln</a:t>
+            </a:r>
+            <a:r>
+              <a:rPr lang="en-US" sz="1600" dirty="0"/>
+              <a:t>('</a:t>
+            </a:r>
+            <a:r>
+              <a:rPr lang="en-US" sz="1600" dirty="0" err="1"/>
+              <a:t>trainLabel</a:t>
+            </a:r>
+            <a:r>
+              <a:rPr lang="en-US" sz="1600" dirty="0"/>
+              <a:t>: %s', [</a:t>
+            </a:r>
+            <a:r>
+              <a:rPr lang="en-US" sz="1600" dirty="0" err="1"/>
+              <a:t>x.reveal</a:t>
+            </a:r>
+            <a:r>
+              <a:rPr lang="en-US" sz="1600" dirty="0"/>
+              <a:t>() for x in </a:t>
+            </a:r>
+            <a:r>
+              <a:rPr lang="en-US" sz="1600" dirty="0" err="1"/>
+              <a:t>sgd.layers</a:t>
+            </a:r>
+            <a:r>
+              <a:rPr lang="en-US" sz="1600" dirty="0"/>
+              <a:t>[1].Y])</a:t>
+            </a:r>
+          </a:p>
+        </p:txBody>
+      </p:sp>
+      <p:sp>
+        <p:nvSpPr>
+          <p:cNvPr id="2" name="Rectangle 1">
+            <a:extLst>
+              <a:ext uri="{FF2B5EF4-FFF2-40B4-BE49-F238E27FC236}">
+                <a16:creationId xmlns:a16="http://schemas.microsoft.com/office/drawing/2014/main" id="{0AA17237-F0AE-3B48-9413-0E188688CC1F}"/>
+              </a:ext>
+            </a:extLst>
+          </p:cNvPr>
+          <p:cNvSpPr/>
+          <p:nvPr/>
+        </p:nvSpPr>
+        <p:spPr>
+          <a:xfrm>
+            <a:off x="539552" y="620606"/>
+            <a:ext cx="1818959" cy="369332"/>
+          </a:xfrm>
+          <a:prstGeom prst="rect">
+            <a:avLst/>
+          </a:prstGeom>
+        </p:spPr>
+        <p:txBody>
+          <a:bodyPr wrap="none">
+            <a:spAutoFit/>
+          </a:bodyPr>
+          <a:lstStyle/>
+          <a:p>
+            <a:r>
+              <a:rPr lang="en-US" b="1" dirty="0"/>
+              <a:t>Train in MP-SPDZ</a:t>
+            </a:r>
+            <a:endParaRPr lang="en-BR" b="1" dirty="0"/>
+          </a:p>
+        </p:txBody>
+      </p:sp>
+      <p:sp>
+        <p:nvSpPr>
+          <p:cNvPr id="4" name="Rectangle 3">
+            <a:extLst>
+              <a:ext uri="{FF2B5EF4-FFF2-40B4-BE49-F238E27FC236}">
+                <a16:creationId xmlns:a16="http://schemas.microsoft.com/office/drawing/2014/main" id="{1AB9AFF7-13E0-8A4F-9979-8D535FDC15C7}"/>
+              </a:ext>
+            </a:extLst>
+          </p:cNvPr>
+          <p:cNvSpPr/>
+          <p:nvPr/>
+        </p:nvSpPr>
+        <p:spPr>
+          <a:xfrm>
+            <a:off x="179512" y="39896"/>
+            <a:ext cx="8964488" cy="369332"/>
+          </a:xfrm>
+          <a:prstGeom prst="rect">
+            <a:avLst/>
+          </a:prstGeom>
+        </p:spPr>
+        <p:txBody>
+          <a:bodyPr wrap="square">
+            <a:spAutoFit/>
+          </a:bodyPr>
+          <a:lstStyle/>
+          <a:p>
+            <a:r>
+              <a:rPr lang="en-BR" dirty="0"/>
+              <a:t>https://github.com/ricardojmmaia/idash2021/blob/main/logistic_regression_idash2021.mpc</a:t>
+            </a:r>
+          </a:p>
+        </p:txBody>
+      </p:sp>
+    </p:spTree>
+    <p:extLst>
+      <p:ext uri="{BB962C8B-B14F-4D97-AF65-F5344CB8AC3E}">
+        <p14:creationId xmlns:p14="http://schemas.microsoft.com/office/powerpoint/2010/main" val="733820270"/>
+      </p:ext>
+    </p:extLst>
+  </p:cSld>
+  <p:clrMapOvr>
+    <a:masterClrMapping/>
+  </p:clrMapOvr>
+</p:sld>
+</file>
+
+<file path=ppt/slides/slide6.xml><?xml version="1.0" encoding="utf-8"?>
+<p:sld xmlns:a="http://schemas.openxmlformats.org/drawingml/2006/main" xmlns:r="http://schemas.openxmlformats.org/officeDocument/2006/relationships" xmlns:p="http://schemas.openxmlformats.org/presentationml/2006/main">
+  <p:cSld>
+    <p:spTree>
+      <p:nvGrpSpPr>
+        <p:cNvPr id="1" name=""/>
+        <p:cNvGrpSpPr/>
+        <p:nvPr/>
+      </p:nvGrpSpPr>
+      <p:grpSpPr>
+        <a:xfrm>
+          <a:off x="0" y="0"/>
+          <a:ext cx="0" cy="0"/>
+          <a:chOff x="0" y="0"/>
+          <a:chExt cx="0" cy="0"/>
+        </a:xfrm>
+      </p:grpSpPr>
+      <p:sp>
+        <p:nvSpPr>
+          <p:cNvPr id="5" name="Content Placeholder 4">
+            <a:extLst>
+              <a:ext uri="{FF2B5EF4-FFF2-40B4-BE49-F238E27FC236}">
+                <a16:creationId xmlns:a16="http://schemas.microsoft.com/office/drawing/2014/main" id="{903CAD95-2577-8A4A-91F5-C69F5013222B}"/>
+              </a:ext>
+            </a:extLst>
+          </p:cNvPr>
+          <p:cNvSpPr>
+            <a:spLocks noGrp="1"/>
+          </p:cNvSpPr>
+          <p:nvPr>
+            <p:ph idx="1"/>
+          </p:nvPr>
+        </p:nvSpPr>
+        <p:spPr>
+          <a:xfrm>
+            <a:off x="179512" y="855563"/>
+            <a:ext cx="8856984" cy="3370089"/>
+          </a:xfrm>
+        </p:spPr>
+        <p:txBody>
+          <a:bodyPr>
+            <a:noAutofit/>
+          </a:bodyPr>
+          <a:lstStyle/>
+          <a:p>
+            <a:pPr marL="0" indent="0" algn="just">
+              <a:buNone/>
+            </a:pPr>
+            <a:r>
+              <a:rPr lang="en-US" sz="1200" dirty="0"/>
+              <a:t># Inference</a:t>
+            </a:r>
+          </a:p>
+          <a:p>
+            <a:pPr marL="0" indent="0" algn="just">
+              <a:buNone/>
+            </a:pPr>
+            <a:r>
+              <a:rPr lang="en-US" sz="1200" dirty="0" err="1"/>
+              <a:t>testData</a:t>
+            </a:r>
+            <a:r>
+              <a:rPr lang="en-US" sz="1200" dirty="0"/>
+              <a:t> = </a:t>
+            </a:r>
+            <a:r>
+              <a:rPr lang="en-US" sz="1200" dirty="0" err="1"/>
+              <a:t>sfix.Matrix</a:t>
+            </a:r>
+            <a:r>
+              <a:rPr lang="en-US" sz="1200" dirty="0"/>
+              <a:t>(</a:t>
+            </a:r>
+            <a:r>
+              <a:rPr lang="en-US" sz="1200" dirty="0" err="1"/>
+              <a:t>n_examples_test</a:t>
+            </a:r>
+            <a:r>
+              <a:rPr lang="en-US" sz="1200" dirty="0"/>
+              <a:t>, </a:t>
+            </a:r>
+            <a:r>
+              <a:rPr lang="en-US" sz="1200" dirty="0" err="1"/>
+              <a:t>n_features</a:t>
+            </a:r>
+            <a:r>
+              <a:rPr lang="en-US" sz="1200" dirty="0"/>
+              <a:t>)</a:t>
+            </a:r>
+          </a:p>
+          <a:p>
+            <a:pPr marL="0" indent="0" algn="just">
+              <a:buNone/>
+            </a:pPr>
+            <a:r>
+              <a:rPr lang="en-US" sz="1200" dirty="0" err="1"/>
+              <a:t>testData.input_from</a:t>
+            </a:r>
+            <a:r>
+              <a:rPr lang="en-US" sz="1200" dirty="0"/>
+              <a:t>(0)</a:t>
+            </a:r>
+          </a:p>
+          <a:p>
+            <a:pPr marL="0" indent="0" algn="just">
+              <a:buNone/>
+            </a:pPr>
+            <a:r>
+              <a:rPr lang="en-US" sz="1200" dirty="0" err="1"/>
+              <a:t>testLabel</a:t>
+            </a:r>
+            <a:r>
+              <a:rPr lang="en-US" sz="1200" dirty="0"/>
+              <a:t> = </a:t>
+            </a:r>
+            <a:r>
+              <a:rPr lang="en-US" sz="1200" dirty="0" err="1"/>
+              <a:t>sfix.Matrix</a:t>
+            </a:r>
+            <a:r>
+              <a:rPr lang="en-US" sz="1200" dirty="0"/>
+              <a:t>(</a:t>
+            </a:r>
+            <a:r>
+              <a:rPr lang="en-US" sz="1200" dirty="0" err="1"/>
+              <a:t>n_examples_test</a:t>
+            </a:r>
+            <a:r>
+              <a:rPr lang="en-US" sz="1200" dirty="0"/>
+              <a:t>, 1)</a:t>
+            </a:r>
+          </a:p>
+          <a:p>
+            <a:pPr marL="0" indent="0" algn="just">
+              <a:buNone/>
+            </a:pPr>
+            <a:r>
+              <a:rPr lang="en-US" sz="1200" dirty="0" err="1"/>
+              <a:t>testLabel.input_from</a:t>
+            </a:r>
+            <a:r>
+              <a:rPr lang="en-US" sz="1200" dirty="0"/>
+              <a:t>(0)</a:t>
+            </a:r>
+          </a:p>
+          <a:p>
+            <a:pPr marL="0" indent="0" algn="just">
+              <a:buNone/>
+            </a:pPr>
+            <a:r>
+              <a:rPr lang="en-US" sz="1200" dirty="0" err="1"/>
+              <a:t>start_timer</a:t>
+            </a:r>
+            <a:r>
+              <a:rPr lang="en-US" sz="1200" dirty="0"/>
+              <a:t>(30)</a:t>
+            </a:r>
+          </a:p>
+          <a:p>
+            <a:pPr marL="0" indent="0" algn="just">
+              <a:buNone/>
+            </a:pPr>
+            <a:r>
+              <a:rPr lang="en-US" sz="1200" dirty="0"/>
+              <a:t>res = </a:t>
+            </a:r>
+            <a:r>
+              <a:rPr lang="en-US" sz="1200" dirty="0" err="1"/>
+              <a:t>sgd.eval</a:t>
+            </a:r>
+            <a:r>
+              <a:rPr lang="en-US" sz="1200" dirty="0"/>
+              <a:t>(</a:t>
+            </a:r>
+            <a:r>
+              <a:rPr lang="en-US" sz="1200" dirty="0" err="1"/>
+              <a:t>testData</a:t>
+            </a:r>
+            <a:r>
+              <a:rPr lang="en-US" sz="1200" dirty="0"/>
+              <a:t>)</a:t>
+            </a:r>
+          </a:p>
+          <a:p>
+            <a:pPr marL="0" indent="0" algn="just">
+              <a:buNone/>
+            </a:pPr>
+            <a:r>
+              <a:rPr lang="en-US" sz="1200" dirty="0" err="1"/>
+              <a:t>stop_timer</a:t>
+            </a:r>
+            <a:r>
+              <a:rPr lang="en-US" sz="1200" dirty="0"/>
+              <a:t>(30)</a:t>
+            </a:r>
+          </a:p>
+          <a:p>
+            <a:pPr marL="0" indent="0" algn="just">
+              <a:buNone/>
+            </a:pPr>
+            <a:r>
+              <a:rPr lang="en-US" sz="1200" dirty="0" err="1"/>
+              <a:t>stop_timer</a:t>
+            </a:r>
+            <a:r>
+              <a:rPr lang="en-US" sz="1200" dirty="0"/>
+              <a:t>(10)</a:t>
+            </a:r>
+          </a:p>
+          <a:p>
+            <a:pPr marL="0" indent="0" algn="just">
+              <a:buNone/>
+            </a:pPr>
+            <a:r>
+              <a:rPr lang="en-US" sz="1200" dirty="0"/>
+              <a:t># Get Accuracy</a:t>
+            </a:r>
+          </a:p>
+          <a:p>
+            <a:pPr marL="0" indent="0" algn="just">
+              <a:buNone/>
+            </a:pPr>
+            <a:r>
+              <a:rPr lang="en-US" sz="1200" dirty="0"/>
+              <a:t>total = 0</a:t>
+            </a:r>
+          </a:p>
+          <a:p>
+            <a:pPr marL="0" indent="0" algn="just">
+              <a:buNone/>
+            </a:pPr>
+            <a:r>
+              <a:rPr lang="en-US" sz="1200" dirty="0" err="1"/>
+              <a:t>i</a:t>
+            </a:r>
+            <a:r>
+              <a:rPr lang="en-US" sz="1200" dirty="0"/>
+              <a:t>=0</a:t>
+            </a:r>
+          </a:p>
+          <a:p>
+            <a:pPr marL="0" indent="0" algn="just">
+              <a:buNone/>
+            </a:pPr>
+            <a:r>
+              <a:rPr lang="en-US" sz="1200" dirty="0"/>
+              <a:t>for x in res:</a:t>
+            </a:r>
+          </a:p>
+          <a:p>
+            <a:pPr marL="0" indent="0" algn="just">
+              <a:buNone/>
+            </a:pPr>
+            <a:r>
+              <a:rPr lang="en-US" sz="1200" dirty="0"/>
+              <a:t>  hit=(</a:t>
+            </a:r>
+            <a:r>
+              <a:rPr lang="en-US" sz="1200" dirty="0" err="1"/>
+              <a:t>x.reveal</a:t>
+            </a:r>
+            <a:r>
+              <a:rPr lang="en-US" sz="1200" dirty="0"/>
+              <a:t>()&gt;0.5)==</a:t>
+            </a:r>
+            <a:r>
+              <a:rPr lang="en-US" sz="1200" dirty="0" err="1"/>
+              <a:t>testLabel</a:t>
+            </a:r>
+            <a:r>
+              <a:rPr lang="en-US" sz="1200" dirty="0"/>
+              <a:t>[</a:t>
+            </a:r>
+            <a:r>
+              <a:rPr lang="en-US" sz="1200" dirty="0" err="1"/>
+              <a:t>i</a:t>
+            </a:r>
+            <a:r>
+              <a:rPr lang="en-US" sz="1200" dirty="0"/>
+              <a:t>][0].reveal()</a:t>
+            </a:r>
+          </a:p>
+          <a:p>
+            <a:pPr marL="0" indent="0" algn="just">
+              <a:buNone/>
+            </a:pPr>
+            <a:r>
+              <a:rPr lang="en-US" sz="1200" dirty="0"/>
+              <a:t>  total = total + hit</a:t>
+            </a:r>
+          </a:p>
+          <a:p>
+            <a:pPr marL="0" indent="0" algn="just">
+              <a:buNone/>
+            </a:pPr>
+            <a:r>
+              <a:rPr lang="en-US" sz="1200" dirty="0"/>
+              <a:t>  </a:t>
+            </a:r>
+            <a:r>
+              <a:rPr lang="en-US" sz="1200" dirty="0" err="1"/>
+              <a:t>i</a:t>
+            </a:r>
+            <a:r>
+              <a:rPr lang="en-US" sz="1200" dirty="0"/>
+              <a:t>=i+1</a:t>
+            </a:r>
+          </a:p>
+          <a:p>
+            <a:pPr marL="0" indent="0" algn="just">
+              <a:buNone/>
+            </a:pPr>
+            <a:r>
+              <a:rPr lang="en-US" sz="1200" dirty="0"/>
+              <a:t>accuracy = </a:t>
+            </a:r>
+            <a:r>
+              <a:rPr lang="en-US" sz="1200" dirty="0" err="1"/>
+              <a:t>sfloat</a:t>
+            </a:r>
+            <a:r>
+              <a:rPr lang="en-US" sz="1200" dirty="0"/>
+              <a:t>(total) / </a:t>
+            </a:r>
+            <a:r>
+              <a:rPr lang="en-US" sz="1200" dirty="0" err="1"/>
+              <a:t>n_examples_test</a:t>
+            </a:r>
+            <a:r>
+              <a:rPr lang="en-US" sz="1200" dirty="0"/>
+              <a:t> * 100</a:t>
+            </a:r>
+          </a:p>
+          <a:p>
+            <a:pPr marL="0" indent="0" algn="just">
+              <a:buNone/>
+            </a:pPr>
+            <a:r>
+              <a:rPr lang="en-US" sz="1200" dirty="0" err="1"/>
+              <a:t>print_ln</a:t>
+            </a:r>
+            <a:r>
+              <a:rPr lang="en-US" sz="1200" dirty="0"/>
+              <a:t>('accuracy %s % ', </a:t>
+            </a:r>
+            <a:r>
+              <a:rPr lang="en-US" sz="1200" dirty="0" err="1"/>
+              <a:t>accuracy.reveal</a:t>
+            </a:r>
+            <a:r>
+              <a:rPr lang="en-US" sz="1200" dirty="0"/>
+              <a:t>())</a:t>
+            </a:r>
+          </a:p>
+        </p:txBody>
+      </p:sp>
+      <p:sp>
+        <p:nvSpPr>
+          <p:cNvPr id="2" name="Rectangle 1">
+            <a:extLst>
+              <a:ext uri="{FF2B5EF4-FFF2-40B4-BE49-F238E27FC236}">
+                <a16:creationId xmlns:a16="http://schemas.microsoft.com/office/drawing/2014/main" id="{737CA6A5-E047-9646-BC78-1915309FDCE1}"/>
+              </a:ext>
+            </a:extLst>
+          </p:cNvPr>
+          <p:cNvSpPr/>
+          <p:nvPr/>
+        </p:nvSpPr>
+        <p:spPr>
+          <a:xfrm>
+            <a:off x="179512" y="409228"/>
+            <a:ext cx="2244845" cy="369332"/>
+          </a:xfrm>
+          <a:prstGeom prst="rect">
+            <a:avLst/>
+          </a:prstGeom>
+        </p:spPr>
+        <p:txBody>
+          <a:bodyPr wrap="none">
+            <a:spAutoFit/>
+          </a:bodyPr>
+          <a:lstStyle/>
+          <a:p>
+            <a:r>
+              <a:rPr lang="en-US" b="1" dirty="0"/>
+              <a:t>Inference in MP-SPDZ</a:t>
+            </a:r>
+            <a:endParaRPr lang="en-BR" b="1" dirty="0"/>
+          </a:p>
+        </p:txBody>
+      </p:sp>
+      <p:sp>
+        <p:nvSpPr>
+          <p:cNvPr id="4" name="Rectangle 3">
+            <a:extLst>
+              <a:ext uri="{FF2B5EF4-FFF2-40B4-BE49-F238E27FC236}">
+                <a16:creationId xmlns:a16="http://schemas.microsoft.com/office/drawing/2014/main" id="{5106B2B1-7E76-024E-8C78-64A0915154F1}"/>
+              </a:ext>
+            </a:extLst>
+          </p:cNvPr>
+          <p:cNvSpPr/>
+          <p:nvPr/>
+        </p:nvSpPr>
+        <p:spPr>
+          <a:xfrm>
+            <a:off x="179512" y="39896"/>
+            <a:ext cx="8964488" cy="369332"/>
+          </a:xfrm>
+          <a:prstGeom prst="rect">
+            <a:avLst/>
+          </a:prstGeom>
+        </p:spPr>
+        <p:txBody>
+          <a:bodyPr wrap="square">
+            <a:spAutoFit/>
+          </a:bodyPr>
+          <a:lstStyle/>
+          <a:p>
+            <a:r>
+              <a:rPr lang="en-BR" dirty="0"/>
+              <a:t>https://github.com/ricardojmmaia/idash2021/blob/main/logistic_regression_idash2021.mpc</a:t>
+            </a:r>
+          </a:p>
+        </p:txBody>
+      </p:sp>
+    </p:spTree>
+    <p:extLst>
+      <p:ext uri="{BB962C8B-B14F-4D97-AF65-F5344CB8AC3E}">
+        <p14:creationId xmlns:p14="http://schemas.microsoft.com/office/powerpoint/2010/main" val="2369530810"/>
+      </p:ext>
+    </p:extLst>
+  </p:cSld>
+  <p:clrMapOvr>
+    <a:masterClrMapping/>
+  </p:clrMapOvr>
+</p:sld>
+</file>
+
+<file path=ppt/slides/slide7.xml><?xml version="1.0" encoding="utf-8"?>
 <p:sld xmlns:a="http://schemas.openxmlformats.org/drawingml/2006/main" xmlns:r="http://schemas.openxmlformats.org/officeDocument/2006/relationships" xmlns:p="http://schemas.openxmlformats.org/presentationml/2006/main">
   <p:cSld>
     <p:spTree>
@@ -3967,9 +8937,26 @@
           <a:lstStyle/>
           <a:p>
             <a:r>
-              <a:rPr lang="en-BR" sz="1400" dirty="0"/>
-              <a:t>https://github.com/ricardojmmaia/experiments_thesis/blob/main/idash2021/Logistic_Regression_Idash2021.ipynb</a:t>
-            </a:r>
+              <a:rPr lang="en-US" sz="1400" dirty="0"/>
+              <a:t>https://</a:t>
+            </a:r>
+            <a:r>
+              <a:rPr lang="en-US" sz="1400" dirty="0" err="1"/>
+              <a:t>github.com</a:t>
+            </a:r>
+            <a:r>
+              <a:rPr lang="en-US" sz="1400" dirty="0"/>
+              <a:t>/</a:t>
+            </a:r>
+            <a:r>
+              <a:rPr lang="en-US" sz="1400" dirty="0" err="1"/>
+              <a:t>ricardojmmaia</a:t>
+            </a:r>
+            <a:r>
+              <a:rPr lang="en-US" sz="1400" dirty="0"/>
+              <a:t>/idash2021/blob/main/Logistic_Regression_Idash2021.ipynb</a:t>
+            </a:r>
+            <a:endParaRPr lang="en-BR" sz="1400" dirty="0"/>
           </a:p>
         </p:txBody>
       </p:sp>
@@ -4008,11 +8995,27 @@
               <a:rPr lang="en-US" sz="1400" dirty="0"/>
               <a:t>test_x1, train_X1, test_y1, train_y1 from </a:t>
             </a:r>
-            <a:r>
-              <a:rPr lang="en-BR" sz="1400" dirty="0">
-                <a:hlinkClick r:id="rId3"/>
-              </a:rPr>
-              <a:t>https://github.com/ricardojmmaia/experiments_thesis/tree/main/idash2021/player0</a:t>
+          </a:p>
+          <a:p>
+            <a:r>
+              <a:rPr lang="en-US" sz="1400" dirty="0"/>
+              <a:t>https://</a:t>
+            </a:r>
+            <a:r>
+              <a:rPr lang="en-US" sz="1400" dirty="0" err="1"/>
+              <a:t>github.com</a:t>
+            </a:r>
+            <a:r>
+              <a:rPr lang="en-US" sz="1400" dirty="0"/>
+              <a:t>/</a:t>
+            </a:r>
+            <a:r>
+              <a:rPr lang="en-US" sz="1400" dirty="0" err="1"/>
+              <a:t>ricardojmmaia</a:t>
+            </a:r>
+            <a:r>
+              <a:rPr lang="en-US" sz="1400" dirty="0"/>
+              <a:t>/idash2021/tree/main/Player-Data</a:t>
             </a:r>
             <a:endParaRPr lang="en-BR" sz="1400" dirty="0"/>
           </a:p>
@@ -4031,7 +9034,7 @@
 </p:sld>
 </file>
 
-<file path=ppt/slides/slide3.xml><?xml version="1.0" encoding="utf-8"?>
+<file path=ppt/slides/slide8.xml><?xml version="1.0" encoding="utf-8"?>
 <p:sld xmlns:a="http://schemas.openxmlformats.org/drawingml/2006/main" xmlns:r="http://schemas.openxmlformats.org/officeDocument/2006/relationships" xmlns:p="http://schemas.openxmlformats.org/presentationml/2006/main">
   <p:cSld>
     <p:spTree>
@@ -4333,9 +9336,26 @@
           <a:lstStyle/>
           <a:p>
             <a:r>
-              <a:rPr lang="en-BR" sz="1400" dirty="0"/>
-              <a:t>https://github.com/ricardojmmaia/experiments_thesis/blob/main/idash2021/Logistic_Regression_Idash2021.ipynb</a:t>
-            </a:r>
+              <a:rPr lang="en-US" sz="1400" dirty="0"/>
+              <a:t>https://</a:t>
+            </a:r>
+            <a:r>
+              <a:rPr lang="en-US" sz="1400" dirty="0" err="1"/>
+              <a:t>github.com</a:t>
+            </a:r>
+            <a:r>
+              <a:rPr lang="en-US" sz="1400" dirty="0"/>
+              <a:t>/</a:t>
+            </a:r>
+            <a:r>
+              <a:rPr lang="en-US" sz="1400" dirty="0" err="1"/>
+              <a:t>ricardojmmaia</a:t>
+            </a:r>
+            <a:r>
+              <a:rPr lang="en-US" sz="1400" dirty="0"/>
+              <a:t>/idash2021/blob/main/Logistic_Regression_Idash2021.ipynb</a:t>
+            </a:r>
+            <a:endParaRPr lang="en-BR" sz="1400" dirty="0"/>
           </a:p>
         </p:txBody>
       </p:sp>
@@ -4374,11 +9394,27 @@
               <a:rPr lang="en-US" sz="1400" dirty="0"/>
               <a:t>test_x1, train_X1, test_y1, train_y1 from </a:t>
             </a:r>
-            <a:r>
-              <a:rPr lang="en-BR" sz="1400" dirty="0">
-                <a:hlinkClick r:id="rId3"/>
-              </a:rPr>
-              <a:t>https://github.com/ricardojmmaia/experiments_thesis/tree/main/idash2021/player0</a:t>
+          </a:p>
+          <a:p>
+            <a:r>
+              <a:rPr lang="en-US" sz="1400" dirty="0"/>
+              <a:t>https://</a:t>
+            </a:r>
+            <a:r>
+              <a:rPr lang="en-US" sz="1400" dirty="0" err="1"/>
+              <a:t>github.com</a:t>
+            </a:r>
+            <a:r>
+              <a:rPr lang="en-US" sz="1400" dirty="0"/>
+              <a:t>/</a:t>
+            </a:r>
+            <a:r>
+              <a:rPr lang="en-US" sz="1400" dirty="0" err="1"/>
+              <a:t>ricardojmmaia</a:t>
+            </a:r>
+            <a:r>
+              <a:rPr lang="en-US" sz="1400" dirty="0"/>
+              <a:t>/idash2021/tree/main/Player-Data</a:t>
             </a:r>
             <a:endParaRPr lang="en-BR" sz="1400" dirty="0"/>
           </a:p>
@@ -4397,7 +9433,7 @@
 </p:sld>
 </file>
 
-<file path=ppt/slides/slide4.xml><?xml version="1.0" encoding="utf-8"?>
+<file path=ppt/slides/slide9.xml><?xml version="1.0" encoding="utf-8"?>
 <p:sld xmlns:a="http://schemas.openxmlformats.org/drawingml/2006/main" xmlns:r="http://schemas.openxmlformats.org/officeDocument/2006/relationships" xmlns:p="http://schemas.openxmlformats.org/presentationml/2006/main">
   <p:cSld>
     <p:spTree>
@@ -4744,9 +9780,26 @@
           <a:lstStyle/>
           <a:p>
             <a:r>
-              <a:rPr lang="en-BR" sz="1400" dirty="0"/>
-              <a:t>https://github.com/ricardojmmaia/experiments_thesis/blob/main/idash2021/Logistic_Regression_Idash2021.ipynb</a:t>
-            </a:r>
+              <a:rPr lang="en-US" sz="1400" dirty="0"/>
+              <a:t>https://</a:t>
+            </a:r>
+            <a:r>
+              <a:rPr lang="en-US" sz="1400" dirty="0" err="1"/>
+              <a:t>github.com</a:t>
+            </a:r>
+            <a:r>
+              <a:rPr lang="en-US" sz="1400" dirty="0"/>
+              <a:t>/</a:t>
+            </a:r>
+            <a:r>
+              <a:rPr lang="en-US" sz="1400" dirty="0" err="1"/>
+              <a:t>ricardojmmaia</a:t>
+            </a:r>
+            <a:r>
+              <a:rPr lang="en-US" sz="1400" dirty="0"/>
+              <a:t>/idash2021/blob/main/Logistic_Regression_Idash2021.ipynb</a:t>
+            </a:r>
+            <a:endParaRPr lang="en-BR" sz="1400" dirty="0"/>
           </a:p>
         </p:txBody>
       </p:sp>
@@ -4785,11 +9838,27 @@
               <a:rPr lang="en-US" sz="1400" dirty="0"/>
               <a:t>test_x1, train_X1, test_y1, train_y1 from </a:t>
             </a:r>
-            <a:r>
-              <a:rPr lang="en-BR" sz="1400" dirty="0">
-                <a:hlinkClick r:id="rId3"/>
-              </a:rPr>
-              <a:t>https://github.com/ricardojmmaia/experiments_thesis/tree/main/idash2021/player0</a:t>
+          </a:p>
+          <a:p>
+            <a:r>
+              <a:rPr lang="en-US" sz="1400" dirty="0"/>
+              <a:t>https://</a:t>
+            </a:r>
+            <a:r>
+              <a:rPr lang="en-US" sz="1400" dirty="0" err="1"/>
+              <a:t>github.com</a:t>
+            </a:r>
+            <a:r>
+              <a:rPr lang="en-US" sz="1400" dirty="0"/>
+              <a:t>/</a:t>
+            </a:r>
+            <a:r>
+              <a:rPr lang="en-US" sz="1400" dirty="0" err="1"/>
+              <a:t>ricardojmmaia</a:t>
+            </a:r>
+            <a:r>
+              <a:rPr lang="en-US" sz="1400" dirty="0"/>
+              <a:t>/idash2021/tree/main/Player-Data</a:t>
             </a:r>
             <a:endParaRPr lang="en-BR" sz="1400" dirty="0"/>
           </a:p>
@@ -4799,1589 +9868,6 @@
     <p:extLst>
       <p:ext uri="{BB962C8B-B14F-4D97-AF65-F5344CB8AC3E}">
         <p14:creationId xmlns:p14="http://schemas.microsoft.com/office/powerpoint/2010/main" val="3994880618"/>
-      </p:ext>
-    </p:extLst>
-  </p:cSld>
-  <p:clrMapOvr>
-    <a:masterClrMapping/>
-  </p:clrMapOvr>
-</p:sld>
-</file>
-
-<file path=ppt/slides/slide5.xml><?xml version="1.0" encoding="utf-8"?>
-<p:sld xmlns:a="http://schemas.openxmlformats.org/drawingml/2006/main" xmlns:r="http://schemas.openxmlformats.org/officeDocument/2006/relationships" xmlns:p="http://schemas.openxmlformats.org/presentationml/2006/main">
-  <p:cSld>
-    <p:spTree>
-      <p:nvGrpSpPr>
-        <p:cNvPr id="1" name=""/>
-        <p:cNvGrpSpPr/>
-        <p:nvPr/>
-      </p:nvGrpSpPr>
-      <p:grpSpPr>
-        <a:xfrm>
-          <a:off x="0" y="0"/>
-          <a:ext cx="0" cy="0"/>
-          <a:chOff x="0" y="0"/>
-          <a:chExt cx="0" cy="0"/>
-        </a:xfrm>
-      </p:grpSpPr>
-      <p:sp>
-        <p:nvSpPr>
-          <p:cNvPr id="5" name="Content Placeholder 4">
-            <a:extLst>
-              <a:ext uri="{FF2B5EF4-FFF2-40B4-BE49-F238E27FC236}">
-                <a16:creationId xmlns:a16="http://schemas.microsoft.com/office/drawing/2014/main" id="{903CAD95-2577-8A4A-91F5-C69F5013222B}"/>
-              </a:ext>
-            </a:extLst>
-          </p:cNvPr>
-          <p:cNvSpPr>
-            <a:spLocks noGrp="1"/>
-          </p:cNvSpPr>
-          <p:nvPr>
-            <p:ph idx="1"/>
-          </p:nvPr>
-        </p:nvSpPr>
-        <p:spPr>
-          <a:xfrm>
-            <a:off x="323528" y="1129308"/>
-            <a:ext cx="7886700" cy="2217961"/>
-          </a:xfrm>
-        </p:spPr>
-        <p:txBody>
-          <a:bodyPr>
-            <a:noAutofit/>
-          </a:bodyPr>
-          <a:lstStyle/>
-          <a:p>
-            <a:pPr marL="0" indent="0">
-              <a:buNone/>
-            </a:pPr>
-            <a:r>
-              <a:rPr lang="en-US" sz="1400" dirty="0"/>
-              <a:t>#!/bin/bash</a:t>
-            </a:r>
-            <a:br>
-              <a:rPr lang="en-US" sz="1400" dirty="0"/>
-            </a:br>
-            <a:r>
-              <a:rPr lang="en-US" sz="1400" dirty="0"/>
-              <a:t>echo "experiments idash2021" &gt; </a:t>
-            </a:r>
-            <a:r>
-              <a:rPr lang="en-US" sz="1400" dirty="0" err="1"/>
-              <a:t>results.txt</a:t>
-            </a:r>
-            <a:br>
-              <a:rPr lang="en-US" sz="1400" dirty="0"/>
-            </a:br>
-            <a:r>
-              <a:rPr lang="en-US" sz="1400" dirty="0"/>
-              <a:t>for </a:t>
-            </a:r>
-            <a:r>
-              <a:rPr lang="en-US" sz="1400" dirty="0" err="1"/>
-              <a:t>i</a:t>
-            </a:r>
-            <a:r>
-              <a:rPr lang="en-US" sz="1400" dirty="0"/>
-              <a:t> in $(seq 1 30)</a:t>
-            </a:r>
-          </a:p>
-          <a:p>
-            <a:pPr marL="0" indent="0">
-              <a:buNone/>
-            </a:pPr>
-            <a:r>
-              <a:rPr lang="en-US" sz="1400" dirty="0"/>
-              <a:t>do</a:t>
-            </a:r>
-          </a:p>
-          <a:p>
-            <a:pPr marL="342900" lvl="1" indent="0">
-              <a:buNone/>
-            </a:pPr>
-            <a:r>
-              <a:rPr lang="en-US" sz="1400" dirty="0" err="1"/>
-              <a:t>n_examples_train</a:t>
-            </a:r>
-            <a:r>
-              <a:rPr lang="en-US" sz="1400" dirty="0"/>
-              <a:t>=700</a:t>
-            </a:r>
-          </a:p>
-          <a:p>
-            <a:pPr marL="342900" lvl="1" indent="0">
-              <a:buNone/>
-            </a:pPr>
-            <a:r>
-              <a:rPr lang="en-US" sz="1400" dirty="0" err="1"/>
-              <a:t>n_examples_test</a:t>
-            </a:r>
-            <a:r>
-              <a:rPr lang="en-US" sz="1400" dirty="0"/>
-              <a:t>=131</a:t>
-            </a:r>
-          </a:p>
-          <a:p>
-            <a:pPr marL="342900" lvl="1" indent="0">
-              <a:buNone/>
-            </a:pPr>
-            <a:r>
-              <a:rPr lang="en-US" sz="1400" dirty="0" err="1"/>
-              <a:t>n_features</a:t>
-            </a:r>
-            <a:r>
-              <a:rPr lang="en-US" sz="1400" dirty="0"/>
-              <a:t>=1874</a:t>
-            </a:r>
-          </a:p>
-          <a:p>
-            <a:pPr marL="342900" lvl="1" indent="0">
-              <a:buNone/>
-            </a:pPr>
-            <a:r>
-              <a:rPr lang="en-US" sz="1400" dirty="0" err="1"/>
-              <a:t>n_epochs</a:t>
-            </a:r>
-            <a:r>
-              <a:rPr lang="en-US" sz="1400" dirty="0"/>
-              <a:t>=200</a:t>
-            </a:r>
-          </a:p>
-          <a:p>
-            <a:pPr marL="342900" lvl="1" indent="0">
-              <a:buNone/>
-            </a:pPr>
-            <a:r>
-              <a:rPr lang="en-US" sz="1400" dirty="0" err="1"/>
-              <a:t>batch_size</a:t>
-            </a:r>
-            <a:r>
-              <a:rPr lang="en-US" sz="1400" dirty="0"/>
-              <a:t>=128</a:t>
-            </a:r>
-          </a:p>
-          <a:p>
-            <a:pPr marL="342900" lvl="1" indent="0">
-              <a:buNone/>
-            </a:pPr>
-            <a:r>
-              <a:rPr lang="en-US" sz="1400" dirty="0" err="1"/>
-              <a:t>param_report_loss</a:t>
-            </a:r>
-            <a:r>
-              <a:rPr lang="en-US" sz="1400" dirty="0"/>
-              <a:t>=True</a:t>
-            </a:r>
-          </a:p>
-          <a:p>
-            <a:pPr marL="342900" lvl="1" indent="0">
-              <a:buNone/>
-            </a:pPr>
-            <a:br>
-              <a:rPr lang="en-US" sz="1400" dirty="0"/>
-            </a:br>
-            <a:r>
-              <a:rPr lang="en-US" sz="1400" dirty="0"/>
-              <a:t>./</a:t>
-            </a:r>
-            <a:r>
-              <a:rPr lang="en-US" sz="1400" dirty="0" err="1"/>
-              <a:t>compile.py</a:t>
-            </a:r>
-            <a:r>
-              <a:rPr lang="en-US" sz="1400" dirty="0"/>
-              <a:t> -R 64 logistic_regression_idash2021 $</a:t>
-            </a:r>
-            <a:r>
-              <a:rPr lang="en-US" sz="1400" dirty="0" err="1"/>
-              <a:t>n_examples_train</a:t>
-            </a:r>
-            <a:r>
-              <a:rPr lang="en-US" sz="1400" dirty="0"/>
-              <a:t> $</a:t>
-            </a:r>
-            <a:r>
-              <a:rPr lang="en-US" sz="1400" dirty="0" err="1"/>
-              <a:t>n_examples_test</a:t>
-            </a:r>
-            <a:r>
-              <a:rPr lang="en-US" sz="1400" dirty="0"/>
-              <a:t> $</a:t>
-            </a:r>
-            <a:r>
-              <a:rPr lang="en-US" sz="1400" dirty="0" err="1"/>
-              <a:t>n_features</a:t>
-            </a:r>
-            <a:r>
-              <a:rPr lang="en-US" sz="1400" dirty="0"/>
-              <a:t> $</a:t>
-            </a:r>
-            <a:r>
-              <a:rPr lang="en-US" sz="1400" dirty="0" err="1"/>
-              <a:t>n_epochs</a:t>
-            </a:r>
-            <a:r>
-              <a:rPr lang="en-US" sz="1400" dirty="0"/>
-              <a:t> $</a:t>
-            </a:r>
-            <a:r>
-              <a:rPr lang="en-US" sz="1400" dirty="0" err="1"/>
-              <a:t>batch_size</a:t>
-            </a:r>
-            <a:r>
-              <a:rPr lang="en-US" sz="1400" dirty="0"/>
-              <a:t> $</a:t>
-            </a:r>
-            <a:r>
-              <a:rPr lang="en-US" sz="1400" dirty="0" err="1"/>
-              <a:t>param_report_loss</a:t>
-            </a:r>
-            <a:r>
-              <a:rPr lang="en-US" sz="1400" dirty="0"/>
-              <a:t> &gt;&gt; </a:t>
-            </a:r>
-            <a:r>
-              <a:rPr lang="en-US" sz="1400" dirty="0" err="1"/>
-              <a:t>results.txt</a:t>
-            </a:r>
-            <a:endParaRPr lang="en-US" sz="1400" dirty="0"/>
-          </a:p>
-          <a:p>
-            <a:pPr marL="342900" lvl="1" indent="0">
-              <a:buNone/>
-            </a:pPr>
-            <a:br>
-              <a:rPr lang="en-US" sz="1400" dirty="0"/>
-            </a:br>
-            <a:r>
-              <a:rPr lang="en-US" sz="1400" dirty="0"/>
-              <a:t>Scripts/</a:t>
-            </a:r>
-            <a:r>
-              <a:rPr lang="en-US" sz="1400" dirty="0" err="1"/>
-              <a:t>ring.sh</a:t>
-            </a:r>
-            <a:r>
-              <a:rPr lang="en-US" sz="1400" dirty="0"/>
-              <a:t> logistic_regression_idash2021-$</a:t>
-            </a:r>
-            <a:r>
-              <a:rPr lang="en-US" sz="1400" dirty="0" err="1"/>
-              <a:t>n_examples_train</a:t>
-            </a:r>
-            <a:r>
-              <a:rPr lang="en-US" sz="1400" dirty="0"/>
-              <a:t>-$</a:t>
-            </a:r>
-            <a:r>
-              <a:rPr lang="en-US" sz="1400" dirty="0" err="1"/>
-              <a:t>n_examples_test</a:t>
-            </a:r>
-            <a:r>
-              <a:rPr lang="en-US" sz="1400" dirty="0"/>
-              <a:t>-$</a:t>
-            </a:r>
-            <a:r>
-              <a:rPr lang="en-US" sz="1400" dirty="0" err="1"/>
-              <a:t>n_features</a:t>
-            </a:r>
-            <a:r>
-              <a:rPr lang="en-US" sz="1400" dirty="0"/>
-              <a:t>-$</a:t>
-            </a:r>
-            <a:r>
-              <a:rPr lang="en-US" sz="1400" dirty="0" err="1"/>
-              <a:t>n_epochs</a:t>
-            </a:r>
-            <a:r>
-              <a:rPr lang="en-US" sz="1400" dirty="0"/>
-              <a:t>-$</a:t>
-            </a:r>
-            <a:r>
-              <a:rPr lang="en-US" sz="1400" dirty="0" err="1"/>
-              <a:t>batch_size</a:t>
-            </a:r>
-            <a:r>
-              <a:rPr lang="en-US" sz="1400" dirty="0"/>
-              <a:t>-$</a:t>
-            </a:r>
-            <a:r>
-              <a:rPr lang="en-US" sz="1400" dirty="0" err="1"/>
-              <a:t>param_report_loss</a:t>
-            </a:r>
-            <a:r>
-              <a:rPr lang="en-US" sz="1400" dirty="0"/>
-              <a:t> &gt;&gt; </a:t>
-            </a:r>
-            <a:r>
-              <a:rPr lang="en-US" sz="1400" dirty="0" err="1"/>
-              <a:t>results.txt</a:t>
-            </a:r>
-            <a:endParaRPr lang="en-US" sz="1400" dirty="0"/>
-          </a:p>
-          <a:p>
-            <a:pPr marL="0" indent="0">
-              <a:buNone/>
-            </a:pPr>
-            <a:r>
-              <a:rPr lang="en-US" sz="1400" dirty="0"/>
-              <a:t>done</a:t>
-            </a:r>
-            <a:br>
-              <a:rPr lang="en-US" sz="1400" dirty="0"/>
-            </a:br>
-            <a:r>
-              <a:rPr lang="en-US" sz="1400" dirty="0"/>
-              <a:t>cat </a:t>
-            </a:r>
-            <a:r>
-              <a:rPr lang="en-US" sz="1400" dirty="0" err="1"/>
-              <a:t>results.txt</a:t>
-            </a:r>
-            <a:r>
-              <a:rPr lang="en-US" sz="1400" dirty="0"/>
-              <a:t> | grep accuracy</a:t>
-            </a:r>
-          </a:p>
-        </p:txBody>
-      </p:sp>
-      <p:sp>
-        <p:nvSpPr>
-          <p:cNvPr id="2" name="Rectangle 1">
-            <a:extLst>
-              <a:ext uri="{FF2B5EF4-FFF2-40B4-BE49-F238E27FC236}">
-                <a16:creationId xmlns:a16="http://schemas.microsoft.com/office/drawing/2014/main" id="{460A1D01-2EB1-AC4C-9BDB-F87DDF9D0BA5}"/>
-              </a:ext>
-            </a:extLst>
-          </p:cNvPr>
-          <p:cNvSpPr/>
-          <p:nvPr/>
-        </p:nvSpPr>
-        <p:spPr>
-          <a:xfrm>
-            <a:off x="616953" y="481236"/>
-            <a:ext cx="3502049" cy="369332"/>
-          </a:xfrm>
-          <a:prstGeom prst="rect">
-            <a:avLst/>
-          </a:prstGeom>
-        </p:spPr>
-        <p:txBody>
-          <a:bodyPr wrap="none">
-            <a:spAutoFit/>
-          </a:bodyPr>
-          <a:lstStyle/>
-          <a:p>
-            <a:r>
-              <a:rPr lang="en-US" b="1" dirty="0"/>
-              <a:t>Script using Replicated in MP-SPDZ</a:t>
-            </a:r>
-            <a:endParaRPr lang="en-BR" b="1" dirty="0"/>
-          </a:p>
-        </p:txBody>
-      </p:sp>
-    </p:spTree>
-    <p:extLst>
-      <p:ext uri="{BB962C8B-B14F-4D97-AF65-F5344CB8AC3E}">
-        <p14:creationId xmlns:p14="http://schemas.microsoft.com/office/powerpoint/2010/main" val="1782980985"/>
-      </p:ext>
-    </p:extLst>
-  </p:cSld>
-  <p:clrMapOvr>
-    <a:masterClrMapping/>
-  </p:clrMapOvr>
-</p:sld>
-</file>
-
-<file path=ppt/slides/slide6.xml><?xml version="1.0" encoding="utf-8"?>
-<p:sld xmlns:a="http://schemas.openxmlformats.org/drawingml/2006/main" xmlns:r="http://schemas.openxmlformats.org/officeDocument/2006/relationships" xmlns:p="http://schemas.openxmlformats.org/presentationml/2006/main">
-  <p:cSld>
-    <p:spTree>
-      <p:nvGrpSpPr>
-        <p:cNvPr id="1" name=""/>
-        <p:cNvGrpSpPr/>
-        <p:nvPr/>
-      </p:nvGrpSpPr>
-      <p:grpSpPr>
-        <a:xfrm>
-          <a:off x="0" y="0"/>
-          <a:ext cx="0" cy="0"/>
-          <a:chOff x="0" y="0"/>
-          <a:chExt cx="0" cy="0"/>
-        </a:xfrm>
-      </p:grpSpPr>
-      <p:sp>
-        <p:nvSpPr>
-          <p:cNvPr id="5" name="Content Placeholder 4">
-            <a:extLst>
-              <a:ext uri="{FF2B5EF4-FFF2-40B4-BE49-F238E27FC236}">
-                <a16:creationId xmlns:a16="http://schemas.microsoft.com/office/drawing/2014/main" id="{903CAD95-2577-8A4A-91F5-C69F5013222B}"/>
-              </a:ext>
-            </a:extLst>
-          </p:cNvPr>
-          <p:cNvSpPr>
-            <a:spLocks noGrp="1"/>
-          </p:cNvSpPr>
-          <p:nvPr>
-            <p:ph idx="1"/>
-          </p:nvPr>
-        </p:nvSpPr>
-        <p:spPr>
-          <a:xfrm>
-            <a:off x="251520" y="884423"/>
-            <a:ext cx="8568952" cy="3946153"/>
-          </a:xfrm>
-        </p:spPr>
-        <p:txBody>
-          <a:bodyPr>
-            <a:noAutofit/>
-          </a:bodyPr>
-          <a:lstStyle/>
-          <a:p>
-            <a:pPr marL="0" indent="0" algn="just">
-              <a:buNone/>
-            </a:pPr>
-            <a:r>
-              <a:rPr lang="en-US" sz="1200" dirty="0"/>
-              <a:t>from Compiler import ml</a:t>
-            </a:r>
-          </a:p>
-          <a:p>
-            <a:pPr marL="0" indent="0" algn="just">
-              <a:buNone/>
-            </a:pPr>
-            <a:r>
-              <a:rPr lang="en-US" sz="1200" dirty="0" err="1"/>
-              <a:t>program.options_from_args</a:t>
-            </a:r>
-            <a:r>
-              <a:rPr lang="en-US" sz="1200" dirty="0"/>
-              <a:t>()</a:t>
-            </a:r>
-          </a:p>
-          <a:p>
-            <a:pPr marL="0" indent="0" algn="just">
-              <a:buNone/>
-            </a:pPr>
-            <a:r>
-              <a:rPr lang="en-US" sz="1200" dirty="0"/>
-              <a:t>try:</a:t>
-            </a:r>
-          </a:p>
-          <a:p>
-            <a:pPr marL="0" indent="0" algn="just">
-              <a:buNone/>
-            </a:pPr>
-            <a:r>
-              <a:rPr lang="en-US" sz="1200" dirty="0"/>
-              <a:t>    # parameters by </a:t>
-            </a:r>
-            <a:r>
-              <a:rPr lang="en-US" sz="1200" dirty="0" err="1"/>
-              <a:t>args</a:t>
-            </a:r>
-            <a:endParaRPr lang="en-US" sz="1200" dirty="0"/>
-          </a:p>
-          <a:p>
-            <a:pPr marL="0" indent="0" algn="just">
-              <a:buNone/>
-            </a:pPr>
-            <a:r>
-              <a:rPr lang="en-US" sz="1200" dirty="0"/>
-              <a:t>    </a:t>
-            </a:r>
-            <a:r>
-              <a:rPr lang="en-US" sz="1200" dirty="0" err="1"/>
-              <a:t>n_examples_train</a:t>
-            </a:r>
-            <a:r>
-              <a:rPr lang="en-US" sz="1200" dirty="0"/>
-              <a:t>=int(</a:t>
-            </a:r>
-            <a:r>
-              <a:rPr lang="en-US" sz="1200" dirty="0" err="1"/>
-              <a:t>program.args</a:t>
-            </a:r>
-            <a:r>
-              <a:rPr lang="en-US" sz="1200" dirty="0"/>
-              <a:t>[1])</a:t>
-            </a:r>
-          </a:p>
-          <a:p>
-            <a:pPr marL="0" indent="0" algn="just">
-              <a:buNone/>
-            </a:pPr>
-            <a:r>
-              <a:rPr lang="en-US" sz="1200" dirty="0"/>
-              <a:t>    </a:t>
-            </a:r>
-            <a:r>
-              <a:rPr lang="en-US" sz="1200" dirty="0" err="1"/>
-              <a:t>n_examples_test</a:t>
-            </a:r>
-            <a:r>
-              <a:rPr lang="en-US" sz="1200" dirty="0"/>
-              <a:t>=int(</a:t>
-            </a:r>
-            <a:r>
-              <a:rPr lang="en-US" sz="1200" dirty="0" err="1"/>
-              <a:t>program.args</a:t>
-            </a:r>
-            <a:r>
-              <a:rPr lang="en-US" sz="1200" dirty="0"/>
-              <a:t>[2])</a:t>
-            </a:r>
-          </a:p>
-          <a:p>
-            <a:pPr marL="0" indent="0" algn="just">
-              <a:buNone/>
-            </a:pPr>
-            <a:r>
-              <a:rPr lang="en-US" sz="1200" dirty="0"/>
-              <a:t>    </a:t>
-            </a:r>
-            <a:r>
-              <a:rPr lang="en-US" sz="1200" dirty="0" err="1"/>
-              <a:t>n_features</a:t>
-            </a:r>
-            <a:r>
-              <a:rPr lang="en-US" sz="1200" dirty="0"/>
-              <a:t>=int(</a:t>
-            </a:r>
-            <a:r>
-              <a:rPr lang="en-US" sz="1200" dirty="0" err="1"/>
-              <a:t>program.args</a:t>
-            </a:r>
-            <a:r>
-              <a:rPr lang="en-US" sz="1200" dirty="0"/>
-              <a:t>[3])</a:t>
-            </a:r>
-          </a:p>
-          <a:p>
-            <a:pPr marL="0" indent="0" algn="just">
-              <a:buNone/>
-            </a:pPr>
-            <a:r>
-              <a:rPr lang="en-US" sz="1200" dirty="0"/>
-              <a:t>    </a:t>
-            </a:r>
-            <a:r>
-              <a:rPr lang="en-US" sz="1200" dirty="0" err="1"/>
-              <a:t>n_epochs</a:t>
-            </a:r>
-            <a:r>
-              <a:rPr lang="en-US" sz="1200" dirty="0"/>
-              <a:t>=int(</a:t>
-            </a:r>
-            <a:r>
-              <a:rPr lang="en-US" sz="1200" dirty="0" err="1"/>
-              <a:t>program.args</a:t>
-            </a:r>
-            <a:r>
-              <a:rPr lang="en-US" sz="1200" dirty="0"/>
-              <a:t>[4])</a:t>
-            </a:r>
-          </a:p>
-          <a:p>
-            <a:pPr marL="0" indent="0" algn="just">
-              <a:buNone/>
-            </a:pPr>
-            <a:r>
-              <a:rPr lang="en-US" sz="1200" dirty="0"/>
-              <a:t>    </a:t>
-            </a:r>
-            <a:r>
-              <a:rPr lang="en-US" sz="1200" dirty="0" err="1"/>
-              <a:t>batch_size</a:t>
-            </a:r>
-            <a:r>
-              <a:rPr lang="en-US" sz="1200" dirty="0"/>
-              <a:t>=int(</a:t>
-            </a:r>
-            <a:r>
-              <a:rPr lang="en-US" sz="1200" dirty="0" err="1"/>
-              <a:t>program.args</a:t>
-            </a:r>
-            <a:r>
-              <a:rPr lang="en-US" sz="1200" dirty="0"/>
-              <a:t>[5])</a:t>
-            </a:r>
-          </a:p>
-          <a:p>
-            <a:pPr marL="0" indent="0" algn="just">
-              <a:buNone/>
-            </a:pPr>
-            <a:r>
-              <a:rPr lang="en-US" sz="1200" dirty="0"/>
-              <a:t>    </a:t>
-            </a:r>
-            <a:r>
-              <a:rPr lang="en-US" sz="1200" dirty="0" err="1"/>
-              <a:t>param_report_loss</a:t>
-            </a:r>
-            <a:r>
-              <a:rPr lang="en-US" sz="1200" dirty="0"/>
-              <a:t>=</a:t>
-            </a:r>
-            <a:r>
-              <a:rPr lang="en-US" sz="1200" dirty="0" err="1"/>
-              <a:t>program.args</a:t>
-            </a:r>
-            <a:r>
-              <a:rPr lang="en-US" sz="1200" dirty="0"/>
-              <a:t>[6]</a:t>
-            </a:r>
-          </a:p>
-          <a:p>
-            <a:pPr marL="0" indent="0" algn="just">
-              <a:buNone/>
-            </a:pPr>
-            <a:r>
-              <a:rPr lang="en-US" sz="1200" dirty="0"/>
-              <a:t>except:</a:t>
-            </a:r>
-          </a:p>
-          <a:p>
-            <a:pPr marL="0" indent="0" algn="just">
-              <a:buNone/>
-            </a:pPr>
-            <a:r>
-              <a:rPr lang="en-US" sz="1200" dirty="0"/>
-              <a:t>    # parameters default</a:t>
-            </a:r>
-          </a:p>
-          <a:p>
-            <a:pPr marL="0" indent="0" algn="just">
-              <a:buNone/>
-            </a:pPr>
-            <a:r>
-              <a:rPr lang="en-US" sz="1200" dirty="0"/>
-              <a:t>    </a:t>
-            </a:r>
-            <a:r>
-              <a:rPr lang="en-US" sz="1200" dirty="0" err="1"/>
-              <a:t>n_examples_train</a:t>
-            </a:r>
-            <a:r>
-              <a:rPr lang="en-US" sz="1200" dirty="0"/>
-              <a:t>=700</a:t>
-            </a:r>
-          </a:p>
-          <a:p>
-            <a:pPr marL="0" indent="0" algn="just">
-              <a:buNone/>
-            </a:pPr>
-            <a:r>
-              <a:rPr lang="en-US" sz="1200" dirty="0"/>
-              <a:t>    </a:t>
-            </a:r>
-            <a:r>
-              <a:rPr lang="en-US" sz="1200" dirty="0" err="1"/>
-              <a:t>n_examples_test</a:t>
-            </a:r>
-            <a:r>
-              <a:rPr lang="en-US" sz="1200" dirty="0"/>
-              <a:t>=131</a:t>
-            </a:r>
-          </a:p>
-          <a:p>
-            <a:pPr marL="0" indent="0" algn="just">
-              <a:buNone/>
-            </a:pPr>
-            <a:r>
-              <a:rPr lang="en-US" sz="1200" dirty="0"/>
-              <a:t>    </a:t>
-            </a:r>
-            <a:r>
-              <a:rPr lang="en-US" sz="1200" dirty="0" err="1"/>
-              <a:t>n_features</a:t>
-            </a:r>
-            <a:r>
-              <a:rPr lang="en-US" sz="1200" dirty="0"/>
-              <a:t>=1874</a:t>
-            </a:r>
-          </a:p>
-          <a:p>
-            <a:pPr marL="0" indent="0" algn="just">
-              <a:buNone/>
-            </a:pPr>
-            <a:r>
-              <a:rPr lang="en-US" sz="1200" dirty="0"/>
-              <a:t>    </a:t>
-            </a:r>
-            <a:r>
-              <a:rPr lang="en-US" sz="1200" dirty="0" err="1"/>
-              <a:t>n_epochs</a:t>
-            </a:r>
-            <a:r>
-              <a:rPr lang="en-US" sz="1200" dirty="0"/>
-              <a:t>=10</a:t>
-            </a:r>
-          </a:p>
-          <a:p>
-            <a:pPr marL="0" indent="0" algn="just">
-              <a:buNone/>
-            </a:pPr>
-            <a:r>
-              <a:rPr lang="en-US" sz="1200" dirty="0"/>
-              <a:t>    </a:t>
-            </a:r>
-            <a:r>
-              <a:rPr lang="en-US" sz="1200" dirty="0" err="1"/>
-              <a:t>batch_size</a:t>
-            </a:r>
-            <a:r>
-              <a:rPr lang="en-US" sz="1200" dirty="0"/>
-              <a:t>=128</a:t>
-            </a:r>
-          </a:p>
-          <a:p>
-            <a:pPr marL="0" indent="0" algn="just">
-              <a:buNone/>
-            </a:pPr>
-            <a:r>
-              <a:rPr lang="en-US" sz="1200" dirty="0"/>
-              <a:t>    </a:t>
-            </a:r>
-            <a:r>
-              <a:rPr lang="en-US" sz="1200" dirty="0" err="1"/>
-              <a:t>param_report_loss</a:t>
-            </a:r>
-            <a:r>
-              <a:rPr lang="en-US" sz="1200" dirty="0"/>
-              <a:t>=True</a:t>
-            </a:r>
-          </a:p>
-        </p:txBody>
-      </p:sp>
-      <p:sp>
-        <p:nvSpPr>
-          <p:cNvPr id="2" name="Rectangle 1">
-            <a:extLst>
-              <a:ext uri="{FF2B5EF4-FFF2-40B4-BE49-F238E27FC236}">
-                <a16:creationId xmlns:a16="http://schemas.microsoft.com/office/drawing/2014/main" id="{0AA17237-F0AE-3B48-9413-0E188688CC1F}"/>
-              </a:ext>
-            </a:extLst>
-          </p:cNvPr>
-          <p:cNvSpPr/>
-          <p:nvPr/>
-        </p:nvSpPr>
-        <p:spPr>
-          <a:xfrm>
-            <a:off x="539552" y="382865"/>
-            <a:ext cx="2530565" cy="369332"/>
-          </a:xfrm>
-          <a:prstGeom prst="rect">
-            <a:avLst/>
-          </a:prstGeom>
-        </p:spPr>
-        <p:txBody>
-          <a:bodyPr wrap="none">
-            <a:spAutoFit/>
-          </a:bodyPr>
-          <a:lstStyle/>
-          <a:p>
-            <a:r>
-              <a:rPr lang="en-US" b="1" dirty="0"/>
-              <a:t>Parameters for MP-SPDZ</a:t>
-            </a:r>
-            <a:endParaRPr lang="en-BR" b="1" dirty="0"/>
-          </a:p>
-        </p:txBody>
-      </p:sp>
-    </p:spTree>
-    <p:extLst>
-      <p:ext uri="{BB962C8B-B14F-4D97-AF65-F5344CB8AC3E}">
-        <p14:creationId xmlns:p14="http://schemas.microsoft.com/office/powerpoint/2010/main" val="377894882"/>
-      </p:ext>
-    </p:extLst>
-  </p:cSld>
-  <p:clrMapOvr>
-    <a:masterClrMapping/>
-  </p:clrMapOvr>
-</p:sld>
-</file>
-
-<file path=ppt/slides/slide7.xml><?xml version="1.0" encoding="utf-8"?>
-<p:sld xmlns:a="http://schemas.openxmlformats.org/drawingml/2006/main" xmlns:r="http://schemas.openxmlformats.org/officeDocument/2006/relationships" xmlns:p="http://schemas.openxmlformats.org/presentationml/2006/main">
-  <p:cSld>
-    <p:spTree>
-      <p:nvGrpSpPr>
-        <p:cNvPr id="1" name=""/>
-        <p:cNvGrpSpPr/>
-        <p:nvPr/>
-      </p:nvGrpSpPr>
-      <p:grpSpPr>
-        <a:xfrm>
-          <a:off x="0" y="0"/>
-          <a:ext cx="0" cy="0"/>
-          <a:chOff x="0" y="0"/>
-          <a:chExt cx="0" cy="0"/>
-        </a:xfrm>
-      </p:grpSpPr>
-      <p:sp>
-        <p:nvSpPr>
-          <p:cNvPr id="5" name="Content Placeholder 4">
-            <a:extLst>
-              <a:ext uri="{FF2B5EF4-FFF2-40B4-BE49-F238E27FC236}">
-                <a16:creationId xmlns:a16="http://schemas.microsoft.com/office/drawing/2014/main" id="{903CAD95-2577-8A4A-91F5-C69F5013222B}"/>
-              </a:ext>
-            </a:extLst>
-          </p:cNvPr>
-          <p:cNvSpPr>
-            <a:spLocks noGrp="1"/>
-          </p:cNvSpPr>
-          <p:nvPr>
-            <p:ph idx="1"/>
-          </p:nvPr>
-        </p:nvSpPr>
-        <p:spPr>
-          <a:xfrm>
-            <a:off x="628650" y="1201316"/>
-            <a:ext cx="7886700" cy="3946153"/>
-          </a:xfrm>
-        </p:spPr>
-        <p:txBody>
-          <a:bodyPr>
-            <a:noAutofit/>
-          </a:bodyPr>
-          <a:lstStyle/>
-          <a:p>
-            <a:pPr marL="0" indent="0" algn="just">
-              <a:buNone/>
-            </a:pPr>
-            <a:r>
-              <a:rPr lang="en-US" sz="1600" dirty="0"/>
-              <a:t># Train</a:t>
-            </a:r>
-          </a:p>
-          <a:p>
-            <a:pPr marL="0" indent="0" algn="just">
-              <a:buNone/>
-            </a:pPr>
-            <a:r>
-              <a:rPr lang="en-US" sz="1600" dirty="0" err="1"/>
-              <a:t>start_timer</a:t>
-            </a:r>
-            <a:r>
-              <a:rPr lang="en-US" sz="1600" dirty="0"/>
-              <a:t>(10)</a:t>
-            </a:r>
-          </a:p>
-          <a:p>
-            <a:pPr marL="0" indent="0" algn="just">
-              <a:buNone/>
-            </a:pPr>
-            <a:r>
-              <a:rPr lang="en-US" sz="1600" dirty="0" err="1"/>
-              <a:t>start_timer</a:t>
-            </a:r>
-            <a:r>
-              <a:rPr lang="en-US" sz="1600" dirty="0"/>
-              <a:t>(20)</a:t>
-            </a:r>
-          </a:p>
-          <a:p>
-            <a:pPr marL="0" indent="0" algn="just">
-              <a:buNone/>
-            </a:pPr>
-            <a:endParaRPr lang="en-US" sz="1600" dirty="0"/>
-          </a:p>
-          <a:p>
-            <a:pPr marL="0" indent="0" algn="just">
-              <a:buNone/>
-            </a:pPr>
-            <a:r>
-              <a:rPr lang="en-US" sz="1600" dirty="0"/>
-              <a:t>dense = </a:t>
-            </a:r>
-            <a:r>
-              <a:rPr lang="en-US" sz="1600" dirty="0" err="1"/>
-              <a:t>ml.Dense</a:t>
-            </a:r>
-            <a:r>
-              <a:rPr lang="en-US" sz="1600" dirty="0"/>
-              <a:t>(</a:t>
-            </a:r>
-            <a:r>
-              <a:rPr lang="en-US" sz="1600" dirty="0" err="1"/>
-              <a:t>n_examples_train</a:t>
-            </a:r>
-            <a:r>
-              <a:rPr lang="en-US" sz="1600" dirty="0"/>
-              <a:t>, </a:t>
-            </a:r>
-            <a:r>
-              <a:rPr lang="en-US" sz="1600" dirty="0" err="1"/>
-              <a:t>n_features</a:t>
-            </a:r>
-            <a:r>
-              <a:rPr lang="en-US" sz="1600" dirty="0"/>
-              <a:t>, 1)</a:t>
-            </a:r>
-          </a:p>
-          <a:p>
-            <a:pPr marL="0" indent="0" algn="just">
-              <a:buNone/>
-            </a:pPr>
-            <a:r>
-              <a:rPr lang="en-US" sz="1600" dirty="0"/>
-              <a:t>layers = [dense, </a:t>
-            </a:r>
-            <a:r>
-              <a:rPr lang="en-US" sz="1600" dirty="0" err="1"/>
-              <a:t>ml.Output</a:t>
-            </a:r>
-            <a:r>
-              <a:rPr lang="en-US" sz="1600" dirty="0"/>
-              <a:t>(</a:t>
-            </a:r>
-            <a:r>
-              <a:rPr lang="en-US" sz="1600" dirty="0" err="1"/>
-              <a:t>n_examples_train</a:t>
-            </a:r>
-            <a:r>
-              <a:rPr lang="en-US" sz="1600" dirty="0"/>
-              <a:t>, </a:t>
-            </a:r>
-            <a:r>
-              <a:rPr lang="en-US" sz="1600" dirty="0" err="1"/>
-              <a:t>approx</a:t>
-            </a:r>
-            <a:r>
-              <a:rPr lang="en-US" sz="1600" dirty="0"/>
-              <a:t>=True)]</a:t>
-            </a:r>
-          </a:p>
-          <a:p>
-            <a:pPr marL="0" indent="0" algn="just">
-              <a:buNone/>
-            </a:pPr>
-            <a:r>
-              <a:rPr lang="en-US" sz="1600" dirty="0" err="1"/>
-              <a:t>sgd</a:t>
-            </a:r>
-            <a:r>
-              <a:rPr lang="en-US" sz="1600" dirty="0"/>
-              <a:t> = </a:t>
-            </a:r>
-            <a:r>
-              <a:rPr lang="en-US" sz="1600" dirty="0" err="1"/>
-              <a:t>ml.SGD</a:t>
-            </a:r>
-            <a:r>
-              <a:rPr lang="en-US" sz="1600" dirty="0"/>
-              <a:t>(layers, </a:t>
-            </a:r>
-            <a:r>
-              <a:rPr lang="en-US" sz="1600" dirty="0" err="1"/>
-              <a:t>n_epochs</a:t>
-            </a:r>
-            <a:r>
-              <a:rPr lang="en-US" sz="1600" dirty="0"/>
-              <a:t>, debug=False, </a:t>
-            </a:r>
-            <a:r>
-              <a:rPr lang="en-US" sz="1600" dirty="0" err="1"/>
-              <a:t>report_loss</a:t>
-            </a:r>
-            <a:r>
-              <a:rPr lang="en-US" sz="1600" dirty="0"/>
-              <a:t>=</a:t>
-            </a:r>
-            <a:r>
-              <a:rPr lang="en-US" sz="1600" dirty="0" err="1"/>
-              <a:t>param_report_loss</a:t>
-            </a:r>
-            <a:r>
-              <a:rPr lang="en-US" sz="1600" dirty="0"/>
-              <a:t>)</a:t>
-            </a:r>
-          </a:p>
-          <a:p>
-            <a:pPr marL="0" indent="0" algn="just">
-              <a:buNone/>
-            </a:pPr>
-            <a:r>
-              <a:rPr lang="en-US" sz="1600" dirty="0" err="1"/>
-              <a:t>sgd.layers</a:t>
-            </a:r>
-            <a:r>
-              <a:rPr lang="en-US" sz="1600" dirty="0"/>
-              <a:t>[0].</a:t>
-            </a:r>
-            <a:r>
-              <a:rPr lang="en-US" sz="1600" dirty="0" err="1"/>
-              <a:t>X.input_from</a:t>
-            </a:r>
-            <a:r>
-              <a:rPr lang="en-US" sz="1600" dirty="0"/>
-              <a:t>(0)</a:t>
-            </a:r>
-          </a:p>
-          <a:p>
-            <a:pPr marL="0" indent="0" algn="just">
-              <a:buNone/>
-            </a:pPr>
-            <a:r>
-              <a:rPr lang="en-US" sz="1600" dirty="0" err="1"/>
-              <a:t>sgd.layers</a:t>
-            </a:r>
-            <a:r>
-              <a:rPr lang="en-US" sz="1600" dirty="0"/>
-              <a:t>[1].</a:t>
-            </a:r>
-            <a:r>
-              <a:rPr lang="en-US" sz="1600" dirty="0" err="1"/>
-              <a:t>Y.input_from</a:t>
-            </a:r>
-            <a:r>
-              <a:rPr lang="en-US" sz="1600" dirty="0"/>
-              <a:t>(0)</a:t>
-            </a:r>
-          </a:p>
-          <a:p>
-            <a:pPr marL="0" indent="0" algn="just">
-              <a:buNone/>
-            </a:pPr>
-            <a:r>
-              <a:rPr lang="en-US" sz="1600" dirty="0" err="1"/>
-              <a:t>sgd.reset</a:t>
-            </a:r>
-            <a:r>
-              <a:rPr lang="en-US" sz="1600" dirty="0"/>
-              <a:t>()</a:t>
-            </a:r>
-          </a:p>
-          <a:p>
-            <a:pPr marL="0" indent="0" algn="just">
-              <a:buNone/>
-            </a:pPr>
-            <a:r>
-              <a:rPr lang="en-US" sz="1600" dirty="0" err="1"/>
-              <a:t>sgd.run</a:t>
-            </a:r>
-            <a:r>
-              <a:rPr lang="en-US" sz="1600" dirty="0"/>
-              <a:t>(</a:t>
-            </a:r>
-            <a:r>
-              <a:rPr lang="en-US" sz="1600" dirty="0" err="1"/>
-              <a:t>batch_size</a:t>
-            </a:r>
-            <a:r>
-              <a:rPr lang="en-US" sz="1600" dirty="0"/>
-              <a:t>=</a:t>
-            </a:r>
-            <a:r>
-              <a:rPr lang="en-US" sz="1600" dirty="0" err="1"/>
-              <a:t>batch_size</a:t>
-            </a:r>
-            <a:r>
-              <a:rPr lang="en-US" sz="1600" dirty="0"/>
-              <a:t>)</a:t>
-            </a:r>
-          </a:p>
-          <a:p>
-            <a:pPr marL="0" indent="0" algn="just">
-              <a:buNone/>
-            </a:pPr>
-            <a:r>
-              <a:rPr lang="en-US" sz="1600" dirty="0" err="1"/>
-              <a:t>stop_timer</a:t>
-            </a:r>
-            <a:r>
-              <a:rPr lang="en-US" sz="1600" dirty="0"/>
-              <a:t>(20)</a:t>
-            </a:r>
-          </a:p>
-          <a:p>
-            <a:pPr marL="0" indent="0" algn="just">
-              <a:buNone/>
-            </a:pPr>
-            <a:r>
-              <a:rPr lang="en-US" sz="1600" dirty="0"/>
-              <a:t>#</a:t>
-            </a:r>
-            <a:r>
-              <a:rPr lang="en-US" sz="1600" dirty="0" err="1"/>
-              <a:t>print_ln</a:t>
-            </a:r>
-            <a:r>
-              <a:rPr lang="en-US" sz="1600" dirty="0"/>
-              <a:t>('</a:t>
-            </a:r>
-            <a:r>
-              <a:rPr lang="en-US" sz="1600" dirty="0" err="1"/>
-              <a:t>trainLabel</a:t>
-            </a:r>
-            <a:r>
-              <a:rPr lang="en-US" sz="1600" dirty="0"/>
-              <a:t>: %s', [</a:t>
-            </a:r>
-            <a:r>
-              <a:rPr lang="en-US" sz="1600" dirty="0" err="1"/>
-              <a:t>x.reveal</a:t>
-            </a:r>
-            <a:r>
-              <a:rPr lang="en-US" sz="1600" dirty="0"/>
-              <a:t>() for x in </a:t>
-            </a:r>
-            <a:r>
-              <a:rPr lang="en-US" sz="1600" dirty="0" err="1"/>
-              <a:t>sgd.layers</a:t>
-            </a:r>
-            <a:r>
-              <a:rPr lang="en-US" sz="1600" dirty="0"/>
-              <a:t>[1].Y])</a:t>
-            </a:r>
-          </a:p>
-        </p:txBody>
-      </p:sp>
-      <p:sp>
-        <p:nvSpPr>
-          <p:cNvPr id="2" name="Rectangle 1">
-            <a:extLst>
-              <a:ext uri="{FF2B5EF4-FFF2-40B4-BE49-F238E27FC236}">
-                <a16:creationId xmlns:a16="http://schemas.microsoft.com/office/drawing/2014/main" id="{0AA17237-F0AE-3B48-9413-0E188688CC1F}"/>
-              </a:ext>
-            </a:extLst>
-          </p:cNvPr>
-          <p:cNvSpPr/>
-          <p:nvPr/>
-        </p:nvSpPr>
-        <p:spPr>
-          <a:xfrm>
-            <a:off x="539552" y="382865"/>
-            <a:ext cx="1818959" cy="369332"/>
-          </a:xfrm>
-          <a:prstGeom prst="rect">
-            <a:avLst/>
-          </a:prstGeom>
-        </p:spPr>
-        <p:txBody>
-          <a:bodyPr wrap="none">
-            <a:spAutoFit/>
-          </a:bodyPr>
-          <a:lstStyle/>
-          <a:p>
-            <a:r>
-              <a:rPr lang="en-US" b="1" dirty="0"/>
-              <a:t>Train in MP-SPDZ</a:t>
-            </a:r>
-            <a:endParaRPr lang="en-BR" b="1" dirty="0"/>
-          </a:p>
-        </p:txBody>
-      </p:sp>
-    </p:spTree>
-    <p:extLst>
-      <p:ext uri="{BB962C8B-B14F-4D97-AF65-F5344CB8AC3E}">
-        <p14:creationId xmlns:p14="http://schemas.microsoft.com/office/powerpoint/2010/main" val="2557571073"/>
-      </p:ext>
-    </p:extLst>
-  </p:cSld>
-  <p:clrMapOvr>
-    <a:masterClrMapping/>
-  </p:clrMapOvr>
-</p:sld>
-</file>
-
-<file path=ppt/slides/slide8.xml><?xml version="1.0" encoding="utf-8"?>
-<p:sld xmlns:a="http://schemas.openxmlformats.org/drawingml/2006/main" xmlns:r="http://schemas.openxmlformats.org/officeDocument/2006/relationships" xmlns:p="http://schemas.openxmlformats.org/presentationml/2006/main">
-  <p:cSld>
-    <p:spTree>
-      <p:nvGrpSpPr>
-        <p:cNvPr id="1" name=""/>
-        <p:cNvGrpSpPr/>
-        <p:nvPr/>
-      </p:nvGrpSpPr>
-      <p:grpSpPr>
-        <a:xfrm>
-          <a:off x="0" y="0"/>
-          <a:ext cx="0" cy="0"/>
-          <a:chOff x="0" y="0"/>
-          <a:chExt cx="0" cy="0"/>
-        </a:xfrm>
-      </p:grpSpPr>
-      <p:sp>
-        <p:nvSpPr>
-          <p:cNvPr id="5" name="Content Placeholder 4">
-            <a:extLst>
-              <a:ext uri="{FF2B5EF4-FFF2-40B4-BE49-F238E27FC236}">
-                <a16:creationId xmlns:a16="http://schemas.microsoft.com/office/drawing/2014/main" id="{903CAD95-2577-8A4A-91F5-C69F5013222B}"/>
-              </a:ext>
-            </a:extLst>
-          </p:cNvPr>
-          <p:cNvSpPr>
-            <a:spLocks noGrp="1"/>
-          </p:cNvSpPr>
-          <p:nvPr>
-            <p:ph idx="1"/>
-          </p:nvPr>
-        </p:nvSpPr>
-        <p:spPr>
-          <a:xfrm>
-            <a:off x="179512" y="587231"/>
-            <a:ext cx="8856984" cy="3370089"/>
-          </a:xfrm>
-        </p:spPr>
-        <p:txBody>
-          <a:bodyPr>
-            <a:noAutofit/>
-          </a:bodyPr>
-          <a:lstStyle/>
-          <a:p>
-            <a:pPr marL="0" indent="0" algn="just">
-              <a:buNone/>
-            </a:pPr>
-            <a:r>
-              <a:rPr lang="en-US" sz="1200" dirty="0"/>
-              <a:t># Inference</a:t>
-            </a:r>
-          </a:p>
-          <a:p>
-            <a:pPr marL="0" indent="0" algn="just">
-              <a:buNone/>
-            </a:pPr>
-            <a:r>
-              <a:rPr lang="en-US" sz="1200" dirty="0" err="1"/>
-              <a:t>testData</a:t>
-            </a:r>
-            <a:r>
-              <a:rPr lang="en-US" sz="1200" dirty="0"/>
-              <a:t> = </a:t>
-            </a:r>
-            <a:r>
-              <a:rPr lang="en-US" sz="1200" dirty="0" err="1"/>
-              <a:t>sfix.Matrix</a:t>
-            </a:r>
-            <a:r>
-              <a:rPr lang="en-US" sz="1200" dirty="0"/>
-              <a:t>(</a:t>
-            </a:r>
-            <a:r>
-              <a:rPr lang="en-US" sz="1200" dirty="0" err="1"/>
-              <a:t>n_examples_test</a:t>
-            </a:r>
-            <a:r>
-              <a:rPr lang="en-US" sz="1200" dirty="0"/>
-              <a:t>, </a:t>
-            </a:r>
-            <a:r>
-              <a:rPr lang="en-US" sz="1200" dirty="0" err="1"/>
-              <a:t>n_features</a:t>
-            </a:r>
-            <a:r>
-              <a:rPr lang="en-US" sz="1200" dirty="0"/>
-              <a:t>)</a:t>
-            </a:r>
-          </a:p>
-          <a:p>
-            <a:pPr marL="0" indent="0" algn="just">
-              <a:buNone/>
-            </a:pPr>
-            <a:r>
-              <a:rPr lang="en-US" sz="1200" dirty="0" err="1"/>
-              <a:t>testData.input_from</a:t>
-            </a:r>
-            <a:r>
-              <a:rPr lang="en-US" sz="1200" dirty="0"/>
-              <a:t>(0)</a:t>
-            </a:r>
-          </a:p>
-          <a:p>
-            <a:pPr marL="0" indent="0" algn="just">
-              <a:buNone/>
-            </a:pPr>
-            <a:r>
-              <a:rPr lang="en-US" sz="1200" dirty="0" err="1"/>
-              <a:t>testLabel</a:t>
-            </a:r>
-            <a:r>
-              <a:rPr lang="en-US" sz="1200" dirty="0"/>
-              <a:t> = </a:t>
-            </a:r>
-            <a:r>
-              <a:rPr lang="en-US" sz="1200" dirty="0" err="1"/>
-              <a:t>sfix.Matrix</a:t>
-            </a:r>
-            <a:r>
-              <a:rPr lang="en-US" sz="1200" dirty="0"/>
-              <a:t>(</a:t>
-            </a:r>
-            <a:r>
-              <a:rPr lang="en-US" sz="1200" dirty="0" err="1"/>
-              <a:t>n_examples_test</a:t>
-            </a:r>
-            <a:r>
-              <a:rPr lang="en-US" sz="1200" dirty="0"/>
-              <a:t>, 1)</a:t>
-            </a:r>
-          </a:p>
-          <a:p>
-            <a:pPr marL="0" indent="0" algn="just">
-              <a:buNone/>
-            </a:pPr>
-            <a:r>
-              <a:rPr lang="en-US" sz="1200" dirty="0" err="1"/>
-              <a:t>testLabel.input_from</a:t>
-            </a:r>
-            <a:r>
-              <a:rPr lang="en-US" sz="1200" dirty="0"/>
-              <a:t>(0)</a:t>
-            </a:r>
-          </a:p>
-          <a:p>
-            <a:pPr marL="0" indent="0" algn="just">
-              <a:buNone/>
-            </a:pPr>
-            <a:r>
-              <a:rPr lang="en-US" sz="1200" dirty="0" err="1"/>
-              <a:t>start_timer</a:t>
-            </a:r>
-            <a:r>
-              <a:rPr lang="en-US" sz="1200" dirty="0"/>
-              <a:t>(30)</a:t>
-            </a:r>
-          </a:p>
-          <a:p>
-            <a:pPr marL="0" indent="0" algn="just">
-              <a:buNone/>
-            </a:pPr>
-            <a:r>
-              <a:rPr lang="en-US" sz="1200" dirty="0"/>
-              <a:t>res = </a:t>
-            </a:r>
-            <a:r>
-              <a:rPr lang="en-US" sz="1200" dirty="0" err="1"/>
-              <a:t>sgd.eval</a:t>
-            </a:r>
-            <a:r>
-              <a:rPr lang="en-US" sz="1200" dirty="0"/>
-              <a:t>(</a:t>
-            </a:r>
-            <a:r>
-              <a:rPr lang="en-US" sz="1200" dirty="0" err="1"/>
-              <a:t>testData</a:t>
-            </a:r>
-            <a:r>
-              <a:rPr lang="en-US" sz="1200" dirty="0"/>
-              <a:t>)</a:t>
-            </a:r>
-          </a:p>
-          <a:p>
-            <a:pPr marL="0" indent="0" algn="just">
-              <a:buNone/>
-            </a:pPr>
-            <a:r>
-              <a:rPr lang="en-US" sz="1200" dirty="0" err="1"/>
-              <a:t>stop_timer</a:t>
-            </a:r>
-            <a:r>
-              <a:rPr lang="en-US" sz="1200" dirty="0"/>
-              <a:t>(30)</a:t>
-            </a:r>
-          </a:p>
-          <a:p>
-            <a:pPr marL="0" indent="0" algn="just">
-              <a:buNone/>
-            </a:pPr>
-            <a:r>
-              <a:rPr lang="en-US" sz="1200" dirty="0" err="1"/>
-              <a:t>stop_timer</a:t>
-            </a:r>
-            <a:r>
-              <a:rPr lang="en-US" sz="1200" dirty="0"/>
-              <a:t>(10)</a:t>
-            </a:r>
-          </a:p>
-          <a:p>
-            <a:pPr marL="0" indent="0" algn="just">
-              <a:buNone/>
-            </a:pPr>
-            <a:r>
-              <a:rPr lang="en-US" sz="1200" dirty="0"/>
-              <a:t># Get Accuracy</a:t>
-            </a:r>
-          </a:p>
-          <a:p>
-            <a:pPr marL="0" indent="0" algn="just">
-              <a:buNone/>
-            </a:pPr>
-            <a:r>
-              <a:rPr lang="en-US" sz="1200" dirty="0"/>
-              <a:t>total = 0</a:t>
-            </a:r>
-          </a:p>
-          <a:p>
-            <a:pPr marL="0" indent="0" algn="just">
-              <a:buNone/>
-            </a:pPr>
-            <a:r>
-              <a:rPr lang="en-US" sz="1200" dirty="0" err="1"/>
-              <a:t>i</a:t>
-            </a:r>
-            <a:r>
-              <a:rPr lang="en-US" sz="1200" dirty="0"/>
-              <a:t>=0</a:t>
-            </a:r>
-          </a:p>
-          <a:p>
-            <a:pPr marL="0" indent="0" algn="just">
-              <a:buNone/>
-            </a:pPr>
-            <a:r>
-              <a:rPr lang="en-US" sz="1200" dirty="0"/>
-              <a:t>for x in res:</a:t>
-            </a:r>
-          </a:p>
-          <a:p>
-            <a:pPr marL="0" indent="0" algn="just">
-              <a:buNone/>
-            </a:pPr>
-            <a:r>
-              <a:rPr lang="en-US" sz="1200" dirty="0"/>
-              <a:t>  hit=(</a:t>
-            </a:r>
-            <a:r>
-              <a:rPr lang="en-US" sz="1200" dirty="0" err="1"/>
-              <a:t>x.reveal</a:t>
-            </a:r>
-            <a:r>
-              <a:rPr lang="en-US" sz="1200" dirty="0"/>
-              <a:t>()&gt;0.5)==</a:t>
-            </a:r>
-            <a:r>
-              <a:rPr lang="en-US" sz="1200" dirty="0" err="1"/>
-              <a:t>testLabel</a:t>
-            </a:r>
-            <a:r>
-              <a:rPr lang="en-US" sz="1200" dirty="0"/>
-              <a:t>[</a:t>
-            </a:r>
-            <a:r>
-              <a:rPr lang="en-US" sz="1200" dirty="0" err="1"/>
-              <a:t>i</a:t>
-            </a:r>
-            <a:r>
-              <a:rPr lang="en-US" sz="1200" dirty="0"/>
-              <a:t>][0].reveal()</a:t>
-            </a:r>
-          </a:p>
-          <a:p>
-            <a:pPr marL="0" indent="0" algn="just">
-              <a:buNone/>
-            </a:pPr>
-            <a:r>
-              <a:rPr lang="en-US" sz="1200" dirty="0"/>
-              <a:t>  total = total + hit</a:t>
-            </a:r>
-          </a:p>
-          <a:p>
-            <a:pPr marL="0" indent="0" algn="just">
-              <a:buNone/>
-            </a:pPr>
-            <a:r>
-              <a:rPr lang="en-US" sz="1200" dirty="0"/>
-              <a:t>  </a:t>
-            </a:r>
-            <a:r>
-              <a:rPr lang="en-US" sz="1200" dirty="0" err="1"/>
-              <a:t>i</a:t>
-            </a:r>
-            <a:r>
-              <a:rPr lang="en-US" sz="1200" dirty="0"/>
-              <a:t>=i+1</a:t>
-            </a:r>
-          </a:p>
-          <a:p>
-            <a:pPr marL="0" indent="0" algn="just">
-              <a:buNone/>
-            </a:pPr>
-            <a:r>
-              <a:rPr lang="en-US" sz="1200" dirty="0"/>
-              <a:t>accuracy = </a:t>
-            </a:r>
-            <a:r>
-              <a:rPr lang="en-US" sz="1200" dirty="0" err="1"/>
-              <a:t>sfloat</a:t>
-            </a:r>
-            <a:r>
-              <a:rPr lang="en-US" sz="1200" dirty="0"/>
-              <a:t>(total) / </a:t>
-            </a:r>
-            <a:r>
-              <a:rPr lang="en-US" sz="1200" dirty="0" err="1"/>
-              <a:t>n_examples_test</a:t>
-            </a:r>
-            <a:r>
-              <a:rPr lang="en-US" sz="1200" dirty="0"/>
-              <a:t> * 100</a:t>
-            </a:r>
-          </a:p>
-          <a:p>
-            <a:pPr marL="0" indent="0" algn="just">
-              <a:buNone/>
-            </a:pPr>
-            <a:r>
-              <a:rPr lang="en-US" sz="1200" dirty="0" err="1"/>
-              <a:t>print_ln</a:t>
-            </a:r>
-            <a:r>
-              <a:rPr lang="en-US" sz="1200" dirty="0"/>
-              <a:t>('accuracy %s % ', </a:t>
-            </a:r>
-            <a:r>
-              <a:rPr lang="en-US" sz="1200" dirty="0" err="1"/>
-              <a:t>accuracy.reveal</a:t>
-            </a:r>
-            <a:r>
-              <a:rPr lang="en-US" sz="1200" dirty="0"/>
-              <a:t>())</a:t>
-            </a:r>
-          </a:p>
-        </p:txBody>
-      </p:sp>
-      <p:sp>
-        <p:nvSpPr>
-          <p:cNvPr id="2" name="Rectangle 1">
-            <a:extLst>
-              <a:ext uri="{FF2B5EF4-FFF2-40B4-BE49-F238E27FC236}">
-                <a16:creationId xmlns:a16="http://schemas.microsoft.com/office/drawing/2014/main" id="{737CA6A5-E047-9646-BC78-1915309FDCE1}"/>
-              </a:ext>
-            </a:extLst>
-          </p:cNvPr>
-          <p:cNvSpPr/>
-          <p:nvPr/>
-        </p:nvSpPr>
-        <p:spPr>
-          <a:xfrm>
-            <a:off x="539552" y="198199"/>
-            <a:ext cx="2244845" cy="369332"/>
-          </a:xfrm>
-          <a:prstGeom prst="rect">
-            <a:avLst/>
-          </a:prstGeom>
-        </p:spPr>
-        <p:txBody>
-          <a:bodyPr wrap="none">
-            <a:spAutoFit/>
-          </a:bodyPr>
-          <a:lstStyle/>
-          <a:p>
-            <a:r>
-              <a:rPr lang="en-US" b="1" dirty="0"/>
-              <a:t>Inference in MP-SPDZ</a:t>
-            </a:r>
-            <a:endParaRPr lang="en-BR" b="1" dirty="0"/>
-          </a:p>
-        </p:txBody>
-      </p:sp>
-    </p:spTree>
-    <p:extLst>
-      <p:ext uri="{BB962C8B-B14F-4D97-AF65-F5344CB8AC3E}">
-        <p14:creationId xmlns:p14="http://schemas.microsoft.com/office/powerpoint/2010/main" val="237324128"/>
       </p:ext>
     </p:extLst>
   </p:cSld>

--- a/idash2021.pptx
+++ b/idash2021.pptx
@@ -3692,10 +3692,9 @@
               <a:t>differents</a:t>
             </a:r>
             <a:r>
-              <a:rPr lang="en-US" sz="1400"/>
+              <a:rPr lang="en-US" sz="1400" dirty="0"/>
               <a:t>.</a:t>
             </a:r>
-            <a:endParaRPr lang="en-US" sz="1400" dirty="0"/>
           </a:p>
           <a:p>
             <a:endParaRPr lang="en-US" sz="1400" dirty="0"/>

--- a/idash2021.pptx
+++ b/idash2021.pptx
@@ -5,7 +5,7 @@
     <p:sldMasterId id="2147483960" r:id="rId1"/>
   </p:sldMasterIdLst>
   <p:notesMasterIdLst>
-    <p:notesMasterId r:id="rId11"/>
+    <p:notesMasterId r:id="rId13"/>
   </p:notesMasterIdLst>
   <p:sldIdLst>
     <p:sldId id="335" r:id="rId2"/>
@@ -17,6 +17,8 @@
     <p:sldId id="332" r:id="rId8"/>
     <p:sldId id="333" r:id="rId9"/>
     <p:sldId id="334" r:id="rId10"/>
+    <p:sldId id="336" r:id="rId11"/>
+    <p:sldId id="337" r:id="rId12"/>
   </p:sldIdLst>
   <p:sldSz cx="9144000" cy="5715000" type="screen16x10"/>
   <p:notesSz cx="6858000" cy="9144000"/>
@@ -216,7 +218,7 @@
           <a:p>
             <a:fld id="{459EA079-9CF4-48B7-BCC5-BE35C8F4F190}" type="datetimeFigureOut">
               <a:rPr lang="pt-BR" smtClean="0"/>
-              <a:t>10/08/2021</a:t>
+              <a:t>11/08/2021</a:t>
             </a:fld>
             <a:endParaRPr lang="pt-BR"/>
           </a:p>
@@ -698,7 +700,7 @@
           <a:p>
             <a:fld id="{80790D5A-3293-4A5C-BAB5-6C18A1A624B8}" type="datetime1">
               <a:rPr lang="pt-BR" smtClean="0"/>
-              <a:t>10/08/2021</a:t>
+              <a:t>11/08/2021</a:t>
             </a:fld>
             <a:endParaRPr lang="pt-BR"/>
           </a:p>
@@ -848,7 +850,7 @@
           <a:p>
             <a:fld id="{80790D5A-3293-4A5C-BAB5-6C18A1A624B8}" type="datetime1">
               <a:rPr lang="pt-BR" smtClean="0"/>
-              <a:t>10/08/2021</a:t>
+              <a:t>11/08/2021</a:t>
             </a:fld>
             <a:endParaRPr lang="pt-BR"/>
           </a:p>
@@ -1008,7 +1010,7 @@
           <a:p>
             <a:fld id="{80790D5A-3293-4A5C-BAB5-6C18A1A624B8}" type="datetime1">
               <a:rPr lang="pt-BR" smtClean="0"/>
-              <a:t>10/08/2021</a:t>
+              <a:t>11/08/2021</a:t>
             </a:fld>
             <a:endParaRPr lang="pt-BR"/>
           </a:p>
@@ -1158,7 +1160,7 @@
           <a:p>
             <a:fld id="{80790D5A-3293-4A5C-BAB5-6C18A1A624B8}" type="datetime1">
               <a:rPr lang="pt-BR" smtClean="0"/>
-              <a:t>10/08/2021</a:t>
+              <a:t>11/08/2021</a:t>
             </a:fld>
             <a:endParaRPr lang="pt-BR"/>
           </a:p>
@@ -1413,7 +1415,7 @@
           <a:p>
             <a:fld id="{DC76CC9B-314B-422C-ABA0-C3C06E2A1B8C}" type="datetime1">
               <a:rPr lang="pt-BR" smtClean="0"/>
-              <a:t>10/08/2021</a:t>
+              <a:t>11/08/2021</a:t>
             </a:fld>
             <a:endParaRPr lang="pt-BR"/>
           </a:p>
@@ -1600,7 +1602,7 @@
           <a:p>
             <a:fld id="{B9844D9E-3A7E-4C35-B9D0-C624946E7851}" type="datetime1">
               <a:rPr lang="pt-BR" smtClean="0"/>
-              <a:t>10/08/2021</a:t>
+              <a:t>11/08/2021</a:t>
             </a:fld>
             <a:endParaRPr lang="pt-BR"/>
           </a:p>
@@ -1932,7 +1934,7 @@
           <a:p>
             <a:fld id="{4BFA42DD-C24E-4610-AB45-970352D8F749}" type="datetime1">
               <a:rPr lang="pt-BR" smtClean="0"/>
-              <a:t>10/08/2021</a:t>
+              <a:t>11/08/2021</a:t>
             </a:fld>
             <a:endParaRPr lang="pt-BR"/>
           </a:p>
@@ -2053,7 +2055,7 @@
           <a:p>
             <a:fld id="{80790D5A-3293-4A5C-BAB5-6C18A1A624B8}" type="datetime1">
               <a:rPr lang="pt-BR" smtClean="0"/>
-              <a:t>10/08/2021</a:t>
+              <a:t>11/08/2021</a:t>
             </a:fld>
             <a:endParaRPr lang="pt-BR"/>
           </a:p>
@@ -2152,7 +2154,7 @@
           <a:p>
             <a:fld id="{DCE5E582-C1A0-4F27-B3FD-63F9E0C4AED8}" type="datetime1">
               <a:rPr lang="pt-BR" smtClean="0"/>
-              <a:t>10/08/2021</a:t>
+              <a:t>11/08/2021</a:t>
             </a:fld>
             <a:endParaRPr lang="pt-BR"/>
           </a:p>
@@ -2413,7 +2415,7 @@
           <a:p>
             <a:fld id="{BCB1E6D3-86D7-4055-85A5-C9AB021B04E4}" type="datetime1">
               <a:rPr lang="pt-BR" smtClean="0"/>
-              <a:t>10/08/2021</a:t>
+              <a:t>11/08/2021</a:t>
             </a:fld>
             <a:endParaRPr lang="pt-BR"/>
           </a:p>
@@ -2678,7 +2680,7 @@
           <a:p>
             <a:fld id="{060C664B-0EAB-490C-8103-B35FC641746C}" type="datetime1">
               <a:rPr lang="pt-BR" smtClean="0"/>
-              <a:t>10/08/2021</a:t>
+              <a:t>11/08/2021</a:t>
             </a:fld>
             <a:endParaRPr lang="pt-BR"/>
           </a:p>
@@ -2870,7 +2872,7 @@
           <a:p>
             <a:fld id="{80790D5A-3293-4A5C-BAB5-6C18A1A624B8}" type="datetime1">
               <a:rPr lang="pt-BR" smtClean="0"/>
-              <a:t>10/08/2021</a:t>
+              <a:t>11/08/2021</a:t>
             </a:fld>
             <a:endParaRPr lang="pt-BR"/>
           </a:p>
@@ -3671,7 +3673,7 @@
         <p:spPr>
           <a:xfrm>
             <a:off x="113030" y="2736676"/>
-            <a:ext cx="5689624" cy="2893100"/>
+            <a:ext cx="5689624" cy="3323987"/>
           </a:xfrm>
           <a:prstGeom prst="rect">
             <a:avLst/>
@@ -3750,6 +3752,31 @@
             </a:r>
           </a:p>
           <a:p>
+            <a:endParaRPr lang="en-US" sz="1400" dirty="0"/>
+          </a:p>
+          <a:p>
+            <a:r>
+              <a:rPr lang="en-US" sz="1400" dirty="0"/>
+              <a:t>Results using </a:t>
+            </a:r>
+            <a:r>
+              <a:rPr lang="en-US" sz="1400" dirty="0" err="1"/>
+              <a:t>approx_sigmoid</a:t>
+            </a:r>
+            <a:r>
+              <a:rPr lang="en-US" sz="1400" dirty="0"/>
+              <a:t> </a:t>
+            </a:r>
+          </a:p>
+          <a:p>
+            <a:r>
+              <a:rPr lang="en-US" sz="1400" dirty="0"/>
+              <a:t>Now I’m using  </a:t>
+            </a:r>
+            <a:r>
+              <a:rPr lang="en-US" sz="1400" dirty="0" err="1"/>
+              <a:t>sigmoid_from_e_x</a:t>
+            </a:r>
             <a:endParaRPr lang="en-US" sz="1400" dirty="0"/>
           </a:p>
           <a:p>
@@ -4886,7 +4913,7 @@
                     <a:p>
                       <a:pPr algn="r" fontAlgn="b"/>
                       <a:r>
-                        <a:rPr lang="en-BR" sz="900" b="0" i="0" u="none" strike="noStrike">
+                        <a:rPr lang="en-BR" sz="900" b="0" i="0" u="none" strike="noStrike" dirty="0">
                           <a:solidFill>
                             <a:srgbClr val="000000"/>
                           </a:solidFill>
@@ -6384,6 +6411,2150 @@
 </p:sld>
 </file>
 
+<file path=ppt/slides/slide10.xml><?xml version="1.0" encoding="utf-8"?>
+<p:sld xmlns:a="http://schemas.openxmlformats.org/drawingml/2006/main" xmlns:r="http://schemas.openxmlformats.org/officeDocument/2006/relationships" xmlns:p="http://schemas.openxmlformats.org/presentationml/2006/main">
+  <p:cSld>
+    <p:spTree>
+      <p:nvGrpSpPr>
+        <p:cNvPr id="1" name=""/>
+        <p:cNvGrpSpPr/>
+        <p:nvPr/>
+      </p:nvGrpSpPr>
+      <p:grpSpPr>
+        <a:xfrm>
+          <a:off x="0" y="0"/>
+          <a:ext cx="0" cy="0"/>
+          <a:chOff x="0" y="0"/>
+          <a:chExt cx="0" cy="0"/>
+        </a:xfrm>
+      </p:grpSpPr>
+      <p:sp>
+        <p:nvSpPr>
+          <p:cNvPr id="2" name="Title 1">
+            <a:extLst>
+              <a:ext uri="{FF2B5EF4-FFF2-40B4-BE49-F238E27FC236}">
+                <a16:creationId xmlns:a16="http://schemas.microsoft.com/office/drawing/2014/main" id="{62173FEB-EFD2-C24D-87E3-7B0CFF63754B}"/>
+              </a:ext>
+            </a:extLst>
+          </p:cNvPr>
+          <p:cNvSpPr>
+            <a:spLocks noGrp="1"/>
+          </p:cNvSpPr>
+          <p:nvPr>
+            <p:ph type="title"/>
+          </p:nvPr>
+        </p:nvSpPr>
+        <p:spPr/>
+        <p:txBody>
+          <a:bodyPr/>
+          <a:lstStyle/>
+          <a:p>
+            <a:r>
+              <a:rPr lang="en-BR" dirty="0"/>
+              <a:t>Regularization L2</a:t>
+            </a:r>
+          </a:p>
+        </p:txBody>
+      </p:sp>
+      <p:sp>
+        <p:nvSpPr>
+          <p:cNvPr id="3" name="Content Placeholder 2">
+            <a:extLst>
+              <a:ext uri="{FF2B5EF4-FFF2-40B4-BE49-F238E27FC236}">
+                <a16:creationId xmlns:a16="http://schemas.microsoft.com/office/drawing/2014/main" id="{6F504C05-8AEA-4647-8690-F59E2B3C9660}"/>
+              </a:ext>
+            </a:extLst>
+          </p:cNvPr>
+          <p:cNvSpPr>
+            <a:spLocks noGrp="1"/>
+          </p:cNvSpPr>
+          <p:nvPr>
+            <p:ph idx="1"/>
+          </p:nvPr>
+        </p:nvSpPr>
+        <p:spPr/>
+        <p:txBody>
+          <a:bodyPr/>
+          <a:lstStyle/>
+          <a:p>
+            <a:r>
+              <a:rPr lang="en-US" dirty="0"/>
+              <a:t>For L2-regularization, I think we need:</a:t>
+            </a:r>
+            <a:br>
+              <a:rPr lang="en-US" dirty="0"/>
+            </a:br>
+            <a:br>
+              <a:rPr lang="en-US" dirty="0"/>
+            </a:br>
+            <a:r>
+              <a:rPr lang="en-US" dirty="0" err="1"/>
+              <a:t>delta_theta</a:t>
+            </a:r>
+            <a:br>
+              <a:rPr lang="en-US" dirty="0"/>
+            </a:br>
+            <a:r>
+              <a:rPr lang="en-US" dirty="0"/>
+              <a:t>= momentum * </a:t>
+            </a:r>
+            <a:r>
+              <a:rPr lang="en-US" dirty="0" err="1"/>
+              <a:t>delta_theta</a:t>
+            </a:r>
+            <a:br>
+              <a:rPr lang="en-US" dirty="0"/>
+            </a:br>
+            <a:r>
+              <a:rPr lang="en-US" dirty="0"/>
+              <a:t>   - </a:t>
+            </a:r>
+            <a:r>
+              <a:rPr lang="en-US" dirty="0" err="1"/>
+              <a:t>nabla</a:t>
+            </a:r>
+            <a:r>
+              <a:rPr lang="en-US" dirty="0"/>
+              <a:t> * </a:t>
+            </a:r>
+            <a:r>
+              <a:rPr lang="en-US" dirty="0" err="1"/>
+              <a:t>learning_rate</a:t>
+            </a:r>
+            <a:br>
+              <a:rPr lang="en-US" dirty="0"/>
+            </a:br>
+            <a:r>
+              <a:rPr lang="en-US" dirty="0"/>
+              <a:t>   - lambda * theta * </a:t>
+            </a:r>
+            <a:r>
+              <a:rPr lang="en-US" dirty="0" err="1"/>
+              <a:t>learning_rate</a:t>
+            </a:r>
+            <a:br>
+              <a:rPr lang="en-US" dirty="0"/>
+            </a:br>
+            <a:br>
+              <a:rPr lang="en-US" dirty="0"/>
+            </a:br>
+            <a:r>
+              <a:rPr lang="en-US" dirty="0"/>
+              <a:t>This is assuming that the regularization term added to the objective</a:t>
+            </a:r>
+            <a:br>
+              <a:rPr lang="en-US" dirty="0"/>
+            </a:br>
+            <a:r>
+              <a:rPr lang="en-US" dirty="0"/>
+              <a:t>function is 1/2 * (</a:t>
+            </a:r>
+            <a:r>
+              <a:rPr lang="en-US" dirty="0" err="1"/>
+              <a:t>theta^T</a:t>
+            </a:r>
+            <a:r>
+              <a:rPr lang="en-US" dirty="0"/>
+              <a:t> * theta).</a:t>
+            </a:r>
+            <a:br>
+              <a:rPr lang="en-US" dirty="0"/>
+            </a:br>
+            <a:br>
+              <a:rPr lang="en-US" dirty="0"/>
+            </a:br>
+            <a:r>
+              <a:rPr lang="en-US" dirty="0"/>
+              <a:t>For the regularization parameter, you can choose lambda = 1.</a:t>
+            </a:r>
+            <a:endParaRPr lang="en-BR" dirty="0"/>
+          </a:p>
+        </p:txBody>
+      </p:sp>
+    </p:spTree>
+    <p:extLst>
+      <p:ext uri="{BB962C8B-B14F-4D97-AF65-F5344CB8AC3E}">
+        <p14:creationId xmlns:p14="http://schemas.microsoft.com/office/powerpoint/2010/main" val="3294696513"/>
+      </p:ext>
+    </p:extLst>
+  </p:cSld>
+  <p:clrMapOvr>
+    <a:masterClrMapping/>
+  </p:clrMapOvr>
+</p:sld>
+</file>
+
+<file path=ppt/slides/slide11.xml><?xml version="1.0" encoding="utf-8"?>
+<p:sld xmlns:a="http://schemas.openxmlformats.org/drawingml/2006/main" xmlns:r="http://schemas.openxmlformats.org/officeDocument/2006/relationships" xmlns:p="http://schemas.openxmlformats.org/presentationml/2006/main">
+  <p:cSld>
+    <p:spTree>
+      <p:nvGrpSpPr>
+        <p:cNvPr id="1" name=""/>
+        <p:cNvGrpSpPr/>
+        <p:nvPr/>
+      </p:nvGrpSpPr>
+      <p:grpSpPr>
+        <a:xfrm>
+          <a:off x="0" y="0"/>
+          <a:ext cx="0" cy="0"/>
+          <a:chOff x="0" y="0"/>
+          <a:chExt cx="0" cy="0"/>
+        </a:xfrm>
+      </p:grpSpPr>
+      <p:sp>
+        <p:nvSpPr>
+          <p:cNvPr id="2" name="Title 1">
+            <a:extLst>
+              <a:ext uri="{FF2B5EF4-FFF2-40B4-BE49-F238E27FC236}">
+                <a16:creationId xmlns:a16="http://schemas.microsoft.com/office/drawing/2014/main" id="{62173FEB-EFD2-C24D-87E3-7B0CFF63754B}"/>
+              </a:ext>
+            </a:extLst>
+          </p:cNvPr>
+          <p:cNvSpPr>
+            <a:spLocks noGrp="1"/>
+          </p:cNvSpPr>
+          <p:nvPr>
+            <p:ph type="title"/>
+          </p:nvPr>
+        </p:nvSpPr>
+        <p:spPr>
+          <a:xfrm>
+            <a:off x="-36512" y="-310852"/>
+            <a:ext cx="7886700" cy="1104636"/>
+          </a:xfrm>
+        </p:spPr>
+        <p:txBody>
+          <a:bodyPr/>
+          <a:lstStyle/>
+          <a:p>
+            <a:r>
+              <a:rPr lang="en-BR" dirty="0"/>
+              <a:t>Regularization L2</a:t>
+            </a:r>
+          </a:p>
+        </p:txBody>
+      </p:sp>
+      <p:sp>
+        <p:nvSpPr>
+          <p:cNvPr id="7" name="Rectangle 6">
+            <a:extLst>
+              <a:ext uri="{FF2B5EF4-FFF2-40B4-BE49-F238E27FC236}">
+                <a16:creationId xmlns:a16="http://schemas.microsoft.com/office/drawing/2014/main" id="{BC4C8C0E-A5C1-B641-90EF-3B2FC97FFFC6}"/>
+              </a:ext>
+            </a:extLst>
+          </p:cNvPr>
+          <p:cNvSpPr/>
+          <p:nvPr/>
+        </p:nvSpPr>
+        <p:spPr>
+          <a:xfrm>
+            <a:off x="-36512" y="563530"/>
+            <a:ext cx="8928992" cy="5201424"/>
+          </a:xfrm>
+          <a:prstGeom prst="rect">
+            <a:avLst/>
+          </a:prstGeom>
+        </p:spPr>
+        <p:txBody>
+          <a:bodyPr wrap="square">
+            <a:spAutoFit/>
+          </a:bodyPr>
+          <a:lstStyle/>
+          <a:p>
+            <a:r>
+              <a:rPr lang="en-US" sz="1000" dirty="0">
+                <a:solidFill>
+                  <a:srgbClr val="FF0000"/>
+                </a:solidFill>
+                <a:latin typeface="Menlo" panose="020B0609030804020204" pitchFamily="49" charset="0"/>
+              </a:rPr>
+              <a:t>Code insert in </a:t>
+            </a:r>
+            <a:r>
+              <a:rPr lang="en-US" sz="1000" dirty="0" err="1">
+                <a:solidFill>
+                  <a:srgbClr val="FF0000"/>
+                </a:solidFill>
+                <a:latin typeface="Menlo" panose="020B0609030804020204" pitchFamily="49" charset="0"/>
+              </a:rPr>
+              <a:t>ml.py</a:t>
+            </a:r>
+            <a:r>
+              <a:rPr lang="en-US" sz="1000" dirty="0">
+                <a:solidFill>
+                  <a:srgbClr val="FF0000"/>
+                </a:solidFill>
+                <a:latin typeface="Menlo" panose="020B0609030804020204" pitchFamily="49" charset="0"/>
+              </a:rPr>
+              <a:t> in line 2252</a:t>
+            </a:r>
+          </a:p>
+          <a:p>
+            <a:r>
+              <a:rPr lang="en-US" sz="1000" dirty="0">
+                <a:solidFill>
+                  <a:srgbClr val="FF0000"/>
+                </a:solidFill>
+                <a:latin typeface="Menlo" panose="020B0609030804020204" pitchFamily="49" charset="0"/>
+              </a:rPr>
+              <a:t>Release used </a:t>
+            </a:r>
+            <a:r>
+              <a:rPr lang="en-US" sz="1000" dirty="0">
+                <a:solidFill>
+                  <a:srgbClr val="0563C1"/>
+                </a:solidFill>
+                <a:latin typeface="Menlo" panose="020B0609030804020204" pitchFamily="49" charset="0"/>
+                <a:hlinkClick r:id="rId2">
+                  <a:extLst>
+                    <a:ext uri="{A12FA001-AC4F-418D-AE19-62706E023703}">
+                      <ahyp:hlinkClr xmlns:ahyp="http://schemas.microsoft.com/office/drawing/2018/hyperlinkcolor" val="tx"/>
+                    </a:ext>
+                  </a:extLst>
+                </a:hlinkClick>
+              </a:rPr>
+              <a:t>https://github.com/data61/MP-SPDZ/commit/</a:t>
+            </a:r>
+            <a:r>
+              <a:rPr lang="en-US" sz="1000" dirty="0">
+                <a:solidFill>
+                  <a:srgbClr val="FF0000"/>
+                </a:solidFill>
+                <a:latin typeface="Menlo" panose="020B0609030804020204" pitchFamily="49" charset="0"/>
+                <a:hlinkClick r:id="rId2">
+                  <a:extLst>
+                    <a:ext uri="{A12FA001-AC4F-418D-AE19-62706E023703}">
+                      <ahyp:hlinkClr xmlns:ahyp="http://schemas.microsoft.com/office/drawing/2018/hyperlinkcolor" val="tx"/>
+                    </a:ext>
+                  </a:extLst>
+                </a:hlinkClick>
+              </a:rPr>
+              <a:t>f8a448ef1af60f2cb5b0a6cf46fa0949b0575a2f</a:t>
+            </a:r>
+            <a:endParaRPr lang="en-US" sz="1000" dirty="0">
+              <a:solidFill>
+                <a:srgbClr val="FF0000"/>
+              </a:solidFill>
+              <a:latin typeface="Menlo" panose="020B0609030804020204" pitchFamily="49" charset="0"/>
+            </a:endParaRPr>
+          </a:p>
+          <a:p>
+            <a:r>
+              <a:rPr lang="en-US" sz="1000" dirty="0">
+                <a:solidFill>
+                  <a:srgbClr val="FF0000"/>
+                </a:solidFill>
+                <a:latin typeface="Menlo" panose="020B0609030804020204" pitchFamily="49" charset="0"/>
+              </a:rPr>
+              <a:t>Source https://</a:t>
+            </a:r>
+            <a:r>
+              <a:rPr lang="en-US" sz="1000" dirty="0" err="1">
+                <a:solidFill>
+                  <a:srgbClr val="FF0000"/>
+                </a:solidFill>
+                <a:latin typeface="Menlo" panose="020B0609030804020204" pitchFamily="49" charset="0"/>
+              </a:rPr>
+              <a:t>github.com</a:t>
+            </a:r>
+            <a:r>
+              <a:rPr lang="en-US" sz="1000" dirty="0">
+                <a:solidFill>
+                  <a:srgbClr val="FF0000"/>
+                </a:solidFill>
+                <a:latin typeface="Menlo" panose="020B0609030804020204" pitchFamily="49" charset="0"/>
+              </a:rPr>
+              <a:t>/data61/MP-SPDZ/blob/master/Compiler/</a:t>
+            </a:r>
+            <a:r>
+              <a:rPr lang="en-US" sz="1000" dirty="0" err="1">
+                <a:solidFill>
+                  <a:srgbClr val="FF0000"/>
+                </a:solidFill>
+                <a:latin typeface="Menlo" panose="020B0609030804020204" pitchFamily="49" charset="0"/>
+              </a:rPr>
+              <a:t>ml.py</a:t>
+            </a:r>
+            <a:endParaRPr lang="en-US" sz="1000" dirty="0">
+              <a:solidFill>
+                <a:srgbClr val="FF0000"/>
+              </a:solidFill>
+              <a:latin typeface="Menlo" panose="020B0609030804020204" pitchFamily="49" charset="0"/>
+            </a:endParaRPr>
+          </a:p>
+          <a:p>
+            <a:r>
+              <a:rPr lang="en-US" sz="1000" dirty="0">
+                <a:solidFill>
+                  <a:srgbClr val="0563C1"/>
+                </a:solidFill>
+                <a:latin typeface="Menlo" panose="020B0609030804020204" pitchFamily="49" charset="0"/>
+                <a:hlinkClick r:id="rId3">
+                  <a:extLst>
+                    <a:ext uri="{A12FA001-AC4F-418D-AE19-62706E023703}">
+                      <ahyp:hlinkClr xmlns:ahyp="http://schemas.microsoft.com/office/drawing/2018/hyperlinkcolor" val="tx"/>
+                    </a:ext>
+                  </a:extLst>
+                </a:hlinkClick>
+              </a:rPr>
+              <a:t>https://github.com/ricardojmmaia/idash2021/blob/main/MP-SPDZ/Compiler/ml.</a:t>
+            </a:r>
+            <a:r>
+              <a:rPr lang="en-US" sz="1000" dirty="0">
+                <a:solidFill>
+                  <a:srgbClr val="FF0000"/>
+                </a:solidFill>
+                <a:latin typeface="Menlo" panose="020B0609030804020204" pitchFamily="49" charset="0"/>
+                <a:hlinkClick r:id="rId3">
+                  <a:extLst>
+                    <a:ext uri="{A12FA001-AC4F-418D-AE19-62706E023703}">
+                      <ahyp:hlinkClr xmlns:ahyp="http://schemas.microsoft.com/office/drawing/2018/hyperlinkcolor" val="tx"/>
+                    </a:ext>
+                  </a:extLst>
+                </a:hlinkClick>
+              </a:rPr>
+              <a:t>py</a:t>
+            </a:r>
+            <a:endParaRPr lang="en-US" sz="1000" dirty="0">
+              <a:solidFill>
+                <a:srgbClr val="FF0000"/>
+              </a:solidFill>
+              <a:latin typeface="Menlo" panose="020B0609030804020204" pitchFamily="49" charset="0"/>
+            </a:endParaRPr>
+          </a:p>
+          <a:p>
+            <a:endParaRPr lang="en-US" sz="1000" dirty="0">
+              <a:solidFill>
+                <a:srgbClr val="008000"/>
+              </a:solidFill>
+              <a:latin typeface="Menlo" panose="020B0609030804020204" pitchFamily="49" charset="0"/>
+            </a:endParaRPr>
+          </a:p>
+          <a:p>
+            <a:r>
+              <a:rPr lang="en-US" sz="1000" dirty="0">
+                <a:solidFill>
+                  <a:srgbClr val="008000"/>
+                </a:solidFill>
+                <a:latin typeface="Menlo" panose="020B0609030804020204" pitchFamily="49" charset="0"/>
+              </a:rPr>
+              <a:t>### added by </a:t>
+            </a:r>
+            <a:r>
+              <a:rPr lang="en-US" sz="1000" dirty="0" err="1">
+                <a:solidFill>
+                  <a:srgbClr val="008000"/>
+                </a:solidFill>
+                <a:latin typeface="Menlo" panose="020B0609030804020204" pitchFamily="49" charset="0"/>
+              </a:rPr>
+              <a:t>sikha</a:t>
+            </a:r>
+            <a:endParaRPr lang="en-US" sz="1000" dirty="0">
+              <a:solidFill>
+                <a:srgbClr val="000000"/>
+              </a:solidFill>
+              <a:latin typeface="Menlo" panose="020B0609030804020204" pitchFamily="49" charset="0"/>
+            </a:endParaRPr>
+          </a:p>
+          <a:p>
+            <a:r>
+              <a:rPr lang="en-US" sz="1000" dirty="0" err="1">
+                <a:solidFill>
+                  <a:srgbClr val="001080"/>
+                </a:solidFill>
+                <a:latin typeface="Menlo" panose="020B0609030804020204" pitchFamily="49" charset="0"/>
+              </a:rPr>
+              <a:t>theta_penalty</a:t>
+            </a:r>
+            <a:r>
+              <a:rPr lang="en-US" sz="1000" dirty="0">
+                <a:solidFill>
+                  <a:srgbClr val="000000"/>
+                </a:solidFill>
+                <a:latin typeface="Menlo" panose="020B0609030804020204" pitchFamily="49" charset="0"/>
+              </a:rPr>
+              <a:t> = </a:t>
+            </a:r>
+            <a:r>
+              <a:rPr lang="en-US" sz="1000" dirty="0" err="1">
+                <a:solidFill>
+                  <a:srgbClr val="001080"/>
+                </a:solidFill>
+                <a:latin typeface="Menlo" panose="020B0609030804020204" pitchFamily="49" charset="0"/>
+              </a:rPr>
+              <a:t>theta</a:t>
+            </a:r>
+            <a:r>
+              <a:rPr lang="en-US" sz="1000" dirty="0" err="1">
+                <a:solidFill>
+                  <a:srgbClr val="000000"/>
+                </a:solidFill>
+                <a:latin typeface="Menlo" panose="020B0609030804020204" pitchFamily="49" charset="0"/>
+              </a:rPr>
+              <a:t>.get_vector</a:t>
+            </a:r>
+            <a:r>
+              <a:rPr lang="en-US" sz="1000" dirty="0">
+                <a:solidFill>
+                  <a:srgbClr val="000000"/>
+                </a:solidFill>
+                <a:latin typeface="Menlo" panose="020B0609030804020204" pitchFamily="49" charset="0"/>
+              </a:rPr>
+              <a:t>(</a:t>
+            </a:r>
+            <a:r>
+              <a:rPr lang="en-US" sz="1000" dirty="0">
+                <a:solidFill>
+                  <a:srgbClr val="001080"/>
+                </a:solidFill>
+                <a:latin typeface="Menlo" panose="020B0609030804020204" pitchFamily="49" charset="0"/>
+              </a:rPr>
+              <a:t>base</a:t>
+            </a:r>
+            <a:r>
+              <a:rPr lang="en-US" sz="1000" dirty="0">
+                <a:solidFill>
+                  <a:srgbClr val="000000"/>
+                </a:solidFill>
+                <a:latin typeface="Menlo" panose="020B0609030804020204" pitchFamily="49" charset="0"/>
+              </a:rPr>
+              <a:t>, </a:t>
+            </a:r>
+            <a:r>
+              <a:rPr lang="en-US" sz="1000" dirty="0">
+                <a:solidFill>
+                  <a:srgbClr val="001080"/>
+                </a:solidFill>
+                <a:latin typeface="Menlo" panose="020B0609030804020204" pitchFamily="49" charset="0"/>
+              </a:rPr>
+              <a:t>size</a:t>
+            </a:r>
+            <a:r>
+              <a:rPr lang="en-US" sz="1000" dirty="0">
+                <a:solidFill>
+                  <a:srgbClr val="000000"/>
+                </a:solidFill>
+                <a:latin typeface="Menlo" panose="020B0609030804020204" pitchFamily="49" charset="0"/>
+              </a:rPr>
+              <a:t>)</a:t>
+            </a:r>
+          </a:p>
+          <a:p>
+            <a:r>
+              <a:rPr lang="en-US" sz="1000" dirty="0" err="1">
+                <a:solidFill>
+                  <a:srgbClr val="001080"/>
+                </a:solidFill>
+                <a:latin typeface="Menlo" panose="020B0609030804020204" pitchFamily="49" charset="0"/>
+              </a:rPr>
+              <a:t>pre_trunc_penalty</a:t>
+            </a:r>
+            <a:r>
+              <a:rPr lang="en-US" sz="1000" dirty="0">
+                <a:solidFill>
+                  <a:srgbClr val="000000"/>
+                </a:solidFill>
+                <a:latin typeface="Menlo" panose="020B0609030804020204" pitchFamily="49" charset="0"/>
+              </a:rPr>
+              <a:t> = </a:t>
+            </a:r>
+            <a:r>
+              <a:rPr lang="en-US" sz="1000" dirty="0" err="1">
+                <a:solidFill>
+                  <a:srgbClr val="001080"/>
+                </a:solidFill>
+                <a:latin typeface="Menlo" panose="020B0609030804020204" pitchFamily="49" charset="0"/>
+              </a:rPr>
+              <a:t>theta_penalty</a:t>
+            </a:r>
+            <a:r>
+              <a:rPr lang="en-US" sz="1000" dirty="0" err="1">
+                <a:solidFill>
+                  <a:srgbClr val="000000"/>
+                </a:solidFill>
+                <a:latin typeface="Menlo" panose="020B0609030804020204" pitchFamily="49" charset="0"/>
+              </a:rPr>
+              <a:t>.v</a:t>
+            </a:r>
+            <a:r>
+              <a:rPr lang="en-US" sz="1000" dirty="0">
+                <a:solidFill>
+                  <a:srgbClr val="000000"/>
+                </a:solidFill>
+                <a:latin typeface="Menlo" panose="020B0609030804020204" pitchFamily="49" charset="0"/>
+              </a:rPr>
+              <a:t> * </a:t>
+            </a:r>
+            <a:r>
+              <a:rPr lang="en-US" sz="1000" dirty="0" err="1">
+                <a:solidFill>
+                  <a:srgbClr val="001080"/>
+                </a:solidFill>
+                <a:latin typeface="Menlo" panose="020B0609030804020204" pitchFamily="49" charset="0"/>
+              </a:rPr>
+              <a:t>rate</a:t>
+            </a:r>
+            <a:r>
+              <a:rPr lang="en-US" sz="1000" dirty="0" err="1">
+                <a:solidFill>
+                  <a:srgbClr val="000000"/>
+                </a:solidFill>
+                <a:latin typeface="Menlo" panose="020B0609030804020204" pitchFamily="49" charset="0"/>
+              </a:rPr>
+              <a:t>.v</a:t>
+            </a:r>
+            <a:endParaRPr lang="en-US" sz="1000" dirty="0">
+              <a:solidFill>
+                <a:srgbClr val="000000"/>
+              </a:solidFill>
+              <a:latin typeface="Menlo" panose="020B0609030804020204" pitchFamily="49" charset="0"/>
+            </a:endParaRPr>
+          </a:p>
+          <a:p>
+            <a:r>
+              <a:rPr lang="en-US" sz="1000" dirty="0">
+                <a:solidFill>
+                  <a:srgbClr val="001080"/>
+                </a:solidFill>
+                <a:latin typeface="Menlo" panose="020B0609030804020204" pitchFamily="49" charset="0"/>
+              </a:rPr>
+              <a:t>k2</a:t>
+            </a:r>
+            <a:r>
+              <a:rPr lang="en-US" sz="1000" dirty="0">
+                <a:solidFill>
+                  <a:srgbClr val="000000"/>
+                </a:solidFill>
+                <a:latin typeface="Menlo" panose="020B0609030804020204" pitchFamily="49" charset="0"/>
+              </a:rPr>
+              <a:t> = </a:t>
+            </a:r>
+            <a:r>
+              <a:rPr lang="en-US" sz="1000" dirty="0">
+                <a:solidFill>
+                  <a:srgbClr val="795E26"/>
+                </a:solidFill>
+                <a:latin typeface="Menlo" panose="020B0609030804020204" pitchFamily="49" charset="0"/>
+              </a:rPr>
+              <a:t>max</a:t>
+            </a:r>
+            <a:r>
+              <a:rPr lang="en-US" sz="1000" dirty="0">
+                <a:solidFill>
+                  <a:srgbClr val="000000"/>
+                </a:solidFill>
+                <a:latin typeface="Menlo" panose="020B0609030804020204" pitchFamily="49" charset="0"/>
+              </a:rPr>
+              <a:t>(</a:t>
+            </a:r>
+            <a:r>
+              <a:rPr lang="en-US" sz="1000" dirty="0" err="1">
+                <a:solidFill>
+                  <a:srgbClr val="001080"/>
+                </a:solidFill>
+                <a:latin typeface="Menlo" panose="020B0609030804020204" pitchFamily="49" charset="0"/>
+              </a:rPr>
+              <a:t>rate</a:t>
+            </a:r>
+            <a:r>
+              <a:rPr lang="en-US" sz="1000" dirty="0" err="1">
+                <a:solidFill>
+                  <a:srgbClr val="000000"/>
+                </a:solidFill>
+                <a:latin typeface="Menlo" panose="020B0609030804020204" pitchFamily="49" charset="0"/>
+              </a:rPr>
+              <a:t>.k,</a:t>
+            </a:r>
+            <a:r>
+              <a:rPr lang="en-US" sz="1000" dirty="0" err="1">
+                <a:solidFill>
+                  <a:srgbClr val="001080"/>
+                </a:solidFill>
+                <a:latin typeface="Menlo" panose="020B0609030804020204" pitchFamily="49" charset="0"/>
+              </a:rPr>
+              <a:t>theta_penalty</a:t>
+            </a:r>
+            <a:r>
+              <a:rPr lang="en-US" sz="1000" dirty="0" err="1">
+                <a:solidFill>
+                  <a:srgbClr val="000000"/>
+                </a:solidFill>
+                <a:latin typeface="Menlo" panose="020B0609030804020204" pitchFamily="49" charset="0"/>
+              </a:rPr>
+              <a:t>.k</a:t>
+            </a:r>
+            <a:r>
+              <a:rPr lang="en-US" sz="1000" dirty="0">
+                <a:solidFill>
+                  <a:srgbClr val="000000"/>
+                </a:solidFill>
+                <a:latin typeface="Menlo" panose="020B0609030804020204" pitchFamily="49" charset="0"/>
+              </a:rPr>
+              <a:t>) + </a:t>
+            </a:r>
+            <a:r>
+              <a:rPr lang="en-US" sz="1000" dirty="0" err="1">
+                <a:solidFill>
+                  <a:srgbClr val="001080"/>
+                </a:solidFill>
+                <a:latin typeface="Menlo" panose="020B0609030804020204" pitchFamily="49" charset="0"/>
+              </a:rPr>
+              <a:t>rate</a:t>
+            </a:r>
+            <a:r>
+              <a:rPr lang="en-US" sz="1000" dirty="0" err="1">
+                <a:solidFill>
+                  <a:srgbClr val="000000"/>
+                </a:solidFill>
+                <a:latin typeface="Menlo" panose="020B0609030804020204" pitchFamily="49" charset="0"/>
+              </a:rPr>
+              <a:t>.f</a:t>
+            </a:r>
+            <a:endParaRPr lang="en-US" sz="1000" dirty="0">
+              <a:solidFill>
+                <a:srgbClr val="000000"/>
+              </a:solidFill>
+              <a:latin typeface="Menlo" panose="020B0609030804020204" pitchFamily="49" charset="0"/>
+            </a:endParaRPr>
+          </a:p>
+          <a:p>
+            <a:r>
+              <a:rPr lang="en-US" sz="1000" dirty="0">
+                <a:solidFill>
+                  <a:srgbClr val="001080"/>
+                </a:solidFill>
+                <a:latin typeface="Menlo" panose="020B0609030804020204" pitchFamily="49" charset="0"/>
+              </a:rPr>
+              <a:t>m2</a:t>
+            </a:r>
+            <a:r>
+              <a:rPr lang="en-US" sz="1000" dirty="0">
+                <a:solidFill>
+                  <a:srgbClr val="000000"/>
+                </a:solidFill>
+                <a:latin typeface="Menlo" panose="020B0609030804020204" pitchFamily="49" charset="0"/>
+              </a:rPr>
+              <a:t> = </a:t>
+            </a:r>
+            <a:r>
+              <a:rPr lang="en-US" sz="1000" dirty="0" err="1">
+                <a:solidFill>
+                  <a:srgbClr val="001080"/>
+                </a:solidFill>
+                <a:latin typeface="Menlo" panose="020B0609030804020204" pitchFamily="49" charset="0"/>
+              </a:rPr>
+              <a:t>rate</a:t>
+            </a:r>
+            <a:r>
+              <a:rPr lang="en-US" sz="1000" dirty="0" err="1">
+                <a:solidFill>
+                  <a:srgbClr val="000000"/>
+                </a:solidFill>
+                <a:latin typeface="Menlo" panose="020B0609030804020204" pitchFamily="49" charset="0"/>
+              </a:rPr>
+              <a:t>.f</a:t>
+            </a:r>
+            <a:r>
+              <a:rPr lang="en-US" sz="1000" dirty="0">
+                <a:solidFill>
+                  <a:srgbClr val="000000"/>
+                </a:solidFill>
+                <a:latin typeface="Menlo" panose="020B0609030804020204" pitchFamily="49" charset="0"/>
+              </a:rPr>
+              <a:t> + </a:t>
+            </a:r>
+            <a:r>
+              <a:rPr lang="en-US" sz="1000" dirty="0">
+                <a:solidFill>
+                  <a:srgbClr val="267F99"/>
+                </a:solidFill>
+                <a:latin typeface="Menlo" panose="020B0609030804020204" pitchFamily="49" charset="0"/>
+              </a:rPr>
+              <a:t>int</a:t>
+            </a:r>
+            <a:r>
+              <a:rPr lang="en-US" sz="1000" dirty="0">
+                <a:solidFill>
+                  <a:srgbClr val="000000"/>
+                </a:solidFill>
+                <a:latin typeface="Menlo" panose="020B0609030804020204" pitchFamily="49" charset="0"/>
+              </a:rPr>
+              <a:t>(</a:t>
+            </a:r>
+            <a:r>
+              <a:rPr lang="en-US" sz="1000" dirty="0" err="1">
+                <a:solidFill>
+                  <a:srgbClr val="001080"/>
+                </a:solidFill>
+                <a:latin typeface="Menlo" panose="020B0609030804020204" pitchFamily="49" charset="0"/>
+              </a:rPr>
+              <a:t>log_batch_size</a:t>
+            </a:r>
+            <a:r>
+              <a:rPr lang="en-US" sz="1000" dirty="0">
+                <a:solidFill>
+                  <a:srgbClr val="000000"/>
+                </a:solidFill>
+                <a:latin typeface="Menlo" panose="020B0609030804020204" pitchFamily="49" charset="0"/>
+              </a:rPr>
+              <a:t>)</a:t>
+            </a:r>
+          </a:p>
+          <a:p>
+            <a:r>
+              <a:rPr lang="en-US" sz="1000" dirty="0">
+                <a:solidFill>
+                  <a:srgbClr val="AF00DB"/>
+                </a:solidFill>
+                <a:latin typeface="Menlo" panose="020B0609030804020204" pitchFamily="49" charset="0"/>
+              </a:rPr>
+              <a:t>if</a:t>
+            </a:r>
+            <a:r>
+              <a:rPr lang="en-US" sz="1000" dirty="0">
+                <a:solidFill>
+                  <a:srgbClr val="000000"/>
+                </a:solidFill>
+                <a:latin typeface="Menlo" panose="020B0609030804020204" pitchFamily="49" charset="0"/>
+              </a:rPr>
+              <a:t> </a:t>
+            </a:r>
+            <a:r>
+              <a:rPr lang="en-US" sz="1000" dirty="0" err="1">
+                <a:solidFill>
+                  <a:srgbClr val="001080"/>
+                </a:solidFill>
+                <a:latin typeface="Menlo" panose="020B0609030804020204" pitchFamily="49" charset="0"/>
+              </a:rPr>
+              <a:t>self</a:t>
+            </a:r>
+            <a:r>
+              <a:rPr lang="en-US" sz="1000" dirty="0" err="1">
+                <a:solidFill>
+                  <a:srgbClr val="000000"/>
+                </a:solidFill>
+                <a:latin typeface="Menlo" panose="020B0609030804020204" pitchFamily="49" charset="0"/>
+              </a:rPr>
+              <a:t>.early_division</a:t>
+            </a:r>
+            <a:r>
+              <a:rPr lang="en-US" sz="1000" dirty="0">
+                <a:solidFill>
+                  <a:srgbClr val="000000"/>
+                </a:solidFill>
+                <a:latin typeface="Menlo" panose="020B0609030804020204" pitchFamily="49" charset="0"/>
+              </a:rPr>
+              <a:t>:</a:t>
+            </a:r>
+          </a:p>
+          <a:p>
+            <a:r>
+              <a:rPr lang="en-US" sz="1000" dirty="0">
+                <a:solidFill>
+                  <a:srgbClr val="001080"/>
+                </a:solidFill>
+                <a:latin typeface="Menlo" panose="020B0609030804020204" pitchFamily="49" charset="0"/>
+              </a:rPr>
+              <a:t>	v2</a:t>
+            </a:r>
+            <a:r>
+              <a:rPr lang="en-US" sz="1000" dirty="0">
+                <a:solidFill>
+                  <a:srgbClr val="000000"/>
+                </a:solidFill>
+                <a:latin typeface="Menlo" panose="020B0609030804020204" pitchFamily="49" charset="0"/>
+              </a:rPr>
+              <a:t> = </a:t>
+            </a:r>
+            <a:r>
+              <a:rPr lang="en-US" sz="1000" dirty="0" err="1">
+                <a:solidFill>
+                  <a:srgbClr val="001080"/>
+                </a:solidFill>
+                <a:latin typeface="Menlo" panose="020B0609030804020204" pitchFamily="49" charset="0"/>
+              </a:rPr>
+              <a:t>pre_trunc_penalty</a:t>
+            </a:r>
+            <a:endParaRPr lang="en-US" sz="1000" dirty="0">
+              <a:solidFill>
+                <a:srgbClr val="000000"/>
+              </a:solidFill>
+              <a:latin typeface="Menlo" panose="020B0609030804020204" pitchFamily="49" charset="0"/>
+            </a:endParaRPr>
+          </a:p>
+          <a:p>
+            <a:r>
+              <a:rPr lang="en-US" sz="1000" dirty="0">
+                <a:solidFill>
+                  <a:srgbClr val="AF00DB"/>
+                </a:solidFill>
+                <a:latin typeface="Menlo" panose="020B0609030804020204" pitchFamily="49" charset="0"/>
+              </a:rPr>
+              <a:t>else</a:t>
+            </a:r>
+            <a:r>
+              <a:rPr lang="en-US" sz="1000" dirty="0">
+                <a:solidFill>
+                  <a:srgbClr val="000000"/>
+                </a:solidFill>
+                <a:latin typeface="Menlo" panose="020B0609030804020204" pitchFamily="49" charset="0"/>
+              </a:rPr>
+              <a:t>:</a:t>
+            </a:r>
+          </a:p>
+          <a:p>
+            <a:r>
+              <a:rPr lang="en-US" sz="1000" dirty="0">
+                <a:solidFill>
+                  <a:srgbClr val="001080"/>
+                </a:solidFill>
+                <a:latin typeface="Menlo" panose="020B0609030804020204" pitchFamily="49" charset="0"/>
+              </a:rPr>
+              <a:t>	v2</a:t>
+            </a:r>
+            <a:r>
+              <a:rPr lang="en-US" sz="1000" dirty="0">
+                <a:solidFill>
+                  <a:srgbClr val="000000"/>
+                </a:solidFill>
+                <a:latin typeface="Menlo" panose="020B0609030804020204" pitchFamily="49" charset="0"/>
+              </a:rPr>
+              <a:t> = </a:t>
+            </a:r>
+            <a:r>
+              <a:rPr lang="en-US" sz="1000" dirty="0" err="1">
+                <a:solidFill>
+                  <a:srgbClr val="001080"/>
+                </a:solidFill>
+                <a:latin typeface="Menlo" panose="020B0609030804020204" pitchFamily="49" charset="0"/>
+              </a:rPr>
+              <a:t>pre_trunc</a:t>
+            </a:r>
+            <a:r>
+              <a:rPr lang="en-US" sz="1000" dirty="0" err="1">
+                <a:solidFill>
+                  <a:srgbClr val="000000"/>
+                </a:solidFill>
+                <a:latin typeface="Menlo" panose="020B0609030804020204" pitchFamily="49" charset="0"/>
+              </a:rPr>
+              <a:t>.round</a:t>
+            </a:r>
+            <a:r>
+              <a:rPr lang="en-US" sz="1000" dirty="0">
+                <a:solidFill>
+                  <a:srgbClr val="000000"/>
+                </a:solidFill>
+                <a:latin typeface="Menlo" panose="020B0609030804020204" pitchFamily="49" charset="0"/>
+              </a:rPr>
+              <a:t>(</a:t>
+            </a:r>
+            <a:r>
+              <a:rPr lang="en-US" sz="1000" dirty="0">
+                <a:solidFill>
+                  <a:srgbClr val="001080"/>
+                </a:solidFill>
+                <a:latin typeface="Menlo" panose="020B0609030804020204" pitchFamily="49" charset="0"/>
+              </a:rPr>
+              <a:t>k2</a:t>
+            </a:r>
+            <a:r>
+              <a:rPr lang="en-US" sz="1000" dirty="0">
+                <a:solidFill>
+                  <a:srgbClr val="000000"/>
+                </a:solidFill>
+                <a:latin typeface="Menlo" panose="020B0609030804020204" pitchFamily="49" charset="0"/>
+              </a:rPr>
+              <a:t>,</a:t>
+            </a:r>
+            <a:r>
+              <a:rPr lang="en-US" sz="1000" dirty="0">
+                <a:solidFill>
+                  <a:srgbClr val="001080"/>
+                </a:solidFill>
+                <a:latin typeface="Menlo" panose="020B0609030804020204" pitchFamily="49" charset="0"/>
+              </a:rPr>
+              <a:t>m2</a:t>
+            </a:r>
+            <a:r>
+              <a:rPr lang="en-US" sz="1000" dirty="0">
+                <a:solidFill>
+                  <a:srgbClr val="000000"/>
+                </a:solidFill>
+                <a:latin typeface="Menlo" panose="020B0609030804020204" pitchFamily="49" charset="0"/>
+              </a:rPr>
+              <a:t>,</a:t>
+            </a:r>
+            <a:r>
+              <a:rPr lang="en-US" sz="1000" dirty="0">
+                <a:solidFill>
+                  <a:srgbClr val="001080"/>
+                </a:solidFill>
+                <a:latin typeface="Menlo" panose="020B0609030804020204" pitchFamily="49" charset="0"/>
+              </a:rPr>
+              <a:t>signed</a:t>
+            </a:r>
+            <a:r>
+              <a:rPr lang="en-US" sz="1000" dirty="0">
+                <a:solidFill>
+                  <a:srgbClr val="000000"/>
+                </a:solidFill>
+                <a:latin typeface="Menlo" panose="020B0609030804020204" pitchFamily="49" charset="0"/>
+              </a:rPr>
+              <a:t>=</a:t>
+            </a:r>
+            <a:r>
+              <a:rPr lang="en-US" sz="1000" dirty="0" err="1">
+                <a:solidFill>
+                  <a:srgbClr val="0000FF"/>
+                </a:solidFill>
+                <a:latin typeface="Menlo" panose="020B0609030804020204" pitchFamily="49" charset="0"/>
+              </a:rPr>
+              <a:t>True</a:t>
+            </a:r>
+            <a:r>
+              <a:rPr lang="en-US" sz="1000" dirty="0" err="1">
+                <a:solidFill>
+                  <a:srgbClr val="000000"/>
+                </a:solidFill>
+                <a:latin typeface="Menlo" panose="020B0609030804020204" pitchFamily="49" charset="0"/>
+              </a:rPr>
+              <a:t>,</a:t>
+            </a:r>
+            <a:r>
+              <a:rPr lang="en-US" sz="1000" dirty="0" err="1">
+                <a:solidFill>
+                  <a:srgbClr val="001080"/>
+                </a:solidFill>
+                <a:latin typeface="Menlo" panose="020B0609030804020204" pitchFamily="49" charset="0"/>
+              </a:rPr>
+              <a:t>nearest</a:t>
+            </a:r>
+            <a:r>
+              <a:rPr lang="en-US" sz="1000" dirty="0">
+                <a:solidFill>
+                  <a:srgbClr val="000000"/>
+                </a:solidFill>
+                <a:latin typeface="Menlo" panose="020B0609030804020204" pitchFamily="49" charset="0"/>
+              </a:rPr>
+              <a:t>=</a:t>
+            </a:r>
+            <a:r>
+              <a:rPr lang="en-US" sz="1000" dirty="0" err="1">
+                <a:solidFill>
+                  <a:srgbClr val="000000"/>
+                </a:solidFill>
+                <a:latin typeface="Menlo" panose="020B0609030804020204" pitchFamily="49" charset="0"/>
+              </a:rPr>
+              <a:t>sfix.round_nearest</a:t>
+            </a:r>
+            <a:r>
+              <a:rPr lang="en-US" sz="1000" dirty="0">
+                <a:solidFill>
+                  <a:srgbClr val="000000"/>
+                </a:solidFill>
+                <a:latin typeface="Menlo" panose="020B0609030804020204" pitchFamily="49" charset="0"/>
+              </a:rPr>
+              <a:t>)</a:t>
+            </a:r>
+          </a:p>
+          <a:p>
+            <a:r>
+              <a:rPr lang="en-US" sz="1000" dirty="0">
+                <a:solidFill>
+                  <a:srgbClr val="001080"/>
+                </a:solidFill>
+                <a:latin typeface="Menlo" panose="020B0609030804020204" pitchFamily="49" charset="0"/>
+              </a:rPr>
+              <a:t>penalty</a:t>
+            </a:r>
+            <a:r>
+              <a:rPr lang="en-US" sz="1000" dirty="0">
+                <a:solidFill>
+                  <a:srgbClr val="000000"/>
+                </a:solidFill>
+                <a:latin typeface="Menlo" panose="020B0609030804020204" pitchFamily="49" charset="0"/>
+              </a:rPr>
+              <a:t> = </a:t>
+            </a:r>
+            <a:r>
+              <a:rPr lang="en-US" sz="1000" dirty="0" err="1">
+                <a:solidFill>
+                  <a:srgbClr val="001080"/>
+                </a:solidFill>
+                <a:latin typeface="Menlo" panose="020B0609030804020204" pitchFamily="49" charset="0"/>
+              </a:rPr>
+              <a:t>theta_penalty</a:t>
+            </a:r>
+            <a:r>
+              <a:rPr lang="en-US" sz="1000" dirty="0" err="1">
+                <a:solidFill>
+                  <a:srgbClr val="000000"/>
+                </a:solidFill>
+                <a:latin typeface="Menlo" panose="020B0609030804020204" pitchFamily="49" charset="0"/>
+              </a:rPr>
+              <a:t>._new</a:t>
+            </a:r>
+            <a:r>
+              <a:rPr lang="en-US" sz="1000" dirty="0">
+                <a:solidFill>
+                  <a:srgbClr val="000000"/>
+                </a:solidFill>
+                <a:latin typeface="Menlo" panose="020B0609030804020204" pitchFamily="49" charset="0"/>
+              </a:rPr>
+              <a:t>(</a:t>
+            </a:r>
+            <a:r>
+              <a:rPr lang="en-US" sz="1000" dirty="0">
+                <a:solidFill>
+                  <a:srgbClr val="001080"/>
+                </a:solidFill>
+                <a:latin typeface="Menlo" panose="020B0609030804020204" pitchFamily="49" charset="0"/>
+              </a:rPr>
+              <a:t>v2</a:t>
+            </a:r>
+            <a:r>
+              <a:rPr lang="en-US" sz="1000" dirty="0">
+                <a:solidFill>
+                  <a:srgbClr val="000000"/>
+                </a:solidFill>
+                <a:latin typeface="Menlo" panose="020B0609030804020204" pitchFamily="49" charset="0"/>
+              </a:rPr>
+              <a:t>)</a:t>
+            </a:r>
+          </a:p>
+          <a:p>
+            <a:r>
+              <a:rPr lang="en-US" sz="1000" dirty="0">
+                <a:solidFill>
+                  <a:srgbClr val="008000"/>
+                </a:solidFill>
+                <a:latin typeface="Menlo" panose="020B0609030804020204" pitchFamily="49" charset="0"/>
+              </a:rPr>
+              <a:t>###end</a:t>
+            </a:r>
+            <a:endParaRPr lang="en-US" sz="1000" dirty="0">
+              <a:solidFill>
+                <a:srgbClr val="000000"/>
+              </a:solidFill>
+              <a:latin typeface="Menlo" panose="020B0609030804020204" pitchFamily="49" charset="0"/>
+            </a:endParaRPr>
+          </a:p>
+          <a:p>
+            <a:br>
+              <a:rPr lang="en-US" sz="1000" dirty="0">
+                <a:solidFill>
+                  <a:srgbClr val="000000"/>
+                </a:solidFill>
+                <a:latin typeface="Menlo" panose="020B0609030804020204" pitchFamily="49" charset="0"/>
+              </a:rPr>
+            </a:br>
+            <a:r>
+              <a:rPr lang="en-US" sz="1000" dirty="0">
+                <a:solidFill>
+                  <a:srgbClr val="001080"/>
+                </a:solidFill>
+                <a:latin typeface="Menlo" panose="020B0609030804020204" pitchFamily="49" charset="0"/>
+              </a:rPr>
+              <a:t>k</a:t>
+            </a:r>
+            <a:r>
+              <a:rPr lang="en-US" sz="1000" dirty="0">
+                <a:solidFill>
+                  <a:srgbClr val="000000"/>
+                </a:solidFill>
+                <a:latin typeface="Menlo" panose="020B0609030804020204" pitchFamily="49" charset="0"/>
+              </a:rPr>
+              <a:t> = </a:t>
+            </a:r>
+            <a:r>
+              <a:rPr lang="en-US" sz="1000" dirty="0">
+                <a:solidFill>
+                  <a:srgbClr val="795E26"/>
+                </a:solidFill>
+                <a:latin typeface="Menlo" panose="020B0609030804020204" pitchFamily="49" charset="0"/>
+              </a:rPr>
+              <a:t>max</a:t>
+            </a:r>
+            <a:r>
+              <a:rPr lang="en-US" sz="1000" dirty="0">
+                <a:solidFill>
+                  <a:srgbClr val="000000"/>
+                </a:solidFill>
+                <a:latin typeface="Menlo" panose="020B0609030804020204" pitchFamily="49" charset="0"/>
+              </a:rPr>
+              <a:t>(</a:t>
+            </a:r>
+            <a:r>
+              <a:rPr lang="en-US" sz="1000" dirty="0" err="1">
+                <a:solidFill>
+                  <a:srgbClr val="001080"/>
+                </a:solidFill>
+                <a:latin typeface="Menlo" panose="020B0609030804020204" pitchFamily="49" charset="0"/>
+              </a:rPr>
+              <a:t>nabla_vector</a:t>
+            </a:r>
+            <a:r>
+              <a:rPr lang="en-US" sz="1000" dirty="0" err="1">
+                <a:solidFill>
+                  <a:srgbClr val="000000"/>
+                </a:solidFill>
+                <a:latin typeface="Menlo" panose="020B0609030804020204" pitchFamily="49" charset="0"/>
+              </a:rPr>
+              <a:t>.k</a:t>
+            </a:r>
+            <a:r>
+              <a:rPr lang="en-US" sz="1000" dirty="0">
+                <a:solidFill>
+                  <a:srgbClr val="000000"/>
+                </a:solidFill>
+                <a:latin typeface="Menlo" panose="020B0609030804020204" pitchFamily="49" charset="0"/>
+              </a:rPr>
+              <a:t>, </a:t>
+            </a:r>
+            <a:r>
+              <a:rPr lang="en-US" sz="1000" dirty="0" err="1">
+                <a:solidFill>
+                  <a:srgbClr val="001080"/>
+                </a:solidFill>
+                <a:latin typeface="Menlo" panose="020B0609030804020204" pitchFamily="49" charset="0"/>
+              </a:rPr>
+              <a:t>rate</a:t>
+            </a:r>
+            <a:r>
+              <a:rPr lang="en-US" sz="1000" dirty="0" err="1">
+                <a:solidFill>
+                  <a:srgbClr val="000000"/>
+                </a:solidFill>
+                <a:latin typeface="Menlo" panose="020B0609030804020204" pitchFamily="49" charset="0"/>
+              </a:rPr>
+              <a:t>.k</a:t>
+            </a:r>
+            <a:r>
+              <a:rPr lang="en-US" sz="1000" dirty="0">
+                <a:solidFill>
+                  <a:srgbClr val="000000"/>
+                </a:solidFill>
+                <a:latin typeface="Menlo" panose="020B0609030804020204" pitchFamily="49" charset="0"/>
+              </a:rPr>
+              <a:t>) + </a:t>
+            </a:r>
+            <a:r>
+              <a:rPr lang="en-US" sz="1000" dirty="0" err="1">
+                <a:solidFill>
+                  <a:srgbClr val="001080"/>
+                </a:solidFill>
+                <a:latin typeface="Menlo" panose="020B0609030804020204" pitchFamily="49" charset="0"/>
+              </a:rPr>
+              <a:t>rate</a:t>
+            </a:r>
+            <a:r>
+              <a:rPr lang="en-US" sz="1000" dirty="0" err="1">
+                <a:solidFill>
+                  <a:srgbClr val="000000"/>
+                </a:solidFill>
+                <a:latin typeface="Menlo" panose="020B0609030804020204" pitchFamily="49" charset="0"/>
+              </a:rPr>
+              <a:t>.f</a:t>
+            </a:r>
+            <a:r>
+              <a:rPr lang="en-US" sz="1000" dirty="0">
+                <a:solidFill>
+                  <a:srgbClr val="000000"/>
+                </a:solidFill>
+                <a:latin typeface="Menlo" panose="020B0609030804020204" pitchFamily="49" charset="0"/>
+              </a:rPr>
+              <a:t> </a:t>
+            </a:r>
+            <a:r>
+              <a:rPr lang="en-US" sz="1000" dirty="0">
+                <a:solidFill>
+                  <a:srgbClr val="008000"/>
+                </a:solidFill>
+                <a:latin typeface="Menlo" panose="020B0609030804020204" pitchFamily="49" charset="0"/>
+              </a:rPr>
+              <a:t># f: is bit length of decimal part, k: whole bit length of fixed point</a:t>
+            </a:r>
+            <a:endParaRPr lang="en-US" sz="1000" dirty="0">
+              <a:solidFill>
+                <a:srgbClr val="000000"/>
+              </a:solidFill>
+              <a:latin typeface="Menlo" panose="020B0609030804020204" pitchFamily="49" charset="0"/>
+            </a:endParaRPr>
+          </a:p>
+          <a:p>
+            <a:r>
+              <a:rPr lang="en-US" sz="1000" dirty="0">
+                <a:solidFill>
+                  <a:srgbClr val="001080"/>
+                </a:solidFill>
+                <a:latin typeface="Menlo" panose="020B0609030804020204" pitchFamily="49" charset="0"/>
+              </a:rPr>
+              <a:t>m</a:t>
+            </a:r>
+            <a:r>
+              <a:rPr lang="en-US" sz="1000" dirty="0">
+                <a:solidFill>
+                  <a:srgbClr val="000000"/>
+                </a:solidFill>
+                <a:latin typeface="Menlo" panose="020B0609030804020204" pitchFamily="49" charset="0"/>
+              </a:rPr>
+              <a:t> = </a:t>
+            </a:r>
+            <a:r>
+              <a:rPr lang="en-US" sz="1000" dirty="0" err="1">
+                <a:solidFill>
+                  <a:srgbClr val="001080"/>
+                </a:solidFill>
+                <a:latin typeface="Menlo" panose="020B0609030804020204" pitchFamily="49" charset="0"/>
+              </a:rPr>
+              <a:t>rate</a:t>
+            </a:r>
+            <a:r>
+              <a:rPr lang="en-US" sz="1000" dirty="0" err="1">
+                <a:solidFill>
+                  <a:srgbClr val="000000"/>
+                </a:solidFill>
+                <a:latin typeface="Menlo" panose="020B0609030804020204" pitchFamily="49" charset="0"/>
+              </a:rPr>
+              <a:t>.f</a:t>
+            </a:r>
+            <a:r>
+              <a:rPr lang="en-US" sz="1000" dirty="0">
+                <a:solidFill>
+                  <a:srgbClr val="000000"/>
+                </a:solidFill>
+                <a:latin typeface="Menlo" panose="020B0609030804020204" pitchFamily="49" charset="0"/>
+              </a:rPr>
+              <a:t> + </a:t>
+            </a:r>
+            <a:r>
+              <a:rPr lang="en-US" sz="1000" dirty="0">
+                <a:solidFill>
+                  <a:srgbClr val="267F99"/>
+                </a:solidFill>
+                <a:latin typeface="Menlo" panose="020B0609030804020204" pitchFamily="49" charset="0"/>
+              </a:rPr>
+              <a:t>int</a:t>
+            </a:r>
+            <a:r>
+              <a:rPr lang="en-US" sz="1000" dirty="0">
+                <a:solidFill>
+                  <a:srgbClr val="000000"/>
+                </a:solidFill>
+                <a:latin typeface="Menlo" panose="020B0609030804020204" pitchFamily="49" charset="0"/>
+              </a:rPr>
+              <a:t>(</a:t>
+            </a:r>
+            <a:r>
+              <a:rPr lang="en-US" sz="1000" dirty="0" err="1">
+                <a:solidFill>
+                  <a:srgbClr val="001080"/>
+                </a:solidFill>
+                <a:latin typeface="Menlo" panose="020B0609030804020204" pitchFamily="49" charset="0"/>
+              </a:rPr>
+              <a:t>log_batch_size</a:t>
+            </a:r>
+            <a:r>
+              <a:rPr lang="en-US" sz="1000" dirty="0">
+                <a:solidFill>
+                  <a:srgbClr val="000000"/>
+                </a:solidFill>
+                <a:latin typeface="Menlo" panose="020B0609030804020204" pitchFamily="49" charset="0"/>
+              </a:rPr>
+              <a:t>)</a:t>
+            </a:r>
+          </a:p>
+          <a:p>
+            <a:r>
+              <a:rPr lang="en-US" sz="1000" dirty="0">
+                <a:solidFill>
+                  <a:srgbClr val="008000"/>
+                </a:solidFill>
+                <a:latin typeface="Menlo" panose="020B0609030804020204" pitchFamily="49" charset="0"/>
+              </a:rPr>
+              <a:t>### added by </a:t>
+            </a:r>
+            <a:r>
+              <a:rPr lang="en-US" sz="1000" dirty="0" err="1">
+                <a:solidFill>
+                  <a:srgbClr val="008000"/>
+                </a:solidFill>
+                <a:latin typeface="Menlo" panose="020B0609030804020204" pitchFamily="49" charset="0"/>
+              </a:rPr>
+              <a:t>ricardo</a:t>
+            </a:r>
+            <a:endParaRPr lang="en-US" sz="1000" dirty="0">
+              <a:solidFill>
+                <a:srgbClr val="000000"/>
+              </a:solidFill>
+              <a:latin typeface="Menlo" panose="020B0609030804020204" pitchFamily="49" charset="0"/>
+            </a:endParaRPr>
+          </a:p>
+          <a:p>
+            <a:r>
+              <a:rPr lang="en-US" sz="1000" dirty="0">
+                <a:solidFill>
+                  <a:srgbClr val="008000"/>
+                </a:solidFill>
+                <a:latin typeface="Menlo" panose="020B0609030804020204" pitchFamily="49" charset="0"/>
+              </a:rPr>
+              <a:t>#if </a:t>
+            </a:r>
+            <a:r>
+              <a:rPr lang="en-US" sz="1000" dirty="0" err="1">
+                <a:solidFill>
+                  <a:srgbClr val="008000"/>
+                </a:solidFill>
+                <a:latin typeface="Menlo" panose="020B0609030804020204" pitchFamily="49" charset="0"/>
+              </a:rPr>
+              <a:t>self.early_division</a:t>
+            </a:r>
+            <a:r>
+              <a:rPr lang="en-US" sz="1000" dirty="0">
+                <a:solidFill>
+                  <a:srgbClr val="008000"/>
+                </a:solidFill>
+                <a:latin typeface="Menlo" panose="020B0609030804020204" pitchFamily="49" charset="0"/>
+              </a:rPr>
+              <a:t>:</a:t>
+            </a:r>
+            <a:endParaRPr lang="en-US" sz="1000" dirty="0">
+              <a:solidFill>
+                <a:srgbClr val="000000"/>
+              </a:solidFill>
+              <a:latin typeface="Menlo" panose="020B0609030804020204" pitchFamily="49" charset="0"/>
+            </a:endParaRPr>
+          </a:p>
+          <a:p>
+            <a:r>
+              <a:rPr lang="en-US" sz="1000" dirty="0">
+                <a:solidFill>
+                  <a:srgbClr val="008000"/>
+                </a:solidFill>
+                <a:latin typeface="Menlo" panose="020B0609030804020204" pitchFamily="49" charset="0"/>
+              </a:rPr>
+              <a:t>#	v = </a:t>
+            </a:r>
+            <a:r>
+              <a:rPr lang="en-US" sz="1000" dirty="0" err="1">
+                <a:solidFill>
+                  <a:srgbClr val="008000"/>
+                </a:solidFill>
+                <a:latin typeface="Menlo" panose="020B0609030804020204" pitchFamily="49" charset="0"/>
+              </a:rPr>
+              <a:t>pre_trunc</a:t>
+            </a:r>
+            <a:endParaRPr lang="en-US" sz="1000" dirty="0">
+              <a:solidFill>
+                <a:srgbClr val="000000"/>
+              </a:solidFill>
+              <a:latin typeface="Menlo" panose="020B0609030804020204" pitchFamily="49" charset="0"/>
+            </a:endParaRPr>
+          </a:p>
+          <a:p>
+            <a:r>
+              <a:rPr lang="en-US" sz="1000" dirty="0">
+                <a:solidFill>
+                  <a:srgbClr val="008000"/>
+                </a:solidFill>
+                <a:latin typeface="Menlo" panose="020B0609030804020204" pitchFamily="49" charset="0"/>
+              </a:rPr>
+              <a:t>#else:</a:t>
+            </a:r>
+            <a:endParaRPr lang="en-US" sz="1000" dirty="0">
+              <a:solidFill>
+                <a:srgbClr val="000000"/>
+              </a:solidFill>
+              <a:latin typeface="Menlo" panose="020B0609030804020204" pitchFamily="49" charset="0"/>
+            </a:endParaRPr>
+          </a:p>
+          <a:p>
+            <a:r>
+              <a:rPr lang="en-US" sz="1000" dirty="0">
+                <a:solidFill>
+                  <a:srgbClr val="008000"/>
+                </a:solidFill>
+                <a:latin typeface="Menlo" panose="020B0609030804020204" pitchFamily="49" charset="0"/>
+              </a:rPr>
+              <a:t>#	v = </a:t>
+            </a:r>
+            <a:r>
+              <a:rPr lang="en-US" sz="1000" dirty="0" err="1">
+                <a:solidFill>
+                  <a:srgbClr val="008000"/>
+                </a:solidFill>
+                <a:latin typeface="Menlo" panose="020B0609030804020204" pitchFamily="49" charset="0"/>
+              </a:rPr>
+              <a:t>pre_trunc.round</a:t>
+            </a:r>
+            <a:r>
+              <a:rPr lang="en-US" sz="1000" dirty="0">
+                <a:solidFill>
+                  <a:srgbClr val="008000"/>
+                </a:solidFill>
+                <a:latin typeface="Menlo" panose="020B0609030804020204" pitchFamily="49" charset="0"/>
+              </a:rPr>
+              <a:t>(k, m, signed=True,</a:t>
+            </a:r>
+            <a:r>
+              <a:rPr lang="en-US" sz="1000" dirty="0">
+                <a:solidFill>
+                  <a:srgbClr val="000000"/>
+                </a:solidFill>
+                <a:latin typeface="Menlo" panose="020B0609030804020204" pitchFamily="49" charset="0"/>
+              </a:rPr>
+              <a:t> </a:t>
+            </a:r>
+            <a:r>
+              <a:rPr lang="en-US" sz="1000" dirty="0">
+                <a:solidFill>
+                  <a:srgbClr val="008000"/>
+                </a:solidFill>
+                <a:latin typeface="Menlo" panose="020B0609030804020204" pitchFamily="49" charset="0"/>
+              </a:rPr>
+              <a:t>nearest=</a:t>
+            </a:r>
+            <a:r>
+              <a:rPr lang="en-US" sz="1000" dirty="0" err="1">
+                <a:solidFill>
+                  <a:srgbClr val="008000"/>
+                </a:solidFill>
+                <a:latin typeface="Menlo" panose="020B0609030804020204" pitchFamily="49" charset="0"/>
+              </a:rPr>
+              <a:t>sfix.round_nearest</a:t>
+            </a:r>
+            <a:r>
+              <a:rPr lang="en-US" sz="1000" dirty="0">
+                <a:solidFill>
+                  <a:srgbClr val="008000"/>
+                </a:solidFill>
+                <a:latin typeface="Menlo" panose="020B0609030804020204" pitchFamily="49" charset="0"/>
+              </a:rPr>
+              <a:t>) </a:t>
+            </a:r>
+            <a:endParaRPr lang="en-US" sz="1000" dirty="0">
+              <a:solidFill>
+                <a:srgbClr val="000000"/>
+              </a:solidFill>
+              <a:latin typeface="Menlo" panose="020B0609030804020204" pitchFamily="49" charset="0"/>
+            </a:endParaRPr>
+          </a:p>
+          <a:p>
+            <a:r>
+              <a:rPr lang="en-US" sz="1000" dirty="0">
+                <a:solidFill>
+                  <a:srgbClr val="001080"/>
+                </a:solidFill>
+                <a:latin typeface="Menlo" panose="020B0609030804020204" pitchFamily="49" charset="0"/>
+              </a:rPr>
+              <a:t>new</a:t>
+            </a:r>
+            <a:r>
+              <a:rPr lang="en-US" sz="1000" dirty="0">
+                <a:solidFill>
+                  <a:srgbClr val="000000"/>
+                </a:solidFill>
+                <a:latin typeface="Menlo" panose="020B0609030804020204" pitchFamily="49" charset="0"/>
+              </a:rPr>
+              <a:t> = </a:t>
+            </a:r>
+            <a:r>
+              <a:rPr lang="en-US" sz="1000" dirty="0" err="1">
+                <a:solidFill>
+                  <a:srgbClr val="001080"/>
+                </a:solidFill>
+                <a:latin typeface="Menlo" panose="020B0609030804020204" pitchFamily="49" charset="0"/>
+              </a:rPr>
+              <a:t>nabla_vector</a:t>
+            </a:r>
+            <a:r>
+              <a:rPr lang="en-US" sz="1000" dirty="0" err="1">
+                <a:solidFill>
+                  <a:srgbClr val="000000"/>
+                </a:solidFill>
+                <a:latin typeface="Menlo" panose="020B0609030804020204" pitchFamily="49" charset="0"/>
+              </a:rPr>
+              <a:t>._new</a:t>
+            </a:r>
+            <a:r>
+              <a:rPr lang="en-US" sz="1000" dirty="0">
+                <a:solidFill>
+                  <a:srgbClr val="000000"/>
+                </a:solidFill>
+                <a:latin typeface="Menlo" panose="020B0609030804020204" pitchFamily="49" charset="0"/>
+              </a:rPr>
+              <a:t>(</a:t>
+            </a:r>
+            <a:r>
+              <a:rPr lang="en-US" sz="1000" dirty="0">
+                <a:solidFill>
+                  <a:srgbClr val="001080"/>
+                </a:solidFill>
+                <a:latin typeface="Menlo" panose="020B0609030804020204" pitchFamily="49" charset="0"/>
+              </a:rPr>
+              <a:t>v2</a:t>
+            </a:r>
+            <a:r>
+              <a:rPr lang="en-US" sz="1000" dirty="0">
+                <a:solidFill>
+                  <a:srgbClr val="000000"/>
+                </a:solidFill>
+                <a:latin typeface="Menlo" panose="020B0609030804020204" pitchFamily="49" charset="0"/>
+              </a:rPr>
+              <a:t>)</a:t>
+            </a:r>
+          </a:p>
+          <a:p>
+            <a:r>
+              <a:rPr lang="en-US" sz="1000" dirty="0">
+                <a:solidFill>
+                  <a:srgbClr val="008000"/>
+                </a:solidFill>
+                <a:latin typeface="Menlo" panose="020B0609030804020204" pitchFamily="49" charset="0"/>
+              </a:rPr>
+              <a:t>###end</a:t>
+            </a:r>
+            <a:endParaRPr lang="en-US" sz="1000" dirty="0">
+              <a:solidFill>
+                <a:srgbClr val="000000"/>
+              </a:solidFill>
+              <a:latin typeface="Menlo" panose="020B0609030804020204" pitchFamily="49" charset="0"/>
+            </a:endParaRPr>
+          </a:p>
+          <a:p>
+            <a:r>
+              <a:rPr lang="en-US" sz="1000" dirty="0">
+                <a:solidFill>
+                  <a:srgbClr val="008000"/>
+                </a:solidFill>
+                <a:latin typeface="Menlo" panose="020B0609030804020204" pitchFamily="49" charset="0"/>
+              </a:rPr>
+              <a:t>### modified by </a:t>
+            </a:r>
+            <a:r>
+              <a:rPr lang="en-US" sz="1000" dirty="0" err="1">
+                <a:solidFill>
+                  <a:srgbClr val="008000"/>
+                </a:solidFill>
+                <a:latin typeface="Menlo" panose="020B0609030804020204" pitchFamily="49" charset="0"/>
+              </a:rPr>
+              <a:t>sikha</a:t>
+            </a:r>
+            <a:endParaRPr lang="en-US" sz="1000" dirty="0">
+              <a:solidFill>
+                <a:srgbClr val="000000"/>
+              </a:solidFill>
+              <a:latin typeface="Menlo" panose="020B0609030804020204" pitchFamily="49" charset="0"/>
+            </a:endParaRPr>
+          </a:p>
+          <a:p>
+            <a:r>
+              <a:rPr lang="en-US" sz="1000" dirty="0">
+                <a:solidFill>
+                  <a:srgbClr val="001080"/>
+                </a:solidFill>
+                <a:latin typeface="Menlo" panose="020B0609030804020204" pitchFamily="49" charset="0"/>
+              </a:rPr>
+              <a:t>diff</a:t>
+            </a:r>
+            <a:r>
+              <a:rPr lang="en-US" sz="1000" dirty="0">
+                <a:solidFill>
+                  <a:srgbClr val="000000"/>
+                </a:solidFill>
+                <a:latin typeface="Menlo" panose="020B0609030804020204" pitchFamily="49" charset="0"/>
+              </a:rPr>
+              <a:t> = </a:t>
+            </a:r>
+            <a:r>
+              <a:rPr lang="en-US" sz="1000" dirty="0" err="1">
+                <a:solidFill>
+                  <a:srgbClr val="001080"/>
+                </a:solidFill>
+                <a:latin typeface="Menlo" panose="020B0609030804020204" pitchFamily="49" charset="0"/>
+              </a:rPr>
+              <a:t>red_old</a:t>
+            </a:r>
+            <a:r>
+              <a:rPr lang="en-US" sz="1000" dirty="0">
+                <a:solidFill>
+                  <a:srgbClr val="000000"/>
+                </a:solidFill>
+                <a:latin typeface="Menlo" panose="020B0609030804020204" pitchFamily="49" charset="0"/>
+              </a:rPr>
+              <a:t> - </a:t>
+            </a:r>
+            <a:r>
+              <a:rPr lang="en-US" sz="1000" dirty="0">
+                <a:solidFill>
+                  <a:srgbClr val="001080"/>
+                </a:solidFill>
+                <a:latin typeface="Menlo" panose="020B0609030804020204" pitchFamily="49" charset="0"/>
+              </a:rPr>
+              <a:t>new</a:t>
+            </a:r>
+            <a:r>
+              <a:rPr lang="en-US" sz="1000" dirty="0">
+                <a:solidFill>
+                  <a:srgbClr val="000000"/>
+                </a:solidFill>
+                <a:latin typeface="Menlo" panose="020B0609030804020204" pitchFamily="49" charset="0"/>
+              </a:rPr>
+              <a:t> - </a:t>
+            </a:r>
+            <a:r>
+              <a:rPr lang="en-US" sz="1000" dirty="0">
+                <a:solidFill>
+                  <a:srgbClr val="001080"/>
+                </a:solidFill>
+                <a:latin typeface="Menlo" panose="020B0609030804020204" pitchFamily="49" charset="0"/>
+              </a:rPr>
+              <a:t>penalty</a:t>
+            </a:r>
+            <a:endParaRPr lang="en-US" sz="1000" dirty="0">
+              <a:solidFill>
+                <a:srgbClr val="000000"/>
+              </a:solidFill>
+              <a:latin typeface="Menlo" panose="020B0609030804020204" pitchFamily="49" charset="0"/>
+            </a:endParaRPr>
+          </a:p>
+          <a:p>
+            <a:r>
+              <a:rPr lang="en-US" sz="1000" dirty="0">
+                <a:solidFill>
+                  <a:srgbClr val="008000"/>
+                </a:solidFill>
+                <a:latin typeface="Menlo" panose="020B0609030804020204" pitchFamily="49" charset="0"/>
+              </a:rPr>
+              <a:t>#diff = </a:t>
+            </a:r>
+            <a:r>
+              <a:rPr lang="en-US" sz="1000" dirty="0" err="1">
+                <a:solidFill>
+                  <a:srgbClr val="008000"/>
+                </a:solidFill>
+                <a:latin typeface="Menlo" panose="020B0609030804020204" pitchFamily="49" charset="0"/>
+              </a:rPr>
+              <a:t>red_old</a:t>
+            </a:r>
+            <a:r>
+              <a:rPr lang="en-US" sz="1000" dirty="0">
+                <a:solidFill>
+                  <a:srgbClr val="008000"/>
+                </a:solidFill>
+                <a:latin typeface="Menlo" panose="020B0609030804020204" pitchFamily="49" charset="0"/>
+              </a:rPr>
+              <a:t> - new # momentum * </a:t>
+            </a:r>
+            <a:r>
+              <a:rPr lang="en-US" sz="1000" dirty="0" err="1">
+                <a:solidFill>
+                  <a:srgbClr val="008000"/>
+                </a:solidFill>
+                <a:latin typeface="Menlo" panose="020B0609030804020204" pitchFamily="49" charset="0"/>
+              </a:rPr>
+              <a:t>delta_theta</a:t>
+            </a:r>
+            <a:r>
+              <a:rPr lang="en-US" sz="1000" dirty="0">
+                <a:solidFill>
+                  <a:srgbClr val="008000"/>
+                </a:solidFill>
+                <a:latin typeface="Menlo" panose="020B0609030804020204" pitchFamily="49" charset="0"/>
+              </a:rPr>
+              <a:t> - </a:t>
+            </a:r>
+            <a:r>
+              <a:rPr lang="en-US" sz="1000" dirty="0" err="1">
+                <a:solidFill>
+                  <a:srgbClr val="008000"/>
+                </a:solidFill>
+                <a:latin typeface="Menlo" panose="020B0609030804020204" pitchFamily="49" charset="0"/>
+              </a:rPr>
+              <a:t>nabla</a:t>
+            </a:r>
+            <a:endParaRPr lang="en-US" sz="1000" dirty="0">
+              <a:solidFill>
+                <a:srgbClr val="000000"/>
+              </a:solidFill>
+              <a:latin typeface="Menlo" panose="020B0609030804020204" pitchFamily="49" charset="0"/>
+            </a:endParaRPr>
+          </a:p>
+          <a:p>
+            <a:r>
+              <a:rPr lang="en-US" sz="1000" dirty="0">
+                <a:solidFill>
+                  <a:srgbClr val="008000"/>
+                </a:solidFill>
+                <a:latin typeface="Menlo" panose="020B0609030804020204" pitchFamily="49" charset="0"/>
+              </a:rPr>
+              <a:t>### end </a:t>
+            </a:r>
+            <a:endParaRPr lang="en-US" sz="1000" dirty="0">
+              <a:solidFill>
+                <a:srgbClr val="000000"/>
+              </a:solidFill>
+              <a:latin typeface="Menlo" panose="020B0609030804020204" pitchFamily="49" charset="0"/>
+            </a:endParaRPr>
+          </a:p>
+          <a:p>
+            <a:r>
+              <a:rPr lang="en-US" sz="1000" dirty="0" err="1">
+                <a:solidFill>
+                  <a:srgbClr val="001080"/>
+                </a:solidFill>
+                <a:latin typeface="Menlo" panose="020B0609030804020204" pitchFamily="49" charset="0"/>
+              </a:rPr>
+              <a:t>delta_theta</a:t>
+            </a:r>
+            <a:r>
+              <a:rPr lang="en-US" sz="1000" dirty="0" err="1">
+                <a:solidFill>
+                  <a:srgbClr val="000000"/>
+                </a:solidFill>
+                <a:latin typeface="Menlo" panose="020B0609030804020204" pitchFamily="49" charset="0"/>
+              </a:rPr>
+              <a:t>.assign_vector</a:t>
+            </a:r>
+            <a:r>
+              <a:rPr lang="en-US" sz="1000" dirty="0">
+                <a:solidFill>
+                  <a:srgbClr val="000000"/>
+                </a:solidFill>
+                <a:latin typeface="Menlo" panose="020B0609030804020204" pitchFamily="49" charset="0"/>
+              </a:rPr>
+              <a:t>(</a:t>
+            </a:r>
+            <a:r>
+              <a:rPr lang="en-US" sz="1000" dirty="0">
+                <a:solidFill>
+                  <a:srgbClr val="001080"/>
+                </a:solidFill>
+                <a:latin typeface="Menlo" panose="020B0609030804020204" pitchFamily="49" charset="0"/>
+              </a:rPr>
+              <a:t>diff</a:t>
+            </a:r>
+            <a:r>
+              <a:rPr lang="en-US" sz="1000" dirty="0">
+                <a:solidFill>
+                  <a:srgbClr val="000000"/>
+                </a:solidFill>
+                <a:latin typeface="Menlo" panose="020B0609030804020204" pitchFamily="49" charset="0"/>
+              </a:rPr>
+              <a:t>, </a:t>
+            </a:r>
+            <a:r>
+              <a:rPr lang="en-US" sz="1000" dirty="0">
+                <a:solidFill>
+                  <a:srgbClr val="001080"/>
+                </a:solidFill>
+                <a:latin typeface="Menlo" panose="020B0609030804020204" pitchFamily="49" charset="0"/>
+              </a:rPr>
+              <a:t>base</a:t>
+            </a:r>
+            <a:r>
+              <a:rPr lang="en-US" sz="1000" dirty="0">
+                <a:solidFill>
+                  <a:srgbClr val="000000"/>
+                </a:solidFill>
+                <a:latin typeface="Menlo" panose="020B0609030804020204" pitchFamily="49" charset="0"/>
+              </a:rPr>
+              <a:t>) </a:t>
+            </a:r>
+            <a:r>
+              <a:rPr lang="en-US" sz="1000" dirty="0">
+                <a:solidFill>
+                  <a:srgbClr val="008000"/>
+                </a:solidFill>
+                <a:latin typeface="Menlo" panose="020B0609030804020204" pitchFamily="49" charset="0"/>
+              </a:rPr>
+              <a:t># </a:t>
+            </a:r>
+            <a:r>
+              <a:rPr lang="en-US" sz="1000" dirty="0" err="1">
+                <a:solidFill>
+                  <a:srgbClr val="008000"/>
+                </a:solidFill>
+                <a:latin typeface="Menlo" panose="020B0609030804020204" pitchFamily="49" charset="0"/>
+              </a:rPr>
+              <a:t>delta_theta</a:t>
+            </a:r>
+            <a:r>
+              <a:rPr lang="en-US" sz="1000" dirty="0">
+                <a:solidFill>
+                  <a:srgbClr val="008000"/>
+                </a:solidFill>
+                <a:latin typeface="Menlo" panose="020B0609030804020204" pitchFamily="49" charset="0"/>
+              </a:rPr>
+              <a:t> = momentum *</a:t>
+            </a:r>
+            <a:r>
+              <a:rPr lang="en-US" sz="1000" dirty="0" err="1">
+                <a:solidFill>
+                  <a:srgbClr val="008000"/>
+                </a:solidFill>
+                <a:latin typeface="Menlo" panose="020B0609030804020204" pitchFamily="49" charset="0"/>
+              </a:rPr>
+              <a:t>delta_theta</a:t>
+            </a:r>
+            <a:r>
+              <a:rPr lang="en-US" sz="1000" dirty="0">
+                <a:solidFill>
+                  <a:srgbClr val="008000"/>
+                </a:solidFill>
+                <a:latin typeface="Menlo" panose="020B0609030804020204" pitchFamily="49" charset="0"/>
+              </a:rPr>
+              <a:t> - </a:t>
+            </a:r>
+            <a:r>
+              <a:rPr lang="en-US" sz="1000" dirty="0" err="1">
+                <a:solidFill>
+                  <a:srgbClr val="008000"/>
+                </a:solidFill>
+                <a:latin typeface="Menlo" panose="020B0609030804020204" pitchFamily="49" charset="0"/>
+              </a:rPr>
+              <a:t>nabla</a:t>
+            </a:r>
+            <a:r>
+              <a:rPr lang="en-US" sz="1000" dirty="0">
+                <a:solidFill>
+                  <a:srgbClr val="008000"/>
+                </a:solidFill>
+                <a:latin typeface="Menlo" panose="020B0609030804020204" pitchFamily="49" charset="0"/>
+              </a:rPr>
+              <a:t>*</a:t>
+            </a:r>
+            <a:r>
+              <a:rPr lang="en-US" sz="1000" dirty="0" err="1">
+                <a:solidFill>
+                  <a:srgbClr val="008000"/>
+                </a:solidFill>
+                <a:latin typeface="Menlo" panose="020B0609030804020204" pitchFamily="49" charset="0"/>
+              </a:rPr>
+              <a:t>learning_rate</a:t>
+            </a:r>
+            <a:endParaRPr lang="en-US" sz="1000" dirty="0">
+              <a:solidFill>
+                <a:srgbClr val="000000"/>
+              </a:solidFill>
+              <a:latin typeface="Menlo" panose="020B0609030804020204" pitchFamily="49" charset="0"/>
+            </a:endParaRPr>
+          </a:p>
+          <a:p>
+            <a:r>
+              <a:rPr lang="en-US" sz="1000" dirty="0" err="1">
+                <a:solidFill>
+                  <a:srgbClr val="001080"/>
+                </a:solidFill>
+                <a:latin typeface="Menlo" panose="020B0609030804020204" pitchFamily="49" charset="0"/>
+              </a:rPr>
+              <a:t>theta</a:t>
+            </a:r>
+            <a:r>
+              <a:rPr lang="en-US" sz="1000" dirty="0" err="1">
+                <a:solidFill>
+                  <a:srgbClr val="000000"/>
+                </a:solidFill>
+                <a:latin typeface="Menlo" panose="020B0609030804020204" pitchFamily="49" charset="0"/>
+              </a:rPr>
+              <a:t>.assign_vector</a:t>
+            </a:r>
+            <a:r>
+              <a:rPr lang="en-US" sz="1000" dirty="0">
+                <a:solidFill>
+                  <a:srgbClr val="000000"/>
+                </a:solidFill>
+                <a:latin typeface="Menlo" panose="020B0609030804020204" pitchFamily="49" charset="0"/>
+              </a:rPr>
+              <a:t>(</a:t>
+            </a:r>
+            <a:r>
+              <a:rPr lang="en-US" sz="1000" dirty="0" err="1">
+                <a:solidFill>
+                  <a:srgbClr val="001080"/>
+                </a:solidFill>
+                <a:latin typeface="Menlo" panose="020B0609030804020204" pitchFamily="49" charset="0"/>
+              </a:rPr>
+              <a:t>theta</a:t>
+            </a:r>
+            <a:r>
+              <a:rPr lang="en-US" sz="1000" dirty="0" err="1">
+                <a:solidFill>
+                  <a:srgbClr val="000000"/>
+                </a:solidFill>
+                <a:latin typeface="Menlo" panose="020B0609030804020204" pitchFamily="49" charset="0"/>
+              </a:rPr>
+              <a:t>.get_vector</a:t>
+            </a:r>
+            <a:r>
+              <a:rPr lang="en-US" sz="1000" dirty="0">
+                <a:solidFill>
+                  <a:srgbClr val="000000"/>
+                </a:solidFill>
+                <a:latin typeface="Menlo" panose="020B0609030804020204" pitchFamily="49" charset="0"/>
+              </a:rPr>
+              <a:t>(</a:t>
+            </a:r>
+            <a:r>
+              <a:rPr lang="en-US" sz="1000" dirty="0">
+                <a:solidFill>
+                  <a:srgbClr val="001080"/>
+                </a:solidFill>
+                <a:latin typeface="Menlo" panose="020B0609030804020204" pitchFamily="49" charset="0"/>
+              </a:rPr>
+              <a:t>base</a:t>
+            </a:r>
+            <a:r>
+              <a:rPr lang="en-US" sz="1000" dirty="0">
+                <a:solidFill>
+                  <a:srgbClr val="000000"/>
+                </a:solidFill>
+                <a:latin typeface="Menlo" panose="020B0609030804020204" pitchFamily="49" charset="0"/>
+              </a:rPr>
+              <a:t>, </a:t>
+            </a:r>
+            <a:r>
+              <a:rPr lang="en-US" sz="1000" dirty="0">
+                <a:solidFill>
+                  <a:srgbClr val="001080"/>
+                </a:solidFill>
+                <a:latin typeface="Menlo" panose="020B0609030804020204" pitchFamily="49" charset="0"/>
+              </a:rPr>
+              <a:t>size</a:t>
+            </a:r>
+            <a:r>
+              <a:rPr lang="en-US" sz="1000" dirty="0">
+                <a:solidFill>
+                  <a:srgbClr val="000000"/>
+                </a:solidFill>
+                <a:latin typeface="Menlo" panose="020B0609030804020204" pitchFamily="49" charset="0"/>
+              </a:rPr>
+              <a:t>) +</a:t>
+            </a:r>
+          </a:p>
+          <a:p>
+            <a:r>
+              <a:rPr lang="en-US" sz="1000" dirty="0" err="1">
+                <a:solidFill>
+                  <a:srgbClr val="001080"/>
+                </a:solidFill>
+                <a:latin typeface="Menlo" panose="020B0609030804020204" pitchFamily="49" charset="0"/>
+              </a:rPr>
+              <a:t>delta_theta</a:t>
+            </a:r>
+            <a:r>
+              <a:rPr lang="en-US" sz="1000" dirty="0" err="1">
+                <a:solidFill>
+                  <a:srgbClr val="000000"/>
+                </a:solidFill>
+                <a:latin typeface="Menlo" panose="020B0609030804020204" pitchFamily="49" charset="0"/>
+              </a:rPr>
+              <a:t>.get_vector</a:t>
+            </a:r>
+            <a:r>
+              <a:rPr lang="en-US" sz="1000" dirty="0">
+                <a:solidFill>
+                  <a:srgbClr val="000000"/>
+                </a:solidFill>
+                <a:latin typeface="Menlo" panose="020B0609030804020204" pitchFamily="49" charset="0"/>
+              </a:rPr>
+              <a:t>(</a:t>
+            </a:r>
+            <a:r>
+              <a:rPr lang="en-US" sz="1000" dirty="0">
+                <a:solidFill>
+                  <a:srgbClr val="001080"/>
+                </a:solidFill>
+                <a:latin typeface="Menlo" panose="020B0609030804020204" pitchFamily="49" charset="0"/>
+              </a:rPr>
+              <a:t>base</a:t>
+            </a:r>
+            <a:r>
+              <a:rPr lang="en-US" sz="1000" dirty="0">
+                <a:solidFill>
+                  <a:srgbClr val="000000"/>
+                </a:solidFill>
+                <a:latin typeface="Menlo" panose="020B0609030804020204" pitchFamily="49" charset="0"/>
+              </a:rPr>
+              <a:t>, </a:t>
+            </a:r>
+            <a:r>
+              <a:rPr lang="en-US" sz="1000" dirty="0">
+                <a:solidFill>
+                  <a:srgbClr val="001080"/>
+                </a:solidFill>
+                <a:latin typeface="Menlo" panose="020B0609030804020204" pitchFamily="49" charset="0"/>
+              </a:rPr>
+              <a:t>size</a:t>
+            </a:r>
+            <a:r>
+              <a:rPr lang="en-US" sz="1000" dirty="0">
+                <a:solidFill>
+                  <a:srgbClr val="000000"/>
+                </a:solidFill>
+                <a:latin typeface="Menlo" panose="020B0609030804020204" pitchFamily="49" charset="0"/>
+              </a:rPr>
+              <a:t>), </a:t>
+            </a:r>
+            <a:r>
+              <a:rPr lang="en-US" sz="1000" dirty="0">
+                <a:solidFill>
+                  <a:srgbClr val="001080"/>
+                </a:solidFill>
+                <a:latin typeface="Menlo" panose="020B0609030804020204" pitchFamily="49" charset="0"/>
+              </a:rPr>
+              <a:t>base</a:t>
+            </a:r>
+            <a:r>
+              <a:rPr lang="en-US" sz="1000" dirty="0">
+                <a:solidFill>
+                  <a:srgbClr val="000000"/>
+                </a:solidFill>
+                <a:latin typeface="Menlo" panose="020B0609030804020204" pitchFamily="49" charset="0"/>
+              </a:rPr>
+              <a:t>) </a:t>
+            </a:r>
+            <a:r>
+              <a:rPr lang="en-US" sz="1000" dirty="0">
+                <a:solidFill>
+                  <a:srgbClr val="008000"/>
+                </a:solidFill>
+                <a:latin typeface="Menlo" panose="020B0609030804020204" pitchFamily="49" charset="0"/>
+              </a:rPr>
+              <a:t># theta = theta + </a:t>
+            </a:r>
+            <a:r>
+              <a:rPr lang="en-US" sz="1000" dirty="0" err="1">
+                <a:solidFill>
+                  <a:srgbClr val="008000"/>
+                </a:solidFill>
+                <a:latin typeface="Menlo" panose="020B0609030804020204" pitchFamily="49" charset="0"/>
+              </a:rPr>
+              <a:t>delta_theta</a:t>
+            </a:r>
+            <a:endParaRPr lang="en-US" sz="1000" b="0" dirty="0">
+              <a:solidFill>
+                <a:srgbClr val="000000"/>
+              </a:solidFill>
+              <a:effectLst/>
+              <a:latin typeface="Menlo" panose="020B0609030804020204" pitchFamily="49" charset="0"/>
+            </a:endParaRPr>
+          </a:p>
+        </p:txBody>
+      </p:sp>
+    </p:spTree>
+    <p:extLst>
+      <p:ext uri="{BB962C8B-B14F-4D97-AF65-F5344CB8AC3E}">
+        <p14:creationId xmlns:p14="http://schemas.microsoft.com/office/powerpoint/2010/main" val="504942803"/>
+      </p:ext>
+    </p:extLst>
+  </p:cSld>
+  <p:clrMapOvr>
+    <a:masterClrMapping/>
+  </p:clrMapOvr>
+</p:sld>
+</file>
+
 <file path=ppt/slides/slide2.xml><?xml version="1.0" encoding="utf-8"?>
 <p:sld xmlns:a="http://schemas.openxmlformats.org/drawingml/2006/main" xmlns:r="http://schemas.openxmlformats.org/officeDocument/2006/relationships" xmlns:p="http://schemas.openxmlformats.org/presentationml/2006/main">
   <p:cSld>
